--- a/docs/lab5/图片.pptx
+++ b/docs/lab5/图片.pptx
@@ -27,13 +27,15 @@
     <p:sldId id="275" r:id="rId22"/>
     <p:sldId id="278" r:id="rId23"/>
     <p:sldId id="280" r:id="rId24"/>
-    <p:sldId id="276" r:id="rId25"/>
-    <p:sldId id="277" r:id="rId26"/>
+    <p:sldId id="284" r:id="rId25"/>
+    <p:sldId id="276" r:id="rId26"/>
+    <p:sldId id="283" r:id="rId27"/>
+    <p:sldId id="277" r:id="rId28"/>
   </p:sldIdLst>
   <p:sldSz cx="12192000" cy="6858000"/>
   <p:notesSz cx="6858000" cy="9144000"/>
   <p:custDataLst>
-    <p:tags r:id="rId30"/>
+    <p:tags r:id="rId32"/>
   </p:custDataLst>
   <p:defaultTextStyle>
     <a:defPPr>
@@ -14486,7 +14488,7 @@
         </p:nvSpPr>
         <p:spPr>
           <a:xfrm>
-            <a:off x="2323465" y="3707765"/>
+            <a:off x="2254885" y="5020945"/>
             <a:ext cx="2675255" cy="486410"/>
           </a:xfrm>
           <a:prstGeom prst="rect">
@@ -14526,7 +14528,7 @@
         </p:nvSpPr>
         <p:spPr>
           <a:xfrm>
-            <a:off x="2392045" y="3769360"/>
+            <a:off x="2323465" y="5082540"/>
             <a:ext cx="2538730" cy="368300"/>
           </a:xfrm>
           <a:prstGeom prst="rect">
@@ -14559,7 +14561,7 @@
         </p:nvSpPr>
         <p:spPr>
           <a:xfrm>
-            <a:off x="2323465" y="4659630"/>
+            <a:off x="2281555" y="3707765"/>
             <a:ext cx="2607310" cy="847725"/>
           </a:xfrm>
           <a:prstGeom prst="rect">
@@ -14599,7 +14601,7 @@
         </p:nvSpPr>
         <p:spPr>
           <a:xfrm>
-            <a:off x="2594610" y="4750435"/>
+            <a:off x="2552700" y="3798570"/>
             <a:ext cx="2166620" cy="645160"/>
           </a:xfrm>
           <a:prstGeom prst="rect">
@@ -14645,7 +14647,7 @@
         </p:nvSpPr>
         <p:spPr>
           <a:xfrm>
-            <a:off x="3218180" y="5935980"/>
+            <a:off x="3218180" y="6012180"/>
             <a:ext cx="731520" cy="496570"/>
           </a:xfrm>
           <a:prstGeom prst="rect">
@@ -14685,7 +14687,7 @@
         </p:nvSpPr>
         <p:spPr>
           <a:xfrm>
-            <a:off x="3263900" y="6000115"/>
+            <a:off x="3263900" y="6076315"/>
             <a:ext cx="640080" cy="368300"/>
           </a:xfrm>
           <a:prstGeom prst="rect">
@@ -14882,7 +14884,7 @@
         </p:nvCxnSpPr>
         <p:spPr>
           <a:xfrm>
-            <a:off x="3630295" y="4222115"/>
+            <a:off x="3588385" y="4572635"/>
             <a:ext cx="8255" cy="409575"/>
           </a:xfrm>
           <a:prstGeom prst="straightConnector1">
@@ -14915,7 +14917,7 @@
         </p:nvCxnSpPr>
         <p:spPr>
           <a:xfrm>
-            <a:off x="3580130" y="5514340"/>
+            <a:off x="3580130" y="5590540"/>
             <a:ext cx="8255" cy="409575"/>
           </a:xfrm>
           <a:prstGeom prst="straightConnector1">
@@ -15331,234 +15333,6 @@
             <a:r>
               <a:rPr lang="zh-CN" altLang="en-US"/>
               <a:t>失败</a:t>
-            </a:r>
-            <a:endParaRPr lang="zh-CN" altLang="en-US"/>
-          </a:p>
-        </p:txBody>
-      </p:sp>
-      <p:sp>
-        <p:nvSpPr>
-          <p:cNvPr id="51" name="矩形 50"/>
-          <p:cNvSpPr/>
-          <p:nvPr/>
-        </p:nvSpPr>
-        <p:spPr>
-          <a:xfrm>
-            <a:off x="8009255" y="3707765"/>
-            <a:ext cx="2675255" cy="486410"/>
-          </a:xfrm>
-          <a:prstGeom prst="rect">
-            <a:avLst/>
-          </a:prstGeom>
-          <a:noFill/>
-        </p:spPr>
-        <p:style>
-          <a:lnRef idx="2">
-            <a:schemeClr val="accent1">
-              <a:shade val="50000"/>
-            </a:schemeClr>
-          </a:lnRef>
-          <a:fillRef idx="1">
-            <a:schemeClr val="accent1"/>
-          </a:fillRef>
-          <a:effectRef idx="0">
-            <a:schemeClr val="accent1"/>
-          </a:effectRef>
-          <a:fontRef idx="minor">
-            <a:schemeClr val="lt1"/>
-          </a:fontRef>
-        </p:style>
-        <p:txBody>
-          <a:bodyPr rtlCol="0" anchor="ctr"/>
-          <a:p>
-            <a:pPr algn="ctr"/>
-            <a:endParaRPr lang="zh-CN" altLang="en-US"/>
-          </a:p>
-        </p:txBody>
-      </p:sp>
-      <p:sp>
-        <p:nvSpPr>
-          <p:cNvPr id="52" name="文本框 51"/>
-          <p:cNvSpPr txBox="1"/>
-          <p:nvPr/>
-        </p:nvSpPr>
-        <p:spPr>
-          <a:xfrm>
-            <a:off x="8077835" y="3769360"/>
-            <a:ext cx="2538730" cy="368300"/>
-          </a:xfrm>
-          <a:prstGeom prst="rect">
-            <a:avLst/>
-          </a:prstGeom>
-          <a:noFill/>
-        </p:spPr>
-        <p:txBody>
-          <a:bodyPr wrap="none" rtlCol="0">
-            <a:spAutoFit/>
-          </a:bodyPr>
-          <a:p>
-            <a:r>
-              <a:rPr lang="zh-CN" altLang="en-US"/>
-              <a:t>分配新的索引节点</a:t>
-            </a:r>
-            <a:r>
-              <a:rPr lang="en-US" altLang="zh-CN"/>
-              <a:t>inode</a:t>
-            </a:r>
-            <a:endParaRPr lang="en-US" altLang="zh-CN"/>
-          </a:p>
-        </p:txBody>
-      </p:sp>
-      <p:sp>
-        <p:nvSpPr>
-          <p:cNvPr id="53" name="矩形 52"/>
-          <p:cNvSpPr/>
-          <p:nvPr/>
-        </p:nvSpPr>
-        <p:spPr>
-          <a:xfrm>
-            <a:off x="8009255" y="4659630"/>
-            <a:ext cx="2607310" cy="847725"/>
-          </a:xfrm>
-          <a:prstGeom prst="rect">
-            <a:avLst/>
-          </a:prstGeom>
-          <a:noFill/>
-        </p:spPr>
-        <p:style>
-          <a:lnRef idx="2">
-            <a:schemeClr val="accent1">
-              <a:shade val="50000"/>
-            </a:schemeClr>
-          </a:lnRef>
-          <a:fillRef idx="1">
-            <a:schemeClr val="accent1"/>
-          </a:fillRef>
-          <a:effectRef idx="0">
-            <a:schemeClr val="accent1"/>
-          </a:effectRef>
-          <a:fontRef idx="minor">
-            <a:schemeClr val="lt1"/>
-          </a:fontRef>
-        </p:style>
-        <p:txBody>
-          <a:bodyPr rtlCol="0" anchor="ctr"/>
-          <a:p>
-            <a:pPr algn="ctr"/>
-            <a:endParaRPr lang="zh-CN" altLang="en-US"/>
-          </a:p>
-        </p:txBody>
-      </p:sp>
-      <p:sp>
-        <p:nvSpPr>
-          <p:cNvPr id="54" name="文本框 53"/>
-          <p:cNvSpPr txBox="1"/>
-          <p:nvPr/>
-        </p:nvSpPr>
-        <p:spPr>
-          <a:xfrm>
-            <a:off x="8280400" y="4750435"/>
-            <a:ext cx="2166620" cy="645160"/>
-          </a:xfrm>
-          <a:prstGeom prst="rect">
-            <a:avLst/>
-          </a:prstGeom>
-          <a:noFill/>
-        </p:spPr>
-        <p:txBody>
-          <a:bodyPr wrap="none" rtlCol="0">
-            <a:spAutoFit/>
-          </a:bodyPr>
-          <a:p>
-            <a:pPr algn="ctr"/>
-            <a:r>
-              <a:rPr lang="zh-CN" altLang="en-US"/>
-              <a:t>创建新的</a:t>
-            </a:r>
-            <a:r>
-              <a:rPr lang="en-US" altLang="zh-CN"/>
-              <a:t>dentry</a:t>
-            </a:r>
-            <a:r>
-              <a:rPr lang="zh-CN" altLang="en-US"/>
-              <a:t>结构</a:t>
-            </a:r>
-            <a:endParaRPr lang="zh-CN" altLang="en-US"/>
-          </a:p>
-          <a:p>
-            <a:pPr algn="ctr"/>
-            <a:r>
-              <a:rPr lang="zh-CN" altLang="en-US"/>
-              <a:t>添加到父目录中</a:t>
-            </a:r>
-            <a:endParaRPr lang="en-US" altLang="zh-CN"/>
-          </a:p>
-        </p:txBody>
-      </p:sp>
-      <p:sp>
-        <p:nvSpPr>
-          <p:cNvPr id="55" name="矩形 54"/>
-          <p:cNvSpPr/>
-          <p:nvPr/>
-        </p:nvSpPr>
-        <p:spPr>
-          <a:xfrm>
-            <a:off x="8903970" y="5935980"/>
-            <a:ext cx="731520" cy="496570"/>
-          </a:xfrm>
-          <a:prstGeom prst="rect">
-            <a:avLst/>
-          </a:prstGeom>
-          <a:noFill/>
-        </p:spPr>
-        <p:style>
-          <a:lnRef idx="2">
-            <a:schemeClr val="accent1">
-              <a:shade val="50000"/>
-            </a:schemeClr>
-          </a:lnRef>
-          <a:fillRef idx="1">
-            <a:schemeClr val="accent1"/>
-          </a:fillRef>
-          <a:effectRef idx="0">
-            <a:schemeClr val="accent1"/>
-          </a:effectRef>
-          <a:fontRef idx="minor">
-            <a:schemeClr val="lt1"/>
-          </a:fontRef>
-        </p:style>
-        <p:txBody>
-          <a:bodyPr rtlCol="0" anchor="ctr"/>
-          <a:p>
-            <a:pPr algn="ctr"/>
-            <a:endParaRPr lang="zh-CN" altLang="en-US"/>
-          </a:p>
-        </p:txBody>
-      </p:sp>
-      <p:sp>
-        <p:nvSpPr>
-          <p:cNvPr id="56" name="文本框 55"/>
-          <p:cNvSpPr txBox="1"/>
-          <p:nvPr/>
-        </p:nvSpPr>
-        <p:spPr>
-          <a:xfrm>
-            <a:off x="8949690" y="6000115"/>
-            <a:ext cx="640080" cy="368300"/>
-          </a:xfrm>
-          <a:prstGeom prst="rect">
-            <a:avLst/>
-          </a:prstGeom>
-          <a:noFill/>
-        </p:spPr>
-        <p:txBody>
-          <a:bodyPr wrap="none" rtlCol="0">
-            <a:spAutoFit/>
-          </a:bodyPr>
-          <a:p>
-            <a:r>
-              <a:rPr lang="zh-CN" altLang="en-US"/>
-              <a:t>成功</a:t>
             </a:r>
             <a:endParaRPr lang="zh-CN" altLang="en-US"/>
           </a:p>
@@ -15708,72 +15482,6 @@
         <p:spPr>
           <a:xfrm>
             <a:off x="9324340" y="3258185"/>
-            <a:ext cx="8255" cy="409575"/>
-          </a:xfrm>
-          <a:prstGeom prst="straightConnector1">
-            <a:avLst/>
-          </a:prstGeom>
-          <a:ln>
-            <a:tailEnd type="arrow"/>
-          </a:ln>
-        </p:spPr>
-        <p:style>
-          <a:lnRef idx="1">
-            <a:schemeClr val="accent1"/>
-          </a:lnRef>
-          <a:fillRef idx="0">
-            <a:schemeClr val="accent1"/>
-          </a:fillRef>
-          <a:effectRef idx="0">
-            <a:schemeClr val="accent1"/>
-          </a:effectRef>
-          <a:fontRef idx="minor">
-            <a:schemeClr val="tx1"/>
-          </a:fontRef>
-        </p:style>
-      </p:cxnSp>
-      <p:cxnSp>
-        <p:nvCxnSpPr>
-          <p:cNvPr id="62" name="直接箭头连接符 61"/>
-          <p:cNvCxnSpPr/>
-          <p:nvPr/>
-        </p:nvCxnSpPr>
-        <p:spPr>
-          <a:xfrm>
-            <a:off x="9316085" y="4222115"/>
-            <a:ext cx="8255" cy="409575"/>
-          </a:xfrm>
-          <a:prstGeom prst="straightConnector1">
-            <a:avLst/>
-          </a:prstGeom>
-          <a:ln>
-            <a:tailEnd type="arrow"/>
-          </a:ln>
-        </p:spPr>
-        <p:style>
-          <a:lnRef idx="1">
-            <a:schemeClr val="accent1"/>
-          </a:lnRef>
-          <a:fillRef idx="0">
-            <a:schemeClr val="accent1"/>
-          </a:fillRef>
-          <a:effectRef idx="0">
-            <a:schemeClr val="accent1"/>
-          </a:effectRef>
-          <a:fontRef idx="minor">
-            <a:schemeClr val="tx1"/>
-          </a:fontRef>
-        </p:style>
-      </p:cxnSp>
-      <p:cxnSp>
-        <p:nvCxnSpPr>
-          <p:cNvPr id="63" name="直接箭头连接符 62"/>
-          <p:cNvCxnSpPr/>
-          <p:nvPr/>
-        </p:nvCxnSpPr>
-        <p:spPr>
-          <a:xfrm>
-            <a:off x="9265920" y="5514340"/>
             <a:ext cx="8255" cy="409575"/>
           </a:xfrm>
           <a:prstGeom prst="straightConnector1">
@@ -15962,6 +15670,300 @@
           </a:p>
         </p:txBody>
       </p:sp>
+      <p:sp>
+        <p:nvSpPr>
+          <p:cNvPr id="2" name="矩形 1"/>
+          <p:cNvSpPr/>
+          <p:nvPr/>
+        </p:nvSpPr>
+        <p:spPr>
+          <a:xfrm>
+            <a:off x="7997825" y="5038090"/>
+            <a:ext cx="2675255" cy="486410"/>
+          </a:xfrm>
+          <a:prstGeom prst="rect">
+            <a:avLst/>
+          </a:prstGeom>
+          <a:noFill/>
+        </p:spPr>
+        <p:style>
+          <a:lnRef idx="2">
+            <a:schemeClr val="accent1">
+              <a:shade val="50000"/>
+            </a:schemeClr>
+          </a:lnRef>
+          <a:fillRef idx="1">
+            <a:schemeClr val="accent1"/>
+          </a:fillRef>
+          <a:effectRef idx="0">
+            <a:schemeClr val="accent1"/>
+          </a:effectRef>
+          <a:fontRef idx="minor">
+            <a:schemeClr val="lt1"/>
+          </a:fontRef>
+        </p:style>
+        <p:txBody>
+          <a:bodyPr rtlCol="0" anchor="ctr"/>
+          <a:p>
+            <a:pPr algn="ctr"/>
+            <a:endParaRPr lang="zh-CN" altLang="en-US"/>
+          </a:p>
+        </p:txBody>
+      </p:sp>
+      <p:sp>
+        <p:nvSpPr>
+          <p:cNvPr id="3" name="文本框 2"/>
+          <p:cNvSpPr txBox="1"/>
+          <p:nvPr/>
+        </p:nvSpPr>
+        <p:spPr>
+          <a:xfrm>
+            <a:off x="8066405" y="5099685"/>
+            <a:ext cx="2538730" cy="368300"/>
+          </a:xfrm>
+          <a:prstGeom prst="rect">
+            <a:avLst/>
+          </a:prstGeom>
+          <a:noFill/>
+        </p:spPr>
+        <p:txBody>
+          <a:bodyPr wrap="none" rtlCol="0">
+            <a:spAutoFit/>
+          </a:bodyPr>
+          <a:p>
+            <a:r>
+              <a:rPr lang="zh-CN" altLang="en-US"/>
+              <a:t>分配新的索引节点</a:t>
+            </a:r>
+            <a:r>
+              <a:rPr lang="en-US" altLang="zh-CN"/>
+              <a:t>inode</a:t>
+            </a:r>
+            <a:endParaRPr lang="en-US" altLang="zh-CN"/>
+          </a:p>
+        </p:txBody>
+      </p:sp>
+      <p:sp>
+        <p:nvSpPr>
+          <p:cNvPr id="4" name="矩形 3"/>
+          <p:cNvSpPr/>
+          <p:nvPr/>
+        </p:nvSpPr>
+        <p:spPr>
+          <a:xfrm>
+            <a:off x="8024495" y="3724910"/>
+            <a:ext cx="2607310" cy="847725"/>
+          </a:xfrm>
+          <a:prstGeom prst="rect">
+            <a:avLst/>
+          </a:prstGeom>
+          <a:noFill/>
+        </p:spPr>
+        <p:style>
+          <a:lnRef idx="2">
+            <a:schemeClr val="accent1">
+              <a:shade val="50000"/>
+            </a:schemeClr>
+          </a:lnRef>
+          <a:fillRef idx="1">
+            <a:schemeClr val="accent1"/>
+          </a:fillRef>
+          <a:effectRef idx="0">
+            <a:schemeClr val="accent1"/>
+          </a:effectRef>
+          <a:fontRef idx="minor">
+            <a:schemeClr val="lt1"/>
+          </a:fontRef>
+        </p:style>
+        <p:txBody>
+          <a:bodyPr rtlCol="0" anchor="ctr"/>
+          <a:p>
+            <a:pPr algn="ctr"/>
+            <a:endParaRPr lang="zh-CN" altLang="en-US"/>
+          </a:p>
+        </p:txBody>
+      </p:sp>
+      <p:sp>
+        <p:nvSpPr>
+          <p:cNvPr id="5" name="文本框 4"/>
+          <p:cNvSpPr txBox="1"/>
+          <p:nvPr/>
+        </p:nvSpPr>
+        <p:spPr>
+          <a:xfrm>
+            <a:off x="8295640" y="3815715"/>
+            <a:ext cx="2166620" cy="645160"/>
+          </a:xfrm>
+          <a:prstGeom prst="rect">
+            <a:avLst/>
+          </a:prstGeom>
+          <a:noFill/>
+        </p:spPr>
+        <p:txBody>
+          <a:bodyPr wrap="none" rtlCol="0">
+            <a:spAutoFit/>
+          </a:bodyPr>
+          <a:p>
+            <a:pPr algn="ctr"/>
+            <a:r>
+              <a:rPr lang="zh-CN" altLang="en-US"/>
+              <a:t>创建新的</a:t>
+            </a:r>
+            <a:r>
+              <a:rPr lang="en-US" altLang="zh-CN"/>
+              <a:t>dentry</a:t>
+            </a:r>
+            <a:r>
+              <a:rPr lang="zh-CN" altLang="en-US"/>
+              <a:t>结构</a:t>
+            </a:r>
+            <a:endParaRPr lang="zh-CN" altLang="en-US"/>
+          </a:p>
+          <a:p>
+            <a:pPr algn="ctr"/>
+            <a:r>
+              <a:rPr lang="zh-CN" altLang="en-US"/>
+              <a:t>添加到父目录中</a:t>
+            </a:r>
+            <a:endParaRPr lang="en-US" altLang="zh-CN"/>
+          </a:p>
+        </p:txBody>
+      </p:sp>
+      <p:sp>
+        <p:nvSpPr>
+          <p:cNvPr id="7" name="矩形 6"/>
+          <p:cNvSpPr/>
+          <p:nvPr/>
+        </p:nvSpPr>
+        <p:spPr>
+          <a:xfrm>
+            <a:off x="8970010" y="5948045"/>
+            <a:ext cx="731520" cy="496570"/>
+          </a:xfrm>
+          <a:prstGeom prst="rect">
+            <a:avLst/>
+          </a:prstGeom>
+          <a:noFill/>
+        </p:spPr>
+        <p:style>
+          <a:lnRef idx="2">
+            <a:schemeClr val="accent1">
+              <a:shade val="50000"/>
+            </a:schemeClr>
+          </a:lnRef>
+          <a:fillRef idx="1">
+            <a:schemeClr val="accent1"/>
+          </a:fillRef>
+          <a:effectRef idx="0">
+            <a:schemeClr val="accent1"/>
+          </a:effectRef>
+          <a:fontRef idx="minor">
+            <a:schemeClr val="lt1"/>
+          </a:fontRef>
+        </p:style>
+        <p:txBody>
+          <a:bodyPr rtlCol="0" anchor="ctr"/>
+          <a:p>
+            <a:pPr algn="ctr"/>
+            <a:endParaRPr lang="zh-CN" altLang="en-US"/>
+          </a:p>
+        </p:txBody>
+      </p:sp>
+      <p:sp>
+        <p:nvSpPr>
+          <p:cNvPr id="9" name="文本框 8"/>
+          <p:cNvSpPr txBox="1"/>
+          <p:nvPr/>
+        </p:nvSpPr>
+        <p:spPr>
+          <a:xfrm>
+            <a:off x="9015730" y="6012180"/>
+            <a:ext cx="640080" cy="368300"/>
+          </a:xfrm>
+          <a:prstGeom prst="rect">
+            <a:avLst/>
+          </a:prstGeom>
+          <a:noFill/>
+        </p:spPr>
+        <p:txBody>
+          <a:bodyPr wrap="none" rtlCol="0">
+            <a:spAutoFit/>
+          </a:bodyPr>
+          <a:p>
+            <a:r>
+              <a:rPr lang="zh-CN" altLang="en-US"/>
+              <a:t>成功</a:t>
+            </a:r>
+            <a:endParaRPr lang="zh-CN" altLang="en-US"/>
+          </a:p>
+        </p:txBody>
+      </p:sp>
+      <p:cxnSp>
+        <p:nvCxnSpPr>
+          <p:cNvPr id="13" name="直接箭头连接符 12"/>
+          <p:cNvCxnSpPr/>
+          <p:nvPr/>
+        </p:nvCxnSpPr>
+        <p:spPr>
+          <a:xfrm>
+            <a:off x="9331325" y="4589780"/>
+            <a:ext cx="8255" cy="409575"/>
+          </a:xfrm>
+          <a:prstGeom prst="straightConnector1">
+            <a:avLst/>
+          </a:prstGeom>
+          <a:ln>
+            <a:tailEnd type="arrow"/>
+          </a:ln>
+        </p:spPr>
+        <p:style>
+          <a:lnRef idx="1">
+            <a:schemeClr val="accent1"/>
+          </a:lnRef>
+          <a:fillRef idx="0">
+            <a:schemeClr val="accent1"/>
+          </a:fillRef>
+          <a:effectRef idx="0">
+            <a:schemeClr val="accent1"/>
+          </a:effectRef>
+          <a:fontRef idx="minor">
+            <a:schemeClr val="tx1"/>
+          </a:fontRef>
+        </p:style>
+      </p:cxnSp>
+      <p:cxnSp>
+        <p:nvCxnSpPr>
+          <p:cNvPr id="14" name="直接箭头连接符 13"/>
+          <p:cNvCxnSpPr/>
+          <p:nvPr/>
+        </p:nvCxnSpPr>
+        <p:spPr>
+          <a:xfrm>
+            <a:off x="9331960" y="5526405"/>
+            <a:ext cx="8255" cy="409575"/>
+          </a:xfrm>
+          <a:prstGeom prst="straightConnector1">
+            <a:avLst/>
+          </a:prstGeom>
+          <a:ln>
+            <a:tailEnd type="arrow"/>
+          </a:ln>
+        </p:spPr>
+        <p:style>
+          <a:lnRef idx="1">
+            <a:schemeClr val="accent1"/>
+          </a:lnRef>
+          <a:fillRef idx="0">
+            <a:schemeClr val="accent1"/>
+          </a:fillRef>
+          <a:effectRef idx="0">
+            <a:schemeClr val="accent1"/>
+          </a:effectRef>
+          <a:fontRef idx="minor">
+            <a:schemeClr val="tx1"/>
+          </a:fontRef>
+        </p:style>
+      </p:cxnSp>
     </p:spTree>
   </p:cSld>
   <p:clrMapOvr>
@@ -18998,416 +19000,6 @@
           <a:prstGeom prst="straightConnector1">
             <a:avLst/>
           </a:prstGeom>
-          <a:ln>
-            <a:tailEnd type="arrow"/>
-          </a:ln>
-        </p:spPr>
-        <p:style>
-          <a:lnRef idx="1">
-            <a:schemeClr val="accent1"/>
-          </a:lnRef>
-          <a:fillRef idx="0">
-            <a:schemeClr val="accent1"/>
-          </a:fillRef>
-          <a:effectRef idx="0">
-            <a:schemeClr val="accent1"/>
-          </a:effectRef>
-          <a:fontRef idx="minor">
-            <a:schemeClr val="tx1"/>
-          </a:fontRef>
-        </p:style>
-      </p:cxnSp>
-      <p:cxnSp>
-        <p:nvCxnSpPr>
-          <p:cNvPr id="43" name="直接箭头连接符 42"/>
-          <p:cNvCxnSpPr/>
-          <p:nvPr/>
-        </p:nvCxnSpPr>
-        <p:spPr>
-          <a:xfrm flipH="1" flipV="1">
-            <a:off x="3209290" y="4044315"/>
-            <a:ext cx="1502410" cy="1600200"/>
-          </a:xfrm>
-          <a:prstGeom prst="straightConnector1">
-            <a:avLst/>
-          </a:prstGeom>
-          <a:ln>
-            <a:tailEnd type="arrow"/>
-          </a:ln>
-        </p:spPr>
-        <p:style>
-          <a:lnRef idx="1">
-            <a:schemeClr val="accent1"/>
-          </a:lnRef>
-          <a:fillRef idx="0">
-            <a:schemeClr val="accent1"/>
-          </a:fillRef>
-          <a:effectRef idx="0">
-            <a:schemeClr val="accent1"/>
-          </a:effectRef>
-          <a:fontRef idx="minor">
-            <a:schemeClr val="tx1"/>
-          </a:fontRef>
-        </p:style>
-      </p:cxnSp>
-      <p:sp>
-        <p:nvSpPr>
-          <p:cNvPr id="44" name="文本框 43"/>
-          <p:cNvSpPr txBox="1"/>
-          <p:nvPr/>
-        </p:nvSpPr>
-        <p:spPr>
-          <a:xfrm>
-            <a:off x="1567180" y="1537335"/>
-            <a:ext cx="2011680" cy="368300"/>
-          </a:xfrm>
-          <a:prstGeom prst="rect">
-            <a:avLst/>
-          </a:prstGeom>
-          <a:noFill/>
-        </p:spPr>
-        <p:txBody>
-          <a:bodyPr wrap="none" rtlCol="0">
-            <a:spAutoFit/>
-          </a:bodyPr>
-          <a:p>
-            <a:r>
-              <a:rPr lang="zh-CN" altLang="en-US"/>
-              <a:t>从</a:t>
-            </a:r>
-            <a:r>
-              <a:rPr lang="zh-CN" altLang="en-US" b="1"/>
-              <a:t>根目录开始</a:t>
-            </a:r>
-            <a:r>
-              <a:rPr lang="zh-CN" altLang="en-US"/>
-              <a:t>解析</a:t>
-            </a:r>
-            <a:endParaRPr lang="zh-CN" altLang="en-US"/>
-          </a:p>
-        </p:txBody>
-      </p:sp>
-      <p:sp>
-        <p:nvSpPr>
-          <p:cNvPr id="45" name="文本框 44"/>
-          <p:cNvSpPr txBox="1"/>
-          <p:nvPr/>
-        </p:nvSpPr>
-        <p:spPr>
-          <a:xfrm>
-            <a:off x="367665" y="4722495"/>
-            <a:ext cx="3412490" cy="922020"/>
-          </a:xfrm>
-          <a:prstGeom prst="rect">
-            <a:avLst/>
-          </a:prstGeom>
-          <a:noFill/>
-        </p:spPr>
-        <p:txBody>
-          <a:bodyPr wrap="none" rtlCol="0">
-            <a:spAutoFit/>
-          </a:bodyPr>
-          <a:p>
-            <a:pPr algn="l"/>
-            <a:r>
-              <a:rPr lang="zh-CN" altLang="en-US"/>
-              <a:t>成功解析到</a:t>
-            </a:r>
-            <a:r>
-              <a:rPr lang="en-US" altLang="zh-CN"/>
-              <a:t> </a:t>
-            </a:r>
-            <a:r>
-              <a:rPr lang="zh-CN" altLang="en-US" b="1"/>
-              <a:t>倒数第二层</a:t>
-            </a:r>
-            <a:r>
-              <a:rPr lang="en-US" altLang="zh-CN"/>
-              <a:t> </a:t>
-            </a:r>
-            <a:r>
-              <a:rPr lang="zh-CN" altLang="en-US"/>
-              <a:t>的</a:t>
-            </a:r>
-            <a:r>
-              <a:rPr lang="en-US" altLang="zh-CN"/>
-              <a:t>dentry</a:t>
-            </a:r>
-            <a:endParaRPr lang="en-US" altLang="zh-CN"/>
-          </a:p>
-          <a:p>
-            <a:pPr algn="l"/>
-            <a:r>
-              <a:rPr lang="zh-CN" altLang="en-US"/>
-              <a:t>也就是</a:t>
-            </a:r>
-            <a:r>
-              <a:rPr lang="en-US" altLang="zh-CN"/>
-              <a:t>test</a:t>
-            </a:r>
-            <a:r>
-              <a:rPr lang="zh-CN" altLang="en-US"/>
-              <a:t>目录的</a:t>
-            </a:r>
-            <a:r>
-              <a:rPr lang="en-US" altLang="zh-CN"/>
-              <a:t>dentry</a:t>
-            </a:r>
-            <a:endParaRPr lang="en-US" altLang="zh-CN"/>
-          </a:p>
-          <a:p>
-            <a:pPr algn="l"/>
-            <a:r>
-              <a:rPr lang="zh-CN" altLang="en-US"/>
-              <a:t>返回</a:t>
-            </a:r>
-            <a:r>
-              <a:rPr lang="zh-CN" altLang="en-US" b="1"/>
-              <a:t>该父目录</a:t>
-            </a:r>
-            <a:r>
-              <a:rPr lang="en-US" altLang="zh-CN" b="1"/>
-              <a:t>(test)</a:t>
-            </a:r>
-            <a:r>
-              <a:rPr lang="zh-CN" altLang="en-US" b="1"/>
-              <a:t>的</a:t>
-            </a:r>
-            <a:r>
-              <a:rPr lang="en-US" altLang="zh-CN" b="1"/>
-              <a:t>dentry</a:t>
-            </a:r>
-            <a:endParaRPr lang="en-US" altLang="zh-CN" b="1"/>
-          </a:p>
-        </p:txBody>
-      </p:sp>
-      <p:sp>
-        <p:nvSpPr>
-          <p:cNvPr id="46" name="矩形 45"/>
-          <p:cNvSpPr/>
-          <p:nvPr/>
-        </p:nvSpPr>
-        <p:spPr>
-          <a:xfrm>
-            <a:off x="1644650" y="4723130"/>
-            <a:ext cx="1177925" cy="321945"/>
-          </a:xfrm>
-          <a:prstGeom prst="rect">
-            <a:avLst/>
-          </a:prstGeom>
-          <a:noFill/>
-          <a:ln w="12700" cmpd="sng">
-            <a:solidFill>
-              <a:srgbClr val="FF0000"/>
-            </a:solidFill>
-            <a:prstDash val="dash"/>
-          </a:ln>
-        </p:spPr>
-        <p:style>
-          <a:lnRef idx="2">
-            <a:schemeClr val="accent1">
-              <a:shade val="50000"/>
-            </a:schemeClr>
-          </a:lnRef>
-          <a:fillRef idx="1">
-            <a:schemeClr val="accent1"/>
-          </a:fillRef>
-          <a:effectRef idx="0">
-            <a:schemeClr val="accent1"/>
-          </a:effectRef>
-          <a:fontRef idx="minor">
-            <a:schemeClr val="lt1"/>
-          </a:fontRef>
-        </p:style>
-        <p:txBody>
-          <a:bodyPr rtlCol="0" anchor="ctr"/>
-          <a:p>
-            <a:pPr algn="ctr"/>
-            <a:endParaRPr lang="zh-CN" altLang="en-US"/>
-          </a:p>
-        </p:txBody>
-      </p:sp>
-      <p:sp>
-        <p:nvSpPr>
-          <p:cNvPr id="47" name="文本框 46"/>
-          <p:cNvSpPr txBox="1"/>
-          <p:nvPr/>
-        </p:nvSpPr>
-        <p:spPr>
-          <a:xfrm>
-            <a:off x="2458085" y="6368415"/>
-            <a:ext cx="3611880" cy="368300"/>
-          </a:xfrm>
-          <a:prstGeom prst="rect">
-            <a:avLst/>
-          </a:prstGeom>
-          <a:noFill/>
-        </p:spPr>
-        <p:txBody>
-          <a:bodyPr wrap="none" rtlCol="0">
-            <a:spAutoFit/>
-          </a:bodyPr>
-          <a:p>
-            <a:r>
-              <a:rPr lang="zh-CN" altLang="en-US" b="1"/>
-              <a:t>维护一个层级数，来确定停止条件</a:t>
-            </a:r>
-            <a:endParaRPr lang="zh-CN" altLang="en-US" b="1"/>
-          </a:p>
-        </p:txBody>
-      </p:sp>
-      <p:sp>
-        <p:nvSpPr>
-          <p:cNvPr id="48" name="文本框 47"/>
-          <p:cNvSpPr txBox="1"/>
-          <p:nvPr/>
-        </p:nvSpPr>
-        <p:spPr>
-          <a:xfrm>
-            <a:off x="7379970" y="111760"/>
-            <a:ext cx="2350135" cy="368300"/>
-          </a:xfrm>
-          <a:prstGeom prst="rect">
-            <a:avLst/>
-          </a:prstGeom>
-          <a:solidFill>
-            <a:schemeClr val="accent3">
-              <a:lumMod val="20000"/>
-              <a:lumOff val="80000"/>
-            </a:schemeClr>
-          </a:solidFill>
-        </p:spPr>
-        <p:txBody>
-          <a:bodyPr wrap="none" rtlCol="0">
-            <a:spAutoFit/>
-          </a:bodyPr>
-          <a:p>
-            <a:r>
-              <a:rPr lang="zh-CN" altLang="en-US"/>
-              <a:t>当前层级</a:t>
-            </a:r>
-            <a:r>
-              <a:rPr lang="en-US" altLang="zh-CN"/>
-              <a:t>=0, </a:t>
-            </a:r>
-            <a:r>
-              <a:rPr lang="zh-CN" altLang="en-US"/>
-              <a:t>总层级</a:t>
-            </a:r>
-            <a:r>
-              <a:rPr lang="en-US" altLang="zh-CN"/>
-              <a:t>=3</a:t>
-            </a:r>
-            <a:endParaRPr lang="en-US" altLang="zh-CN"/>
-          </a:p>
-        </p:txBody>
-      </p:sp>
-      <p:sp>
-        <p:nvSpPr>
-          <p:cNvPr id="52" name="文本框 51"/>
-          <p:cNvSpPr txBox="1"/>
-          <p:nvPr/>
-        </p:nvSpPr>
-        <p:spPr>
-          <a:xfrm>
-            <a:off x="9551670" y="2596515"/>
-            <a:ext cx="2350135" cy="368300"/>
-          </a:xfrm>
-          <a:prstGeom prst="rect">
-            <a:avLst/>
-          </a:prstGeom>
-          <a:solidFill>
-            <a:schemeClr val="accent3">
-              <a:lumMod val="20000"/>
-              <a:lumOff val="80000"/>
-            </a:schemeClr>
-          </a:solidFill>
-        </p:spPr>
-        <p:txBody>
-          <a:bodyPr wrap="none" rtlCol="0">
-            <a:spAutoFit/>
-          </a:bodyPr>
-          <a:p>
-            <a:r>
-              <a:rPr lang="zh-CN" altLang="en-US"/>
-              <a:t>当前层级</a:t>
-            </a:r>
-            <a:r>
-              <a:rPr lang="en-US" altLang="zh-CN"/>
-              <a:t>=1, </a:t>
-            </a:r>
-            <a:r>
-              <a:rPr lang="zh-CN" altLang="en-US"/>
-              <a:t>总层级</a:t>
-            </a:r>
-            <a:r>
-              <a:rPr lang="en-US" altLang="zh-CN"/>
-              <a:t>=3</a:t>
-            </a:r>
-            <a:endParaRPr lang="en-US" altLang="zh-CN"/>
-          </a:p>
-        </p:txBody>
-      </p:sp>
-      <p:sp>
-        <p:nvSpPr>
-          <p:cNvPr id="53" name="文本框 52"/>
-          <p:cNvSpPr txBox="1"/>
-          <p:nvPr/>
-        </p:nvSpPr>
-        <p:spPr>
-          <a:xfrm>
-            <a:off x="9657080" y="6135370"/>
-            <a:ext cx="2350135" cy="368300"/>
-          </a:xfrm>
-          <a:prstGeom prst="rect">
-            <a:avLst/>
-          </a:prstGeom>
-          <a:solidFill>
-            <a:schemeClr val="accent3">
-              <a:lumMod val="20000"/>
-              <a:lumOff val="80000"/>
-            </a:schemeClr>
-          </a:solidFill>
-        </p:spPr>
-        <p:txBody>
-          <a:bodyPr wrap="none" rtlCol="0">
-            <a:spAutoFit/>
-          </a:bodyPr>
-          <a:p>
-            <a:r>
-              <a:rPr lang="zh-CN" altLang="en-US"/>
-              <a:t>当前层级</a:t>
-            </a:r>
-            <a:r>
-              <a:rPr lang="en-US" altLang="zh-CN"/>
-              <a:t>=2, </a:t>
-            </a:r>
-            <a:r>
-              <a:rPr lang="zh-CN" altLang="en-US"/>
-              <a:t>总层级</a:t>
-            </a:r>
-            <a:r>
-              <a:rPr lang="en-US" altLang="zh-CN"/>
-              <a:t>=3</a:t>
-            </a:r>
-            <a:endParaRPr lang="en-US" altLang="zh-CN"/>
-          </a:p>
-        </p:txBody>
-      </p:sp>
-      <p:cxnSp>
-        <p:nvCxnSpPr>
-          <p:cNvPr id="54" name="直接箭头连接符 53"/>
-          <p:cNvCxnSpPr/>
-          <p:nvPr/>
-        </p:nvCxnSpPr>
-        <p:spPr>
-          <a:xfrm flipH="1" flipV="1">
-            <a:off x="3090545" y="5108575"/>
-            <a:ext cx="994410" cy="1208405"/>
-          </a:xfrm>
-          <a:prstGeom prst="straightConnector1">
-            <a:avLst/>
-          </a:prstGeom>
           <a:ln w="12700" cmpd="sng">
             <a:solidFill>
               <a:schemeClr val="accent1">
@@ -19435,14 +19027,14 @@
       </p:cxnSp>
       <p:cxnSp>
         <p:nvCxnSpPr>
-          <p:cNvPr id="55" name="直接箭头连接符 54"/>
+          <p:cNvPr id="43" name="直接箭头连接符 42"/>
           <p:cNvCxnSpPr/>
           <p:nvPr/>
         </p:nvCxnSpPr>
         <p:spPr>
-          <a:xfrm flipH="1">
-            <a:off x="6192520" y="6411595"/>
-            <a:ext cx="3372485" cy="200025"/>
+          <a:xfrm flipH="1" flipV="1">
+            <a:off x="3209290" y="4044315"/>
+            <a:ext cx="1502410" cy="1600200"/>
           </a:xfrm>
           <a:prstGeom prst="straightConnector1">
             <a:avLst/>
@@ -19454,6 +19046,428 @@
               </a:schemeClr>
             </a:solidFill>
             <a:prstDash val="dash"/>
+            <a:tailEnd type="arrow"/>
+          </a:ln>
+        </p:spPr>
+        <p:style>
+          <a:lnRef idx="1">
+            <a:schemeClr val="accent1"/>
+          </a:lnRef>
+          <a:fillRef idx="0">
+            <a:schemeClr val="accent1"/>
+          </a:fillRef>
+          <a:effectRef idx="0">
+            <a:schemeClr val="accent1"/>
+          </a:effectRef>
+          <a:fontRef idx="minor">
+            <a:schemeClr val="tx1"/>
+          </a:fontRef>
+        </p:style>
+      </p:cxnSp>
+      <p:sp>
+        <p:nvSpPr>
+          <p:cNvPr id="44" name="文本框 43"/>
+          <p:cNvSpPr txBox="1"/>
+          <p:nvPr/>
+        </p:nvSpPr>
+        <p:spPr>
+          <a:xfrm>
+            <a:off x="1567180" y="1537335"/>
+            <a:ext cx="2011680" cy="368300"/>
+          </a:xfrm>
+          <a:prstGeom prst="rect">
+            <a:avLst/>
+          </a:prstGeom>
+          <a:noFill/>
+        </p:spPr>
+        <p:txBody>
+          <a:bodyPr wrap="none" rtlCol="0">
+            <a:spAutoFit/>
+          </a:bodyPr>
+          <a:p>
+            <a:r>
+              <a:rPr lang="zh-CN" altLang="en-US"/>
+              <a:t>从</a:t>
+            </a:r>
+            <a:r>
+              <a:rPr lang="zh-CN" altLang="en-US" b="1"/>
+              <a:t>根目录开始</a:t>
+            </a:r>
+            <a:r>
+              <a:rPr lang="zh-CN" altLang="en-US"/>
+              <a:t>解析</a:t>
+            </a:r>
+            <a:endParaRPr lang="zh-CN" altLang="en-US"/>
+          </a:p>
+        </p:txBody>
+      </p:sp>
+      <p:sp>
+        <p:nvSpPr>
+          <p:cNvPr id="45" name="文本框 44"/>
+          <p:cNvSpPr txBox="1"/>
+          <p:nvPr/>
+        </p:nvSpPr>
+        <p:spPr>
+          <a:xfrm>
+            <a:off x="367665" y="4722495"/>
+            <a:ext cx="3412490" cy="922020"/>
+          </a:xfrm>
+          <a:prstGeom prst="rect">
+            <a:avLst/>
+          </a:prstGeom>
+          <a:noFill/>
+        </p:spPr>
+        <p:txBody>
+          <a:bodyPr wrap="none" rtlCol="0">
+            <a:spAutoFit/>
+          </a:bodyPr>
+          <a:p>
+            <a:pPr algn="l"/>
+            <a:r>
+              <a:rPr lang="zh-CN" altLang="en-US"/>
+              <a:t>成功解析到</a:t>
+            </a:r>
+            <a:r>
+              <a:rPr lang="en-US" altLang="zh-CN"/>
+              <a:t> </a:t>
+            </a:r>
+            <a:r>
+              <a:rPr lang="zh-CN" altLang="en-US" b="1"/>
+              <a:t>倒数第二层</a:t>
+            </a:r>
+            <a:r>
+              <a:rPr lang="en-US" altLang="zh-CN"/>
+              <a:t> </a:t>
+            </a:r>
+            <a:r>
+              <a:rPr lang="zh-CN" altLang="en-US"/>
+              <a:t>的</a:t>
+            </a:r>
+            <a:r>
+              <a:rPr lang="en-US" altLang="zh-CN"/>
+              <a:t>dentry</a:t>
+            </a:r>
+            <a:endParaRPr lang="en-US" altLang="zh-CN"/>
+          </a:p>
+          <a:p>
+            <a:pPr algn="l"/>
+            <a:r>
+              <a:rPr lang="zh-CN" altLang="en-US"/>
+              <a:t>也就是</a:t>
+            </a:r>
+            <a:r>
+              <a:rPr lang="en-US" altLang="zh-CN"/>
+              <a:t>test</a:t>
+            </a:r>
+            <a:r>
+              <a:rPr lang="zh-CN" altLang="en-US"/>
+              <a:t>目录的</a:t>
+            </a:r>
+            <a:r>
+              <a:rPr lang="en-US" altLang="zh-CN"/>
+              <a:t>dentry</a:t>
+            </a:r>
+            <a:endParaRPr lang="en-US" altLang="zh-CN"/>
+          </a:p>
+          <a:p>
+            <a:pPr algn="l"/>
+            <a:r>
+              <a:rPr lang="zh-CN" altLang="en-US"/>
+              <a:t>返回</a:t>
+            </a:r>
+            <a:r>
+              <a:rPr lang="zh-CN" altLang="en-US" b="1"/>
+              <a:t>该父目录</a:t>
+            </a:r>
+            <a:r>
+              <a:rPr lang="en-US" altLang="zh-CN" b="1"/>
+              <a:t>(test)</a:t>
+            </a:r>
+            <a:r>
+              <a:rPr lang="zh-CN" altLang="en-US" b="1"/>
+              <a:t>的</a:t>
+            </a:r>
+            <a:r>
+              <a:rPr lang="en-US" altLang="zh-CN" b="1"/>
+              <a:t>dentry</a:t>
+            </a:r>
+            <a:endParaRPr lang="en-US" altLang="zh-CN" b="1"/>
+          </a:p>
+        </p:txBody>
+      </p:sp>
+      <p:sp>
+        <p:nvSpPr>
+          <p:cNvPr id="46" name="矩形 45"/>
+          <p:cNvSpPr/>
+          <p:nvPr/>
+        </p:nvSpPr>
+        <p:spPr>
+          <a:xfrm>
+            <a:off x="1644650" y="4723130"/>
+            <a:ext cx="1177925" cy="321945"/>
+          </a:xfrm>
+          <a:prstGeom prst="rect">
+            <a:avLst/>
+          </a:prstGeom>
+          <a:noFill/>
+          <a:ln w="12700" cmpd="sng">
+            <a:solidFill>
+              <a:srgbClr val="FF0000"/>
+            </a:solidFill>
+            <a:prstDash val="dash"/>
+          </a:ln>
+        </p:spPr>
+        <p:style>
+          <a:lnRef idx="2">
+            <a:schemeClr val="accent1">
+              <a:shade val="50000"/>
+            </a:schemeClr>
+          </a:lnRef>
+          <a:fillRef idx="1">
+            <a:schemeClr val="accent1"/>
+          </a:fillRef>
+          <a:effectRef idx="0">
+            <a:schemeClr val="accent1"/>
+          </a:effectRef>
+          <a:fontRef idx="minor">
+            <a:schemeClr val="lt1"/>
+          </a:fontRef>
+        </p:style>
+        <p:txBody>
+          <a:bodyPr rtlCol="0" anchor="ctr"/>
+          <a:p>
+            <a:pPr algn="ctr"/>
+            <a:endParaRPr lang="zh-CN" altLang="en-US"/>
+          </a:p>
+        </p:txBody>
+      </p:sp>
+      <p:sp>
+        <p:nvSpPr>
+          <p:cNvPr id="47" name="文本框 46"/>
+          <p:cNvSpPr txBox="1"/>
+          <p:nvPr/>
+        </p:nvSpPr>
+        <p:spPr>
+          <a:xfrm>
+            <a:off x="2458085" y="6368415"/>
+            <a:ext cx="3611880" cy="368300"/>
+          </a:xfrm>
+          <a:prstGeom prst="rect">
+            <a:avLst/>
+          </a:prstGeom>
+          <a:noFill/>
+        </p:spPr>
+        <p:txBody>
+          <a:bodyPr wrap="none" rtlCol="0">
+            <a:spAutoFit/>
+          </a:bodyPr>
+          <a:p>
+            <a:r>
+              <a:rPr lang="zh-CN" altLang="en-US" b="1"/>
+              <a:t>维护一个层级数，来确定停止条件</a:t>
+            </a:r>
+            <a:endParaRPr lang="zh-CN" altLang="en-US" b="1"/>
+          </a:p>
+        </p:txBody>
+      </p:sp>
+      <p:sp>
+        <p:nvSpPr>
+          <p:cNvPr id="48" name="文本框 47"/>
+          <p:cNvSpPr txBox="1"/>
+          <p:nvPr/>
+        </p:nvSpPr>
+        <p:spPr>
+          <a:xfrm>
+            <a:off x="7379970" y="111760"/>
+            <a:ext cx="2350135" cy="368300"/>
+          </a:xfrm>
+          <a:prstGeom prst="rect">
+            <a:avLst/>
+          </a:prstGeom>
+          <a:solidFill>
+            <a:schemeClr val="accent3">
+              <a:lumMod val="20000"/>
+              <a:lumOff val="80000"/>
+            </a:schemeClr>
+          </a:solidFill>
+        </p:spPr>
+        <p:txBody>
+          <a:bodyPr wrap="none" rtlCol="0">
+            <a:spAutoFit/>
+          </a:bodyPr>
+          <a:p>
+            <a:r>
+              <a:rPr lang="zh-CN" altLang="en-US"/>
+              <a:t>当前层级</a:t>
+            </a:r>
+            <a:r>
+              <a:rPr lang="en-US" altLang="zh-CN"/>
+              <a:t>=0, </a:t>
+            </a:r>
+            <a:r>
+              <a:rPr lang="zh-CN" altLang="en-US"/>
+              <a:t>总层级</a:t>
+            </a:r>
+            <a:r>
+              <a:rPr lang="en-US" altLang="zh-CN"/>
+              <a:t>=3</a:t>
+            </a:r>
+            <a:endParaRPr lang="en-US" altLang="zh-CN"/>
+          </a:p>
+        </p:txBody>
+      </p:sp>
+      <p:sp>
+        <p:nvSpPr>
+          <p:cNvPr id="52" name="文本框 51"/>
+          <p:cNvSpPr txBox="1"/>
+          <p:nvPr/>
+        </p:nvSpPr>
+        <p:spPr>
+          <a:xfrm>
+            <a:off x="9551670" y="2596515"/>
+            <a:ext cx="2350135" cy="368300"/>
+          </a:xfrm>
+          <a:prstGeom prst="rect">
+            <a:avLst/>
+          </a:prstGeom>
+          <a:solidFill>
+            <a:schemeClr val="accent3">
+              <a:lumMod val="20000"/>
+              <a:lumOff val="80000"/>
+            </a:schemeClr>
+          </a:solidFill>
+        </p:spPr>
+        <p:txBody>
+          <a:bodyPr wrap="none" rtlCol="0">
+            <a:spAutoFit/>
+          </a:bodyPr>
+          <a:p>
+            <a:r>
+              <a:rPr lang="zh-CN" altLang="en-US"/>
+              <a:t>当前层级</a:t>
+            </a:r>
+            <a:r>
+              <a:rPr lang="en-US" altLang="zh-CN"/>
+              <a:t>=1, </a:t>
+            </a:r>
+            <a:r>
+              <a:rPr lang="zh-CN" altLang="en-US"/>
+              <a:t>总层级</a:t>
+            </a:r>
+            <a:r>
+              <a:rPr lang="en-US" altLang="zh-CN"/>
+              <a:t>=3</a:t>
+            </a:r>
+            <a:endParaRPr lang="en-US" altLang="zh-CN"/>
+          </a:p>
+        </p:txBody>
+      </p:sp>
+      <p:sp>
+        <p:nvSpPr>
+          <p:cNvPr id="53" name="文本框 52"/>
+          <p:cNvSpPr txBox="1"/>
+          <p:nvPr/>
+        </p:nvSpPr>
+        <p:spPr>
+          <a:xfrm>
+            <a:off x="9657080" y="6135370"/>
+            <a:ext cx="2350135" cy="368300"/>
+          </a:xfrm>
+          <a:prstGeom prst="rect">
+            <a:avLst/>
+          </a:prstGeom>
+          <a:solidFill>
+            <a:schemeClr val="accent3">
+              <a:lumMod val="20000"/>
+              <a:lumOff val="80000"/>
+            </a:schemeClr>
+          </a:solidFill>
+        </p:spPr>
+        <p:txBody>
+          <a:bodyPr wrap="none" rtlCol="0">
+            <a:spAutoFit/>
+          </a:bodyPr>
+          <a:p>
+            <a:r>
+              <a:rPr lang="zh-CN" altLang="en-US"/>
+              <a:t>当前层级</a:t>
+            </a:r>
+            <a:r>
+              <a:rPr lang="en-US" altLang="zh-CN"/>
+              <a:t>=2, </a:t>
+            </a:r>
+            <a:r>
+              <a:rPr lang="zh-CN" altLang="en-US"/>
+              <a:t>总层级</a:t>
+            </a:r>
+            <a:r>
+              <a:rPr lang="en-US" altLang="zh-CN"/>
+              <a:t>=3</a:t>
+            </a:r>
+            <a:endParaRPr lang="en-US" altLang="zh-CN"/>
+          </a:p>
+        </p:txBody>
+      </p:sp>
+      <p:cxnSp>
+        <p:nvCxnSpPr>
+          <p:cNvPr id="54" name="直接箭头连接符 53"/>
+          <p:cNvCxnSpPr/>
+          <p:nvPr/>
+        </p:nvCxnSpPr>
+        <p:spPr>
+          <a:xfrm flipH="1" flipV="1">
+            <a:off x="3090545" y="5108575"/>
+            <a:ext cx="994410" cy="1208405"/>
+          </a:xfrm>
+          <a:prstGeom prst="straightConnector1">
+            <a:avLst/>
+          </a:prstGeom>
+          <a:ln w="12700" cmpd="sng">
+            <a:solidFill>
+              <a:schemeClr val="accent1">
+                <a:shade val="50000"/>
+              </a:schemeClr>
+            </a:solidFill>
+            <a:prstDash val="dashDot"/>
+            <a:tailEnd type="arrow"/>
+          </a:ln>
+        </p:spPr>
+        <p:style>
+          <a:lnRef idx="1">
+            <a:schemeClr val="accent1"/>
+          </a:lnRef>
+          <a:fillRef idx="0">
+            <a:schemeClr val="accent1"/>
+          </a:fillRef>
+          <a:effectRef idx="0">
+            <a:schemeClr val="accent1"/>
+          </a:effectRef>
+          <a:fontRef idx="minor">
+            <a:schemeClr val="tx1"/>
+          </a:fontRef>
+        </p:style>
+      </p:cxnSp>
+      <p:cxnSp>
+        <p:nvCxnSpPr>
+          <p:cNvPr id="55" name="直接箭头连接符 54"/>
+          <p:cNvCxnSpPr/>
+          <p:nvPr/>
+        </p:nvCxnSpPr>
+        <p:spPr>
+          <a:xfrm flipH="1">
+            <a:off x="6192520" y="6411595"/>
+            <a:ext cx="3372485" cy="200025"/>
+          </a:xfrm>
+          <a:prstGeom prst="straightConnector1">
+            <a:avLst/>
+          </a:prstGeom>
+          <a:ln w="12700" cmpd="sng">
+            <a:solidFill>
+              <a:schemeClr val="accent1">
+                <a:shade val="50000"/>
+              </a:schemeClr>
+            </a:solidFill>
+            <a:prstDash val="dashDot"/>
             <a:tailEnd type="arrow"/>
           </a:ln>
         </p:spPr>
@@ -20164,7 +20178,7 @@
         </p:nvSpPr>
         <p:spPr>
           <a:xfrm>
-            <a:off x="1629410" y="4281805"/>
+            <a:off x="4148455" y="2657475"/>
             <a:ext cx="2000885" cy="645160"/>
           </a:xfrm>
           <a:prstGeom prst="rect">
@@ -20200,9 +20214,359 @@
           <p:nvPr/>
         </p:nvCxnSpPr>
         <p:spPr>
+          <a:xfrm flipH="1" flipV="1">
+            <a:off x="5751830" y="3308350"/>
+            <a:ext cx="181610" cy="244475"/>
+          </a:xfrm>
+          <a:prstGeom prst="straightConnector1">
+            <a:avLst/>
+          </a:prstGeom>
+          <a:ln w="12700" cmpd="sng">
+            <a:solidFill>
+              <a:schemeClr val="accent1">
+                <a:shade val="50000"/>
+              </a:schemeClr>
+            </a:solidFill>
+            <a:prstDash val="dashDot"/>
+            <a:tailEnd type="arrow"/>
+          </a:ln>
+        </p:spPr>
+        <p:style>
+          <a:lnRef idx="1">
+            <a:schemeClr val="accent1"/>
+          </a:lnRef>
+          <a:fillRef idx="0">
+            <a:schemeClr val="accent1"/>
+          </a:fillRef>
+          <a:effectRef idx="0">
+            <a:schemeClr val="accent1"/>
+          </a:effectRef>
+          <a:fontRef idx="minor">
+            <a:schemeClr val="tx1"/>
+          </a:fontRef>
+        </p:style>
+      </p:cxnSp>
+      <p:sp>
+        <p:nvSpPr>
+          <p:cNvPr id="55" name="矩形 54"/>
+          <p:cNvSpPr/>
+          <p:nvPr/>
+        </p:nvSpPr>
+        <p:spPr>
+          <a:xfrm>
+            <a:off x="7632700" y="5634990"/>
+            <a:ext cx="731520" cy="496570"/>
+          </a:xfrm>
+          <a:prstGeom prst="rect">
+            <a:avLst/>
+          </a:prstGeom>
+          <a:noFill/>
+        </p:spPr>
+        <p:style>
+          <a:lnRef idx="2">
+            <a:schemeClr val="accent1">
+              <a:shade val="50000"/>
+            </a:schemeClr>
+          </a:lnRef>
+          <a:fillRef idx="1">
+            <a:schemeClr val="accent1"/>
+          </a:fillRef>
+          <a:effectRef idx="0">
+            <a:schemeClr val="accent1"/>
+          </a:effectRef>
+          <a:fontRef idx="minor">
+            <a:schemeClr val="lt1"/>
+          </a:fontRef>
+        </p:style>
+        <p:txBody>
+          <a:bodyPr rtlCol="0" anchor="ctr"/>
+          <a:p>
+            <a:pPr algn="ctr"/>
+            <a:endParaRPr lang="zh-CN" altLang="en-US"/>
+          </a:p>
+        </p:txBody>
+      </p:sp>
+      <p:sp>
+        <p:nvSpPr>
+          <p:cNvPr id="23" name="文本框 22"/>
+          <p:cNvSpPr txBox="1"/>
+          <p:nvPr/>
+        </p:nvSpPr>
+        <p:spPr>
+          <a:xfrm>
+            <a:off x="7678420" y="5699125"/>
+            <a:ext cx="640080" cy="368300"/>
+          </a:xfrm>
+          <a:prstGeom prst="rect">
+            <a:avLst/>
+          </a:prstGeom>
+          <a:noFill/>
+        </p:spPr>
+        <p:txBody>
+          <a:bodyPr wrap="none" rtlCol="0">
+            <a:spAutoFit/>
+          </a:bodyPr>
+          <a:p>
+            <a:r>
+              <a:rPr lang="zh-CN" altLang="en-US"/>
+              <a:t>结束</a:t>
+            </a:r>
+            <a:endParaRPr lang="zh-CN" altLang="en-US"/>
+          </a:p>
+        </p:txBody>
+      </p:sp>
+      <p:cxnSp>
+        <p:nvCxnSpPr>
+          <p:cNvPr id="60" name="直接箭头连接符 59"/>
+          <p:cNvCxnSpPr/>
+          <p:nvPr/>
+        </p:nvCxnSpPr>
+        <p:spPr>
           <a:xfrm flipH="1">
-            <a:off x="3738880" y="4091940"/>
-            <a:ext cx="2270125" cy="466090"/>
+            <a:off x="7993380" y="1262380"/>
+            <a:ext cx="10795" cy="424815"/>
+          </a:xfrm>
+          <a:prstGeom prst="straightConnector1">
+            <a:avLst/>
+          </a:prstGeom>
+          <a:ln>
+            <a:tailEnd type="arrow"/>
+          </a:ln>
+        </p:spPr>
+        <p:style>
+          <a:lnRef idx="1">
+            <a:schemeClr val="accent1"/>
+          </a:lnRef>
+          <a:fillRef idx="0">
+            <a:schemeClr val="accent1"/>
+          </a:fillRef>
+          <a:effectRef idx="0">
+            <a:schemeClr val="accent1"/>
+          </a:effectRef>
+          <a:fontRef idx="minor">
+            <a:schemeClr val="tx1"/>
+          </a:fontRef>
+        </p:style>
+      </p:cxnSp>
+      <p:cxnSp>
+        <p:nvCxnSpPr>
+          <p:cNvPr id="24" name="直接箭头连接符 23"/>
+          <p:cNvCxnSpPr/>
+          <p:nvPr/>
+        </p:nvCxnSpPr>
+        <p:spPr>
+          <a:xfrm>
+            <a:off x="8014970" y="2232660"/>
+            <a:ext cx="4445" cy="314960"/>
+          </a:xfrm>
+          <a:prstGeom prst="straightConnector1">
+            <a:avLst/>
+          </a:prstGeom>
+          <a:ln>
+            <a:tailEnd type="arrow"/>
+          </a:ln>
+        </p:spPr>
+        <p:style>
+          <a:lnRef idx="1">
+            <a:schemeClr val="accent1"/>
+          </a:lnRef>
+          <a:fillRef idx="0">
+            <a:schemeClr val="accent1"/>
+          </a:fillRef>
+          <a:effectRef idx="0">
+            <a:schemeClr val="accent1"/>
+          </a:effectRef>
+          <a:fontRef idx="minor">
+            <a:schemeClr val="tx1"/>
+          </a:fontRef>
+        </p:style>
+      </p:cxnSp>
+      <p:cxnSp>
+        <p:nvCxnSpPr>
+          <p:cNvPr id="25" name="直接箭头连接符 24"/>
+          <p:cNvCxnSpPr/>
+          <p:nvPr/>
+        </p:nvCxnSpPr>
+        <p:spPr>
+          <a:xfrm>
+            <a:off x="6117590" y="4281805"/>
+            <a:ext cx="4445" cy="314960"/>
+          </a:xfrm>
+          <a:prstGeom prst="straightConnector1">
+            <a:avLst/>
+          </a:prstGeom>
+          <a:ln>
+            <a:tailEnd type="arrow"/>
+          </a:ln>
+        </p:spPr>
+        <p:style>
+          <a:lnRef idx="1">
+            <a:schemeClr val="accent1"/>
+          </a:lnRef>
+          <a:fillRef idx="0">
+            <a:schemeClr val="accent1"/>
+          </a:fillRef>
+          <a:effectRef idx="0">
+            <a:schemeClr val="accent1"/>
+          </a:effectRef>
+          <a:fontRef idx="minor">
+            <a:schemeClr val="tx1"/>
+          </a:fontRef>
+        </p:style>
+      </p:cxnSp>
+      <p:cxnSp>
+        <p:nvCxnSpPr>
+          <p:cNvPr id="26" name="肘形连接符 25"/>
+          <p:cNvCxnSpPr>
+            <a:stCxn id="8" idx="1"/>
+          </p:cNvCxnSpPr>
+          <p:nvPr/>
+        </p:nvCxnSpPr>
+        <p:spPr>
+          <a:xfrm rot="10800000" flipV="1">
+            <a:off x="6149340" y="2979420"/>
+            <a:ext cx="646430" cy="669925"/>
+          </a:xfrm>
+          <a:prstGeom prst="bentConnector2">
+            <a:avLst/>
+          </a:prstGeom>
+          <a:ln>
+            <a:tailEnd type="arrow"/>
+          </a:ln>
+        </p:spPr>
+        <p:style>
+          <a:lnRef idx="1">
+            <a:schemeClr val="accent1"/>
+          </a:lnRef>
+          <a:fillRef idx="0">
+            <a:schemeClr val="accent1"/>
+          </a:fillRef>
+          <a:effectRef idx="0">
+            <a:schemeClr val="accent1"/>
+          </a:effectRef>
+          <a:fontRef idx="minor">
+            <a:schemeClr val="tx1"/>
+          </a:fontRef>
+        </p:style>
+      </p:cxnSp>
+      <p:cxnSp>
+        <p:nvCxnSpPr>
+          <p:cNvPr id="28" name="肘形连接符 27"/>
+          <p:cNvCxnSpPr>
+            <a:stCxn id="8" idx="3"/>
+            <a:endCxn id="17" idx="0"/>
+          </p:cNvCxnSpPr>
+          <p:nvPr/>
+        </p:nvCxnSpPr>
+        <p:spPr>
+          <a:xfrm>
+            <a:off x="9200515" y="2980055"/>
+            <a:ext cx="504825" cy="657860"/>
+          </a:xfrm>
+          <a:prstGeom prst="bentConnector2">
+            <a:avLst/>
+          </a:prstGeom>
+          <a:ln>
+            <a:tailEnd type="arrow"/>
+          </a:ln>
+        </p:spPr>
+        <p:style>
+          <a:lnRef idx="1">
+            <a:schemeClr val="accent1"/>
+          </a:lnRef>
+          <a:fillRef idx="0">
+            <a:schemeClr val="accent1"/>
+          </a:fillRef>
+          <a:effectRef idx="0">
+            <a:schemeClr val="accent1"/>
+          </a:effectRef>
+          <a:fontRef idx="minor">
+            <a:schemeClr val="tx1"/>
+          </a:fontRef>
+        </p:style>
+      </p:cxnSp>
+      <p:cxnSp>
+        <p:nvCxnSpPr>
+          <p:cNvPr id="29" name="肘形连接符 28"/>
+          <p:cNvCxnSpPr>
+            <a:stCxn id="14" idx="2"/>
+            <a:endCxn id="55" idx="1"/>
+          </p:cNvCxnSpPr>
+          <p:nvPr/>
+        </p:nvCxnSpPr>
+        <p:spPr>
+          <a:xfrm rot="5400000" flipV="1">
+            <a:off x="6510655" y="4760595"/>
+            <a:ext cx="752475" cy="1491615"/>
+          </a:xfrm>
+          <a:prstGeom prst="bentConnector2">
+            <a:avLst/>
+          </a:prstGeom>
+          <a:ln>
+            <a:tailEnd type="arrow"/>
+          </a:ln>
+        </p:spPr>
+        <p:style>
+          <a:lnRef idx="1">
+            <a:schemeClr val="accent1"/>
+          </a:lnRef>
+          <a:fillRef idx="0">
+            <a:schemeClr val="accent1"/>
+          </a:fillRef>
+          <a:effectRef idx="0">
+            <a:schemeClr val="accent1"/>
+          </a:effectRef>
+          <a:fontRef idx="minor">
+            <a:schemeClr val="tx1"/>
+          </a:fontRef>
+        </p:style>
+      </p:cxnSp>
+      <p:cxnSp>
+        <p:nvCxnSpPr>
+          <p:cNvPr id="32" name="肘形连接符 31"/>
+          <p:cNvCxnSpPr>
+            <a:stCxn id="17" idx="2"/>
+            <a:endCxn id="55" idx="3"/>
+          </p:cNvCxnSpPr>
+          <p:nvPr/>
+        </p:nvCxnSpPr>
+        <p:spPr>
+          <a:xfrm rot="5400000">
+            <a:off x="8172450" y="4349750"/>
+            <a:ext cx="1725295" cy="1341120"/>
+          </a:xfrm>
+          <a:prstGeom prst="bentConnector2">
+            <a:avLst/>
+          </a:prstGeom>
+          <a:ln>
+            <a:tailEnd type="arrow"/>
+          </a:ln>
+        </p:spPr>
+        <p:style>
+          <a:lnRef idx="1">
+            <a:schemeClr val="accent1"/>
+          </a:lnRef>
+          <a:fillRef idx="0">
+            <a:schemeClr val="accent1"/>
+          </a:fillRef>
+          <a:effectRef idx="0">
+            <a:schemeClr val="accent1"/>
+          </a:effectRef>
+          <a:fontRef idx="minor">
+            <a:schemeClr val="tx1"/>
+          </a:fontRef>
+        </p:style>
+      </p:cxnSp>
+      <p:cxnSp>
+        <p:nvCxnSpPr>
+          <p:cNvPr id="42" name="直接箭头连接符 41"/>
+          <p:cNvCxnSpPr/>
+          <p:nvPr/>
+        </p:nvCxnSpPr>
+        <p:spPr>
+          <a:xfrm flipV="1">
+            <a:off x="3705860" y="1458595"/>
+            <a:ext cx="831850" cy="1091565"/>
           </a:xfrm>
           <a:prstGeom prst="straightConnector1">
             <a:avLst/>
@@ -20232,350 +20596,6 @@
           </a:fontRef>
         </p:style>
       </p:cxnSp>
-      <p:sp>
-        <p:nvSpPr>
-          <p:cNvPr id="55" name="矩形 54"/>
-          <p:cNvSpPr/>
-          <p:nvPr/>
-        </p:nvSpPr>
-        <p:spPr>
-          <a:xfrm>
-            <a:off x="7632700" y="5634990"/>
-            <a:ext cx="731520" cy="496570"/>
-          </a:xfrm>
-          <a:prstGeom prst="rect">
-            <a:avLst/>
-          </a:prstGeom>
-          <a:noFill/>
-        </p:spPr>
-        <p:style>
-          <a:lnRef idx="2">
-            <a:schemeClr val="accent1">
-              <a:shade val="50000"/>
-            </a:schemeClr>
-          </a:lnRef>
-          <a:fillRef idx="1">
-            <a:schemeClr val="accent1"/>
-          </a:fillRef>
-          <a:effectRef idx="0">
-            <a:schemeClr val="accent1"/>
-          </a:effectRef>
-          <a:fontRef idx="minor">
-            <a:schemeClr val="lt1"/>
-          </a:fontRef>
-        </p:style>
-        <p:txBody>
-          <a:bodyPr rtlCol="0" anchor="ctr"/>
-          <a:p>
-            <a:pPr algn="ctr"/>
-            <a:endParaRPr lang="zh-CN" altLang="en-US"/>
-          </a:p>
-        </p:txBody>
-      </p:sp>
-      <p:sp>
-        <p:nvSpPr>
-          <p:cNvPr id="23" name="文本框 22"/>
-          <p:cNvSpPr txBox="1"/>
-          <p:nvPr/>
-        </p:nvSpPr>
-        <p:spPr>
-          <a:xfrm>
-            <a:off x="7678420" y="5699125"/>
-            <a:ext cx="640080" cy="368300"/>
-          </a:xfrm>
-          <a:prstGeom prst="rect">
-            <a:avLst/>
-          </a:prstGeom>
-          <a:noFill/>
-        </p:spPr>
-        <p:txBody>
-          <a:bodyPr wrap="none" rtlCol="0">
-            <a:spAutoFit/>
-          </a:bodyPr>
-          <a:p>
-            <a:r>
-              <a:rPr lang="zh-CN" altLang="en-US"/>
-              <a:t>结束</a:t>
-            </a:r>
-            <a:endParaRPr lang="zh-CN" altLang="en-US"/>
-          </a:p>
-        </p:txBody>
-      </p:sp>
-      <p:cxnSp>
-        <p:nvCxnSpPr>
-          <p:cNvPr id="60" name="直接箭头连接符 59"/>
-          <p:cNvCxnSpPr/>
-          <p:nvPr/>
-        </p:nvCxnSpPr>
-        <p:spPr>
-          <a:xfrm flipH="1">
-            <a:off x="7993380" y="1262380"/>
-            <a:ext cx="10795" cy="424815"/>
-          </a:xfrm>
-          <a:prstGeom prst="straightConnector1">
-            <a:avLst/>
-          </a:prstGeom>
-          <a:ln>
-            <a:tailEnd type="arrow"/>
-          </a:ln>
-        </p:spPr>
-        <p:style>
-          <a:lnRef idx="1">
-            <a:schemeClr val="accent1"/>
-          </a:lnRef>
-          <a:fillRef idx="0">
-            <a:schemeClr val="accent1"/>
-          </a:fillRef>
-          <a:effectRef idx="0">
-            <a:schemeClr val="accent1"/>
-          </a:effectRef>
-          <a:fontRef idx="minor">
-            <a:schemeClr val="tx1"/>
-          </a:fontRef>
-        </p:style>
-      </p:cxnSp>
-      <p:cxnSp>
-        <p:nvCxnSpPr>
-          <p:cNvPr id="24" name="直接箭头连接符 23"/>
-          <p:cNvCxnSpPr/>
-          <p:nvPr/>
-        </p:nvCxnSpPr>
-        <p:spPr>
-          <a:xfrm>
-            <a:off x="8014970" y="2232660"/>
-            <a:ext cx="4445" cy="314960"/>
-          </a:xfrm>
-          <a:prstGeom prst="straightConnector1">
-            <a:avLst/>
-          </a:prstGeom>
-          <a:ln>
-            <a:tailEnd type="arrow"/>
-          </a:ln>
-        </p:spPr>
-        <p:style>
-          <a:lnRef idx="1">
-            <a:schemeClr val="accent1"/>
-          </a:lnRef>
-          <a:fillRef idx="0">
-            <a:schemeClr val="accent1"/>
-          </a:fillRef>
-          <a:effectRef idx="0">
-            <a:schemeClr val="accent1"/>
-          </a:effectRef>
-          <a:fontRef idx="minor">
-            <a:schemeClr val="tx1"/>
-          </a:fontRef>
-        </p:style>
-      </p:cxnSp>
-      <p:cxnSp>
-        <p:nvCxnSpPr>
-          <p:cNvPr id="25" name="直接箭头连接符 24"/>
-          <p:cNvCxnSpPr/>
-          <p:nvPr/>
-        </p:nvCxnSpPr>
-        <p:spPr>
-          <a:xfrm>
-            <a:off x="6117590" y="4281805"/>
-            <a:ext cx="4445" cy="314960"/>
-          </a:xfrm>
-          <a:prstGeom prst="straightConnector1">
-            <a:avLst/>
-          </a:prstGeom>
-          <a:ln>
-            <a:tailEnd type="arrow"/>
-          </a:ln>
-        </p:spPr>
-        <p:style>
-          <a:lnRef idx="1">
-            <a:schemeClr val="accent1"/>
-          </a:lnRef>
-          <a:fillRef idx="0">
-            <a:schemeClr val="accent1"/>
-          </a:fillRef>
-          <a:effectRef idx="0">
-            <a:schemeClr val="accent1"/>
-          </a:effectRef>
-          <a:fontRef idx="minor">
-            <a:schemeClr val="tx1"/>
-          </a:fontRef>
-        </p:style>
-      </p:cxnSp>
-      <p:cxnSp>
-        <p:nvCxnSpPr>
-          <p:cNvPr id="26" name="肘形连接符 25"/>
-          <p:cNvCxnSpPr>
-            <a:stCxn id="8" idx="1"/>
-          </p:cNvCxnSpPr>
-          <p:nvPr/>
-        </p:nvCxnSpPr>
-        <p:spPr>
-          <a:xfrm rot="10800000" flipV="1">
-            <a:off x="6149340" y="2979420"/>
-            <a:ext cx="646430" cy="669925"/>
-          </a:xfrm>
-          <a:prstGeom prst="bentConnector2">
-            <a:avLst/>
-          </a:prstGeom>
-          <a:ln>
-            <a:tailEnd type="arrow"/>
-          </a:ln>
-        </p:spPr>
-        <p:style>
-          <a:lnRef idx="1">
-            <a:schemeClr val="accent1"/>
-          </a:lnRef>
-          <a:fillRef idx="0">
-            <a:schemeClr val="accent1"/>
-          </a:fillRef>
-          <a:effectRef idx="0">
-            <a:schemeClr val="accent1"/>
-          </a:effectRef>
-          <a:fontRef idx="minor">
-            <a:schemeClr val="tx1"/>
-          </a:fontRef>
-        </p:style>
-      </p:cxnSp>
-      <p:cxnSp>
-        <p:nvCxnSpPr>
-          <p:cNvPr id="28" name="肘形连接符 27"/>
-          <p:cNvCxnSpPr>
-            <a:stCxn id="8" idx="3"/>
-            <a:endCxn id="17" idx="0"/>
-          </p:cNvCxnSpPr>
-          <p:nvPr/>
-        </p:nvCxnSpPr>
-        <p:spPr>
-          <a:xfrm>
-            <a:off x="9200515" y="2980055"/>
-            <a:ext cx="504825" cy="657860"/>
-          </a:xfrm>
-          <a:prstGeom prst="bentConnector2">
-            <a:avLst/>
-          </a:prstGeom>
-          <a:ln>
-            <a:tailEnd type="arrow"/>
-          </a:ln>
-        </p:spPr>
-        <p:style>
-          <a:lnRef idx="1">
-            <a:schemeClr val="accent1"/>
-          </a:lnRef>
-          <a:fillRef idx="0">
-            <a:schemeClr val="accent1"/>
-          </a:fillRef>
-          <a:effectRef idx="0">
-            <a:schemeClr val="accent1"/>
-          </a:effectRef>
-          <a:fontRef idx="minor">
-            <a:schemeClr val="tx1"/>
-          </a:fontRef>
-        </p:style>
-      </p:cxnSp>
-      <p:cxnSp>
-        <p:nvCxnSpPr>
-          <p:cNvPr id="29" name="肘形连接符 28"/>
-          <p:cNvCxnSpPr>
-            <a:stCxn id="14" idx="2"/>
-            <a:endCxn id="55" idx="1"/>
-          </p:cNvCxnSpPr>
-          <p:nvPr/>
-        </p:nvCxnSpPr>
-        <p:spPr>
-          <a:xfrm rot="5400000" flipV="1">
-            <a:off x="6510655" y="4760595"/>
-            <a:ext cx="752475" cy="1491615"/>
-          </a:xfrm>
-          <a:prstGeom prst="bentConnector2">
-            <a:avLst/>
-          </a:prstGeom>
-          <a:ln>
-            <a:tailEnd type="arrow"/>
-          </a:ln>
-        </p:spPr>
-        <p:style>
-          <a:lnRef idx="1">
-            <a:schemeClr val="accent1"/>
-          </a:lnRef>
-          <a:fillRef idx="0">
-            <a:schemeClr val="accent1"/>
-          </a:fillRef>
-          <a:effectRef idx="0">
-            <a:schemeClr val="accent1"/>
-          </a:effectRef>
-          <a:fontRef idx="minor">
-            <a:schemeClr val="tx1"/>
-          </a:fontRef>
-        </p:style>
-      </p:cxnSp>
-      <p:cxnSp>
-        <p:nvCxnSpPr>
-          <p:cNvPr id="32" name="肘形连接符 31"/>
-          <p:cNvCxnSpPr>
-            <a:stCxn id="17" idx="2"/>
-            <a:endCxn id="55" idx="3"/>
-          </p:cNvCxnSpPr>
-          <p:nvPr/>
-        </p:nvCxnSpPr>
-        <p:spPr>
-          <a:xfrm rot="5400000">
-            <a:off x="8172450" y="4349750"/>
-            <a:ext cx="1725295" cy="1341120"/>
-          </a:xfrm>
-          <a:prstGeom prst="bentConnector2">
-            <a:avLst/>
-          </a:prstGeom>
-          <a:ln>
-            <a:tailEnd type="arrow"/>
-          </a:ln>
-        </p:spPr>
-        <p:style>
-          <a:lnRef idx="1">
-            <a:schemeClr val="accent1"/>
-          </a:lnRef>
-          <a:fillRef idx="0">
-            <a:schemeClr val="accent1"/>
-          </a:fillRef>
-          <a:effectRef idx="0">
-            <a:schemeClr val="accent1"/>
-          </a:effectRef>
-          <a:fontRef idx="minor">
-            <a:schemeClr val="tx1"/>
-          </a:fontRef>
-        </p:style>
-      </p:cxnSp>
-      <p:cxnSp>
-        <p:nvCxnSpPr>
-          <p:cNvPr id="42" name="直接箭头连接符 41"/>
-          <p:cNvCxnSpPr/>
-          <p:nvPr/>
-        </p:nvCxnSpPr>
-        <p:spPr>
-          <a:xfrm flipV="1">
-            <a:off x="3705860" y="1458595"/>
-            <a:ext cx="831850" cy="1091565"/>
-          </a:xfrm>
-          <a:prstGeom prst="straightConnector1">
-            <a:avLst/>
-          </a:prstGeom>
-          <a:ln>
-            <a:tailEnd type="arrow"/>
-          </a:ln>
-        </p:spPr>
-        <p:style>
-          <a:lnRef idx="1">
-            <a:schemeClr val="accent1"/>
-          </a:lnRef>
-          <a:fillRef idx="0">
-            <a:schemeClr val="accent1"/>
-          </a:fillRef>
-          <a:effectRef idx="0">
-            <a:schemeClr val="accent1"/>
-          </a:effectRef>
-          <a:fontRef idx="minor">
-            <a:schemeClr val="tx1"/>
-          </a:fontRef>
-        </p:style>
-      </p:cxnSp>
       <p:cxnSp>
         <p:nvCxnSpPr>
           <p:cNvPr id="43" name="直接箭头连接符 42"/>
@@ -20590,7 +20610,13 @@
           <a:prstGeom prst="straightConnector1">
             <a:avLst/>
           </a:prstGeom>
-          <a:ln>
+          <a:ln w="12700" cmpd="sng">
+            <a:solidFill>
+              <a:schemeClr val="accent1">
+                <a:shade val="50000"/>
+              </a:schemeClr>
+            </a:solidFill>
+            <a:prstDash val="dash"/>
             <a:tailEnd type="arrow"/>
           </a:ln>
         </p:spPr>
@@ -20635,7 +20661,7 @@
         </p:nvSpPr>
         <p:spPr>
           <a:xfrm>
-            <a:off x="1052830" y="3192780"/>
+            <a:off x="912495" y="2923540"/>
             <a:ext cx="2697480" cy="472440"/>
           </a:xfrm>
           <a:prstGeom prst="rect">
@@ -20675,7 +20701,7 @@
         </p:nvSpPr>
         <p:spPr>
           <a:xfrm>
-            <a:off x="1052830" y="3258820"/>
+            <a:off x="912495" y="2989580"/>
             <a:ext cx="2623820" cy="368300"/>
           </a:xfrm>
           <a:prstGeom prst="rect">
@@ -20708,7 +20734,7 @@
         </p:nvSpPr>
         <p:spPr>
           <a:xfrm>
-            <a:off x="6517005" y="1856105"/>
+            <a:off x="5546725" y="1726565"/>
             <a:ext cx="1199515" cy="789305"/>
           </a:xfrm>
           <a:prstGeom prst="rect">
@@ -20748,7 +20774,7 @@
         </p:nvSpPr>
         <p:spPr>
           <a:xfrm>
-            <a:off x="6517005" y="1354455"/>
+            <a:off x="5546725" y="1224915"/>
             <a:ext cx="1395730" cy="368300"/>
           </a:xfrm>
           <a:prstGeom prst="rect">
@@ -20781,7 +20807,7 @@
         </p:nvSpPr>
         <p:spPr>
           <a:xfrm>
-            <a:off x="6517005" y="3617595"/>
+            <a:off x="5546725" y="3488055"/>
             <a:ext cx="162560" cy="637540"/>
           </a:xfrm>
           <a:prstGeom prst="rect">
@@ -20820,7 +20846,7 @@
         </p:nvCxnSpPr>
         <p:spPr>
           <a:xfrm flipH="1">
-            <a:off x="6592570" y="2710180"/>
+            <a:off x="5622290" y="2580640"/>
             <a:ext cx="10795" cy="669925"/>
           </a:xfrm>
           <a:prstGeom prst="straightConnector1">
@@ -20853,7 +20879,7 @@
         </p:nvSpPr>
         <p:spPr>
           <a:xfrm>
-            <a:off x="6706235" y="2720975"/>
+            <a:off x="5735955" y="2591435"/>
             <a:ext cx="1784985" cy="645160"/>
           </a:xfrm>
           <a:prstGeom prst="rect">
@@ -20890,7 +20916,7 @@
         </p:nvCxnSpPr>
         <p:spPr>
           <a:xfrm>
-            <a:off x="6776085" y="3952875"/>
+            <a:off x="5805805" y="3823335"/>
             <a:ext cx="605790" cy="0"/>
           </a:xfrm>
           <a:prstGeom prst="straightConnector1">
@@ -20923,7 +20949,7 @@
         </p:nvSpPr>
         <p:spPr>
           <a:xfrm>
-            <a:off x="7478395" y="3634105"/>
+            <a:off x="6508115" y="3504565"/>
             <a:ext cx="162560" cy="637540"/>
           </a:xfrm>
           <a:prstGeom prst="rect">
@@ -20962,7 +20988,7 @@
         </p:nvSpPr>
         <p:spPr>
           <a:xfrm>
-            <a:off x="7640955" y="4364355"/>
+            <a:off x="6670675" y="4234815"/>
             <a:ext cx="1536065" cy="645160"/>
           </a:xfrm>
           <a:prstGeom prst="rect">
@@ -20999,7 +21025,7 @@
         </p:nvCxnSpPr>
         <p:spPr>
           <a:xfrm>
-            <a:off x="7788910" y="3952875"/>
+            <a:off x="6818630" y="3823335"/>
             <a:ext cx="605790" cy="0"/>
           </a:xfrm>
           <a:prstGeom prst="straightConnector1">
@@ -21032,7 +21058,7 @@
         </p:nvSpPr>
         <p:spPr>
           <a:xfrm>
-            <a:off x="8491220" y="3634105"/>
+            <a:off x="7520940" y="3504565"/>
             <a:ext cx="162560" cy="637540"/>
           </a:xfrm>
           <a:prstGeom prst="rect">
@@ -21071,7 +21097,7 @@
         </p:nvCxnSpPr>
         <p:spPr>
           <a:xfrm>
-            <a:off x="8801735" y="3936365"/>
+            <a:off x="7831455" y="3806825"/>
             <a:ext cx="605790" cy="0"/>
           </a:xfrm>
           <a:prstGeom prst="straightConnector1">
@@ -21104,7 +21130,7 @@
         </p:nvSpPr>
         <p:spPr>
           <a:xfrm>
-            <a:off x="9504045" y="3617595"/>
+            <a:off x="8533765" y="3488055"/>
             <a:ext cx="162560" cy="637540"/>
           </a:xfrm>
           <a:prstGeom prst="rect">
@@ -21137,129 +21163,13 @@
       </p:sp>
       <p:sp>
         <p:nvSpPr>
-          <p:cNvPr id="18" name="矩形 17"/>
-          <p:cNvSpPr/>
-          <p:nvPr/>
-        </p:nvSpPr>
-        <p:spPr>
-          <a:xfrm>
-            <a:off x="5528310" y="3634105"/>
-            <a:ext cx="162560" cy="637540"/>
-          </a:xfrm>
-          <a:prstGeom prst="rect">
-            <a:avLst/>
-          </a:prstGeom>
-          <a:solidFill>
-            <a:srgbClr val="FF0000"/>
-          </a:solidFill>
-        </p:spPr>
-        <p:style>
-          <a:lnRef idx="2">
-            <a:schemeClr val="accent1">
-              <a:shade val="50000"/>
-            </a:schemeClr>
-          </a:lnRef>
-          <a:fillRef idx="1">
-            <a:schemeClr val="accent1"/>
-          </a:fillRef>
-          <a:effectRef idx="0">
-            <a:schemeClr val="accent1"/>
-          </a:effectRef>
-          <a:fontRef idx="minor">
-            <a:schemeClr val="lt1"/>
-          </a:fontRef>
-        </p:style>
-        <p:txBody>
-          <a:bodyPr rtlCol="0" anchor="ctr"/>
-          <a:p>
-            <a:pPr algn="ctr"/>
-            <a:endParaRPr lang="zh-CN" altLang="en-US"/>
-          </a:p>
-        </p:txBody>
-      </p:sp>
-      <p:cxnSp>
-        <p:nvCxnSpPr>
-          <p:cNvPr id="19" name="直接箭头连接符 18"/>
-          <p:cNvCxnSpPr/>
-          <p:nvPr/>
-        </p:nvCxnSpPr>
-        <p:spPr>
-          <a:xfrm flipH="1">
-            <a:off x="5706110" y="2710180"/>
-            <a:ext cx="680085" cy="702310"/>
-          </a:xfrm>
-          <a:prstGeom prst="straightConnector1">
-            <a:avLst/>
-          </a:prstGeom>
-          <a:ln w="12700" cmpd="sng">
-            <a:solidFill>
-              <a:srgbClr val="FF0000"/>
-            </a:solidFill>
-            <a:prstDash val="dash"/>
-            <a:tailEnd type="arrow"/>
-          </a:ln>
-        </p:spPr>
-        <p:style>
-          <a:lnRef idx="1">
-            <a:schemeClr val="accent1"/>
-          </a:lnRef>
-          <a:fillRef idx="0">
-            <a:schemeClr val="accent1"/>
-          </a:fillRef>
-          <a:effectRef idx="0">
-            <a:schemeClr val="accent1"/>
-          </a:effectRef>
-          <a:fontRef idx="minor">
-            <a:schemeClr val="tx1"/>
-          </a:fontRef>
-        </p:style>
-      </p:cxnSp>
-      <p:cxnSp>
-        <p:nvCxnSpPr>
-          <p:cNvPr id="20" name="直接箭头连接符 19"/>
-          <p:cNvCxnSpPr/>
-          <p:nvPr/>
-        </p:nvCxnSpPr>
-        <p:spPr>
-          <a:xfrm>
-            <a:off x="5814695" y="3952875"/>
-            <a:ext cx="605790" cy="0"/>
-          </a:xfrm>
-          <a:prstGeom prst="straightConnector1">
-            <a:avLst/>
-          </a:prstGeom>
-          <a:ln w="12700" cmpd="sng">
-            <a:solidFill>
-              <a:srgbClr val="FF0000"/>
-            </a:solidFill>
-            <a:prstDash val="dash"/>
-            <a:tailEnd type="arrow"/>
-          </a:ln>
-        </p:spPr>
-        <p:style>
-          <a:lnRef idx="1">
-            <a:schemeClr val="accent1"/>
-          </a:lnRef>
-          <a:fillRef idx="0">
-            <a:schemeClr val="accent1"/>
-          </a:fillRef>
-          <a:effectRef idx="0">
-            <a:schemeClr val="accent1"/>
-          </a:effectRef>
-          <a:fontRef idx="minor">
-            <a:schemeClr val="tx1"/>
-          </a:fontRef>
-        </p:style>
-      </p:cxnSp>
-      <p:sp>
-        <p:nvSpPr>
           <p:cNvPr id="22" name="文本框 21"/>
           <p:cNvSpPr txBox="1"/>
           <p:nvPr/>
         </p:nvSpPr>
         <p:spPr>
           <a:xfrm>
-            <a:off x="6104890" y="4492625"/>
+            <a:off x="5134610" y="4363085"/>
             <a:ext cx="1276985" cy="645160"/>
           </a:xfrm>
           <a:prstGeom prst="rect">
@@ -21286,58 +21196,13 @@
       </p:sp>
       <p:sp>
         <p:nvSpPr>
-          <p:cNvPr id="25" name="文本框 24"/>
-          <p:cNvSpPr txBox="1"/>
-          <p:nvPr/>
-        </p:nvSpPr>
-        <p:spPr>
-          <a:xfrm>
-            <a:off x="5087620" y="4493260"/>
-            <a:ext cx="1017270" cy="645160"/>
-          </a:xfrm>
-          <a:prstGeom prst="rect">
-            <a:avLst/>
-          </a:prstGeom>
-          <a:noFill/>
-        </p:spPr>
-        <p:txBody>
-          <a:bodyPr wrap="square" rtlCol="0">
-            <a:spAutoFit/>
-          </a:bodyPr>
-          <a:p>
-            <a:r>
-              <a:rPr lang="zh-CN" altLang="en-US">
-                <a:solidFill>
-                  <a:srgbClr val="FF0000"/>
-                </a:solidFill>
-              </a:rPr>
-              <a:t>新增的</a:t>
-            </a:r>
-            <a:r>
-              <a:rPr lang="en-US" altLang="zh-CN">
-                <a:solidFill>
-                  <a:srgbClr val="FF0000"/>
-                </a:solidFill>
-              </a:rPr>
-              <a:t>dentry</a:t>
-            </a:r>
-            <a:endParaRPr lang="en-US" altLang="zh-CN">
-              <a:solidFill>
-                <a:srgbClr val="FF0000"/>
-              </a:solidFill>
-            </a:endParaRPr>
-          </a:p>
-        </p:txBody>
-      </p:sp>
-      <p:sp>
-        <p:nvSpPr>
           <p:cNvPr id="26" name="文本框 25"/>
           <p:cNvSpPr txBox="1"/>
           <p:nvPr/>
         </p:nvSpPr>
         <p:spPr>
           <a:xfrm>
-            <a:off x="9407525" y="4492625"/>
+            <a:off x="8437245" y="4363085"/>
             <a:ext cx="1503680" cy="645160"/>
           </a:xfrm>
           <a:prstGeom prst="rect">
@@ -21370,13 +21235,19 @@
         </p:nvCxnSpPr>
         <p:spPr>
           <a:xfrm flipV="1">
-            <a:off x="3764915" y="2104390"/>
+            <a:off x="3624580" y="1835150"/>
             <a:ext cx="741680" cy="615950"/>
           </a:xfrm>
           <a:prstGeom prst="straightConnector1">
             <a:avLst/>
           </a:prstGeom>
-          <a:ln>
+          <a:ln w="12700" cmpd="sng">
+            <a:solidFill>
+              <a:schemeClr val="accent1">
+                <a:shade val="50000"/>
+              </a:schemeClr>
+            </a:solidFill>
+            <a:prstDash val="dash"/>
             <a:tailEnd type="arrow"/>
           </a:ln>
         </p:spPr>
@@ -21403,13 +21274,19 @@
         </p:nvCxnSpPr>
         <p:spPr>
           <a:xfrm flipH="1" flipV="1">
-            <a:off x="3705860" y="4119880"/>
+            <a:off x="3588385" y="3861435"/>
             <a:ext cx="973455" cy="794385"/>
           </a:xfrm>
           <a:prstGeom prst="straightConnector1">
             <a:avLst/>
           </a:prstGeom>
-          <a:ln>
+          <a:ln w="12700" cmpd="sng">
+            <a:solidFill>
+              <a:schemeClr val="accent1">
+                <a:shade val="50000"/>
+              </a:schemeClr>
+            </a:solidFill>
+            <a:prstDash val="dash"/>
             <a:tailEnd type="arrow"/>
           </a:ln>
         </p:spPr>
@@ -21448,14 +21325,14 @@
       <p:grpSpPr/>
       <p:sp>
         <p:nvSpPr>
-          <p:cNvPr id="23" name="矩形 22"/>
+          <p:cNvPr id="14" name="矩形 13"/>
           <p:cNvSpPr/>
           <p:nvPr/>
         </p:nvSpPr>
         <p:spPr>
           <a:xfrm>
-            <a:off x="1015365" y="2962275"/>
-            <a:ext cx="2675255" cy="486410"/>
+            <a:off x="912495" y="2923540"/>
+            <a:ext cx="2697480" cy="472440"/>
           </a:xfrm>
           <a:prstGeom prst="rect">
             <a:avLst/>
@@ -21488,14 +21365,14 @@
       </p:sp>
       <p:sp>
         <p:nvSpPr>
-          <p:cNvPr id="24" name="文本框 23"/>
+          <p:cNvPr id="16" name="文本框 15"/>
           <p:cNvSpPr txBox="1"/>
           <p:nvPr/>
         </p:nvSpPr>
         <p:spPr>
           <a:xfrm>
-            <a:off x="1083945" y="3023870"/>
-            <a:ext cx="2538730" cy="368300"/>
+            <a:off x="835025" y="2972435"/>
+            <a:ext cx="2852420" cy="368300"/>
           </a:xfrm>
           <a:prstGeom prst="rect">
             <a:avLst/>
@@ -21509,7 +21386,84 @@
           <a:p>
             <a:r>
               <a:rPr lang="zh-CN" altLang="en-US"/>
-              <a:t>分配新的索引节点</a:t>
+              <a:t>添加子文件</a:t>
+            </a:r>
+            <a:r>
+              <a:rPr lang="en-US" altLang="zh-CN"/>
+              <a:t>dentry</a:t>
+            </a:r>
+            <a:r>
+              <a:rPr lang="zh-CN" altLang="en-US"/>
+              <a:t>到父目录</a:t>
+            </a:r>
+            <a:endParaRPr lang="zh-CN" altLang="en-US" b="1"/>
+          </a:p>
+        </p:txBody>
+      </p:sp>
+      <p:sp>
+        <p:nvSpPr>
+          <p:cNvPr id="2" name="矩形 1"/>
+          <p:cNvSpPr/>
+          <p:nvPr/>
+        </p:nvSpPr>
+        <p:spPr>
+          <a:xfrm>
+            <a:off x="6376670" y="1586865"/>
+            <a:ext cx="1199515" cy="789305"/>
+          </a:xfrm>
+          <a:prstGeom prst="rect">
+            <a:avLst/>
+          </a:prstGeom>
+          <a:noFill/>
+        </p:spPr>
+        <p:style>
+          <a:lnRef idx="2">
+            <a:schemeClr val="accent1">
+              <a:shade val="50000"/>
+            </a:schemeClr>
+          </a:lnRef>
+          <a:fillRef idx="1">
+            <a:schemeClr val="accent1"/>
+          </a:fillRef>
+          <a:effectRef idx="0">
+            <a:schemeClr val="accent1"/>
+          </a:effectRef>
+          <a:fontRef idx="minor">
+            <a:schemeClr val="lt1"/>
+          </a:fontRef>
+        </p:style>
+        <p:txBody>
+          <a:bodyPr rtlCol="0" anchor="ctr"/>
+          <a:p>
+            <a:pPr algn="ctr"/>
+            <a:endParaRPr lang="zh-CN" altLang="en-US"/>
+          </a:p>
+        </p:txBody>
+      </p:sp>
+      <p:sp>
+        <p:nvSpPr>
+          <p:cNvPr id="3" name="文本框 2"/>
+          <p:cNvSpPr txBox="1"/>
+          <p:nvPr/>
+        </p:nvSpPr>
+        <p:spPr>
+          <a:xfrm>
+            <a:off x="6376670" y="1085215"/>
+            <a:ext cx="1395730" cy="368300"/>
+          </a:xfrm>
+          <a:prstGeom prst="rect">
+            <a:avLst/>
+          </a:prstGeom>
+          <a:noFill/>
+        </p:spPr>
+        <p:txBody>
+          <a:bodyPr wrap="none" rtlCol="0">
+            <a:spAutoFit/>
+          </a:bodyPr>
+          <a:p>
+            <a:r>
+              <a:rPr lang="zh-CN" altLang="en-US"/>
+              <a:t>父目录</a:t>
             </a:r>
             <a:r>
               <a:rPr lang="en-US" altLang="zh-CN"/>
@@ -21519,6 +21473,673 @@
           </a:p>
         </p:txBody>
       </p:sp>
+      <p:sp>
+        <p:nvSpPr>
+          <p:cNvPr id="11" name="矩形 10"/>
+          <p:cNvSpPr/>
+          <p:nvPr/>
+        </p:nvSpPr>
+        <p:spPr>
+          <a:xfrm>
+            <a:off x="6376670" y="3348355"/>
+            <a:ext cx="162560" cy="637540"/>
+          </a:xfrm>
+          <a:prstGeom prst="rect">
+            <a:avLst/>
+          </a:prstGeom>
+        </p:spPr>
+        <p:style>
+          <a:lnRef idx="2">
+            <a:schemeClr val="accent1">
+              <a:shade val="50000"/>
+            </a:schemeClr>
+          </a:lnRef>
+          <a:fillRef idx="1">
+            <a:schemeClr val="accent1"/>
+          </a:fillRef>
+          <a:effectRef idx="0">
+            <a:schemeClr val="accent1"/>
+          </a:effectRef>
+          <a:fontRef idx="minor">
+            <a:schemeClr val="lt1"/>
+          </a:fontRef>
+        </p:style>
+        <p:txBody>
+          <a:bodyPr rtlCol="0" anchor="ctr"/>
+          <a:p>
+            <a:pPr algn="ctr"/>
+            <a:endParaRPr lang="zh-CN" altLang="en-US"/>
+          </a:p>
+        </p:txBody>
+      </p:sp>
+      <p:cxnSp>
+        <p:nvCxnSpPr>
+          <p:cNvPr id="4" name="直接箭头连接符 3"/>
+          <p:cNvCxnSpPr/>
+          <p:nvPr/>
+        </p:nvCxnSpPr>
+        <p:spPr>
+          <a:xfrm flipH="1">
+            <a:off x="6452235" y="2440940"/>
+            <a:ext cx="10795" cy="669925"/>
+          </a:xfrm>
+          <a:prstGeom prst="straightConnector1">
+            <a:avLst/>
+          </a:prstGeom>
+          <a:ln>
+            <a:tailEnd type="arrow"/>
+          </a:ln>
+        </p:spPr>
+        <p:style>
+          <a:lnRef idx="1">
+            <a:schemeClr val="accent1"/>
+          </a:lnRef>
+          <a:fillRef idx="0">
+            <a:schemeClr val="accent1"/>
+          </a:fillRef>
+          <a:effectRef idx="0">
+            <a:schemeClr val="accent1"/>
+          </a:effectRef>
+          <a:fontRef idx="minor">
+            <a:schemeClr val="tx1"/>
+          </a:fontRef>
+        </p:style>
+      </p:cxnSp>
+      <p:sp>
+        <p:nvSpPr>
+          <p:cNvPr id="5" name="文本框 4"/>
+          <p:cNvSpPr txBox="1"/>
+          <p:nvPr/>
+        </p:nvSpPr>
+        <p:spPr>
+          <a:xfrm>
+            <a:off x="6565900" y="2451735"/>
+            <a:ext cx="1784985" cy="645160"/>
+          </a:xfrm>
+          <a:prstGeom prst="rect">
+            <a:avLst/>
+          </a:prstGeom>
+          <a:noFill/>
+        </p:spPr>
+        <p:txBody>
+          <a:bodyPr wrap="square" rtlCol="0">
+            <a:spAutoFit/>
+          </a:bodyPr>
+          <a:p>
+            <a:r>
+              <a:rPr lang="zh-CN" altLang="en-US"/>
+              <a:t>指向第一个子文件</a:t>
+            </a:r>
+            <a:r>
+              <a:rPr lang="en-US" altLang="zh-CN"/>
+              <a:t>dentry</a:t>
+            </a:r>
+            <a:r>
+              <a:rPr lang="zh-CN" altLang="en-US"/>
+              <a:t>的指针</a:t>
+            </a:r>
+            <a:endParaRPr lang="zh-CN" altLang="en-US"/>
+          </a:p>
+        </p:txBody>
+      </p:sp>
+      <p:cxnSp>
+        <p:nvCxnSpPr>
+          <p:cNvPr id="6" name="直接箭头连接符 5"/>
+          <p:cNvCxnSpPr/>
+          <p:nvPr/>
+        </p:nvCxnSpPr>
+        <p:spPr>
+          <a:xfrm>
+            <a:off x="6635750" y="3683635"/>
+            <a:ext cx="605790" cy="0"/>
+          </a:xfrm>
+          <a:prstGeom prst="straightConnector1">
+            <a:avLst/>
+          </a:prstGeom>
+          <a:ln>
+            <a:tailEnd type="arrow"/>
+          </a:ln>
+        </p:spPr>
+        <p:style>
+          <a:lnRef idx="1">
+            <a:schemeClr val="accent1"/>
+          </a:lnRef>
+          <a:fillRef idx="0">
+            <a:schemeClr val="accent1"/>
+          </a:fillRef>
+          <a:effectRef idx="0">
+            <a:schemeClr val="accent1"/>
+          </a:effectRef>
+          <a:fontRef idx="minor">
+            <a:schemeClr val="tx1"/>
+          </a:fontRef>
+        </p:style>
+      </p:cxnSp>
+      <p:sp>
+        <p:nvSpPr>
+          <p:cNvPr id="7" name="矩形 6"/>
+          <p:cNvSpPr/>
+          <p:nvPr/>
+        </p:nvSpPr>
+        <p:spPr>
+          <a:xfrm>
+            <a:off x="7338060" y="3364865"/>
+            <a:ext cx="162560" cy="637540"/>
+          </a:xfrm>
+          <a:prstGeom prst="rect">
+            <a:avLst/>
+          </a:prstGeom>
+        </p:spPr>
+        <p:style>
+          <a:lnRef idx="2">
+            <a:schemeClr val="accent1">
+              <a:shade val="50000"/>
+            </a:schemeClr>
+          </a:lnRef>
+          <a:fillRef idx="1">
+            <a:schemeClr val="accent1"/>
+          </a:fillRef>
+          <a:effectRef idx="0">
+            <a:schemeClr val="accent1"/>
+          </a:effectRef>
+          <a:fontRef idx="minor">
+            <a:schemeClr val="lt1"/>
+          </a:fontRef>
+        </p:style>
+        <p:txBody>
+          <a:bodyPr rtlCol="0" anchor="ctr"/>
+          <a:p>
+            <a:pPr algn="ctr"/>
+            <a:endParaRPr lang="zh-CN" altLang="en-US"/>
+          </a:p>
+        </p:txBody>
+      </p:sp>
+      <p:sp>
+        <p:nvSpPr>
+          <p:cNvPr id="8" name="文本框 7"/>
+          <p:cNvSpPr txBox="1"/>
+          <p:nvPr/>
+        </p:nvSpPr>
+        <p:spPr>
+          <a:xfrm>
+            <a:off x="7500620" y="4095115"/>
+            <a:ext cx="1536065" cy="645160"/>
+          </a:xfrm>
+          <a:prstGeom prst="rect">
+            <a:avLst/>
+          </a:prstGeom>
+          <a:noFill/>
+        </p:spPr>
+        <p:txBody>
+          <a:bodyPr wrap="square" rtlCol="0">
+            <a:spAutoFit/>
+          </a:bodyPr>
+          <a:p>
+            <a:r>
+              <a:rPr lang="zh-CN" altLang="en-US"/>
+              <a:t>指向兄弟</a:t>
+            </a:r>
+            <a:r>
+              <a:rPr lang="en-US" altLang="zh-CN"/>
+              <a:t>dentry</a:t>
+            </a:r>
+            <a:r>
+              <a:rPr lang="zh-CN" altLang="en-US"/>
+              <a:t>的指针</a:t>
+            </a:r>
+            <a:endParaRPr lang="zh-CN" altLang="en-US"/>
+          </a:p>
+        </p:txBody>
+      </p:sp>
+      <p:cxnSp>
+        <p:nvCxnSpPr>
+          <p:cNvPr id="9" name="直接箭头连接符 8"/>
+          <p:cNvCxnSpPr/>
+          <p:nvPr/>
+        </p:nvCxnSpPr>
+        <p:spPr>
+          <a:xfrm>
+            <a:off x="7648575" y="3683635"/>
+            <a:ext cx="605790" cy="0"/>
+          </a:xfrm>
+          <a:prstGeom prst="straightConnector1">
+            <a:avLst/>
+          </a:prstGeom>
+          <a:ln>
+            <a:tailEnd type="arrow"/>
+          </a:ln>
+        </p:spPr>
+        <p:style>
+          <a:lnRef idx="1">
+            <a:schemeClr val="accent1"/>
+          </a:lnRef>
+          <a:fillRef idx="0">
+            <a:schemeClr val="accent1"/>
+          </a:fillRef>
+          <a:effectRef idx="0">
+            <a:schemeClr val="accent1"/>
+          </a:effectRef>
+          <a:fontRef idx="minor">
+            <a:schemeClr val="tx1"/>
+          </a:fontRef>
+        </p:style>
+      </p:cxnSp>
+      <p:sp>
+        <p:nvSpPr>
+          <p:cNvPr id="10" name="矩形 9"/>
+          <p:cNvSpPr/>
+          <p:nvPr/>
+        </p:nvSpPr>
+        <p:spPr>
+          <a:xfrm>
+            <a:off x="8350885" y="3364865"/>
+            <a:ext cx="162560" cy="637540"/>
+          </a:xfrm>
+          <a:prstGeom prst="rect">
+            <a:avLst/>
+          </a:prstGeom>
+        </p:spPr>
+        <p:style>
+          <a:lnRef idx="2">
+            <a:schemeClr val="accent1">
+              <a:shade val="50000"/>
+            </a:schemeClr>
+          </a:lnRef>
+          <a:fillRef idx="1">
+            <a:schemeClr val="accent1"/>
+          </a:fillRef>
+          <a:effectRef idx="0">
+            <a:schemeClr val="accent1"/>
+          </a:effectRef>
+          <a:fontRef idx="minor">
+            <a:schemeClr val="lt1"/>
+          </a:fontRef>
+        </p:style>
+        <p:txBody>
+          <a:bodyPr rtlCol="0" anchor="ctr"/>
+          <a:p>
+            <a:pPr algn="ctr"/>
+            <a:endParaRPr lang="zh-CN" altLang="en-US"/>
+          </a:p>
+        </p:txBody>
+      </p:sp>
+      <p:cxnSp>
+        <p:nvCxnSpPr>
+          <p:cNvPr id="15" name="直接箭头连接符 14"/>
+          <p:cNvCxnSpPr/>
+          <p:nvPr/>
+        </p:nvCxnSpPr>
+        <p:spPr>
+          <a:xfrm>
+            <a:off x="8661400" y="3667125"/>
+            <a:ext cx="605790" cy="0"/>
+          </a:xfrm>
+          <a:prstGeom prst="straightConnector1">
+            <a:avLst/>
+          </a:prstGeom>
+          <a:ln>
+            <a:tailEnd type="arrow"/>
+          </a:ln>
+        </p:spPr>
+        <p:style>
+          <a:lnRef idx="1">
+            <a:schemeClr val="accent1"/>
+          </a:lnRef>
+          <a:fillRef idx="0">
+            <a:schemeClr val="accent1"/>
+          </a:fillRef>
+          <a:effectRef idx="0">
+            <a:schemeClr val="accent1"/>
+          </a:effectRef>
+          <a:fontRef idx="minor">
+            <a:schemeClr val="tx1"/>
+          </a:fontRef>
+        </p:style>
+      </p:cxnSp>
+      <p:sp>
+        <p:nvSpPr>
+          <p:cNvPr id="17" name="矩形 16"/>
+          <p:cNvSpPr/>
+          <p:nvPr/>
+        </p:nvSpPr>
+        <p:spPr>
+          <a:xfrm>
+            <a:off x="9363710" y="3348355"/>
+            <a:ext cx="162560" cy="637540"/>
+          </a:xfrm>
+          <a:prstGeom prst="rect">
+            <a:avLst/>
+          </a:prstGeom>
+        </p:spPr>
+        <p:style>
+          <a:lnRef idx="2">
+            <a:schemeClr val="accent1">
+              <a:shade val="50000"/>
+            </a:schemeClr>
+          </a:lnRef>
+          <a:fillRef idx="1">
+            <a:schemeClr val="accent1"/>
+          </a:fillRef>
+          <a:effectRef idx="0">
+            <a:schemeClr val="accent1"/>
+          </a:effectRef>
+          <a:fontRef idx="minor">
+            <a:schemeClr val="lt1"/>
+          </a:fontRef>
+        </p:style>
+        <p:txBody>
+          <a:bodyPr rtlCol="0" anchor="ctr"/>
+          <a:p>
+            <a:pPr algn="ctr"/>
+            <a:endParaRPr lang="zh-CN" altLang="en-US"/>
+          </a:p>
+        </p:txBody>
+      </p:sp>
+      <p:sp>
+        <p:nvSpPr>
+          <p:cNvPr id="18" name="矩形 17"/>
+          <p:cNvSpPr/>
+          <p:nvPr/>
+        </p:nvSpPr>
+        <p:spPr>
+          <a:xfrm>
+            <a:off x="5387975" y="3364865"/>
+            <a:ext cx="162560" cy="637540"/>
+          </a:xfrm>
+          <a:prstGeom prst="rect">
+            <a:avLst/>
+          </a:prstGeom>
+          <a:solidFill>
+            <a:srgbClr val="FF0000"/>
+          </a:solidFill>
+        </p:spPr>
+        <p:style>
+          <a:lnRef idx="2">
+            <a:schemeClr val="accent1">
+              <a:shade val="50000"/>
+            </a:schemeClr>
+          </a:lnRef>
+          <a:fillRef idx="1">
+            <a:schemeClr val="accent1"/>
+          </a:fillRef>
+          <a:effectRef idx="0">
+            <a:schemeClr val="accent1"/>
+          </a:effectRef>
+          <a:fontRef idx="minor">
+            <a:schemeClr val="lt1"/>
+          </a:fontRef>
+        </p:style>
+        <p:txBody>
+          <a:bodyPr rtlCol="0" anchor="ctr"/>
+          <a:p>
+            <a:pPr algn="ctr"/>
+            <a:endParaRPr lang="zh-CN" altLang="en-US"/>
+          </a:p>
+        </p:txBody>
+      </p:sp>
+      <p:cxnSp>
+        <p:nvCxnSpPr>
+          <p:cNvPr id="19" name="直接箭头连接符 18"/>
+          <p:cNvCxnSpPr/>
+          <p:nvPr/>
+        </p:nvCxnSpPr>
+        <p:spPr>
+          <a:xfrm flipH="1">
+            <a:off x="5565775" y="2440940"/>
+            <a:ext cx="680085" cy="702310"/>
+          </a:xfrm>
+          <a:prstGeom prst="straightConnector1">
+            <a:avLst/>
+          </a:prstGeom>
+          <a:ln w="12700" cmpd="sng">
+            <a:solidFill>
+              <a:srgbClr val="FF0000"/>
+            </a:solidFill>
+            <a:prstDash val="dash"/>
+            <a:tailEnd type="arrow"/>
+          </a:ln>
+        </p:spPr>
+        <p:style>
+          <a:lnRef idx="1">
+            <a:schemeClr val="accent1"/>
+          </a:lnRef>
+          <a:fillRef idx="0">
+            <a:schemeClr val="accent1"/>
+          </a:fillRef>
+          <a:effectRef idx="0">
+            <a:schemeClr val="accent1"/>
+          </a:effectRef>
+          <a:fontRef idx="minor">
+            <a:schemeClr val="tx1"/>
+          </a:fontRef>
+        </p:style>
+      </p:cxnSp>
+      <p:cxnSp>
+        <p:nvCxnSpPr>
+          <p:cNvPr id="20" name="直接箭头连接符 19"/>
+          <p:cNvCxnSpPr/>
+          <p:nvPr/>
+        </p:nvCxnSpPr>
+        <p:spPr>
+          <a:xfrm>
+            <a:off x="5674360" y="3683635"/>
+            <a:ext cx="605790" cy="0"/>
+          </a:xfrm>
+          <a:prstGeom prst="straightConnector1">
+            <a:avLst/>
+          </a:prstGeom>
+          <a:ln w="12700" cmpd="sng">
+            <a:solidFill>
+              <a:srgbClr val="FF0000"/>
+            </a:solidFill>
+            <a:prstDash val="dash"/>
+            <a:tailEnd type="arrow"/>
+          </a:ln>
+        </p:spPr>
+        <p:style>
+          <a:lnRef idx="1">
+            <a:schemeClr val="accent1"/>
+          </a:lnRef>
+          <a:fillRef idx="0">
+            <a:schemeClr val="accent1"/>
+          </a:fillRef>
+          <a:effectRef idx="0">
+            <a:schemeClr val="accent1"/>
+          </a:effectRef>
+          <a:fontRef idx="minor">
+            <a:schemeClr val="tx1"/>
+          </a:fontRef>
+        </p:style>
+      </p:cxnSp>
+      <p:sp>
+        <p:nvSpPr>
+          <p:cNvPr id="22" name="文本框 21"/>
+          <p:cNvSpPr txBox="1"/>
+          <p:nvPr/>
+        </p:nvSpPr>
+        <p:spPr>
+          <a:xfrm>
+            <a:off x="5964555" y="4223385"/>
+            <a:ext cx="1276985" cy="645160"/>
+          </a:xfrm>
+          <a:prstGeom prst="rect">
+            <a:avLst/>
+          </a:prstGeom>
+          <a:noFill/>
+        </p:spPr>
+        <p:txBody>
+          <a:bodyPr wrap="square" rtlCol="0">
+            <a:spAutoFit/>
+          </a:bodyPr>
+          <a:p>
+            <a:r>
+              <a:rPr lang="zh-CN"/>
+              <a:t>第一个子文件</a:t>
+            </a:r>
+            <a:r>
+              <a:rPr lang="en-US" altLang="zh-CN"/>
+              <a:t>dentry</a:t>
+            </a:r>
+            <a:endParaRPr lang="en-US" altLang="zh-CN"/>
+          </a:p>
+        </p:txBody>
+      </p:sp>
+      <p:sp>
+        <p:nvSpPr>
+          <p:cNvPr id="25" name="文本框 24"/>
+          <p:cNvSpPr txBox="1"/>
+          <p:nvPr/>
+        </p:nvSpPr>
+        <p:spPr>
+          <a:xfrm>
+            <a:off x="4947285" y="4224020"/>
+            <a:ext cx="1017270" cy="645160"/>
+          </a:xfrm>
+          <a:prstGeom prst="rect">
+            <a:avLst/>
+          </a:prstGeom>
+          <a:noFill/>
+        </p:spPr>
+        <p:txBody>
+          <a:bodyPr wrap="square" rtlCol="0">
+            <a:spAutoFit/>
+          </a:bodyPr>
+          <a:p>
+            <a:r>
+              <a:rPr lang="zh-CN" altLang="en-US">
+                <a:solidFill>
+                  <a:srgbClr val="FF0000"/>
+                </a:solidFill>
+              </a:rPr>
+              <a:t>新增的</a:t>
+            </a:r>
+            <a:r>
+              <a:rPr lang="en-US" altLang="zh-CN">
+                <a:solidFill>
+                  <a:srgbClr val="FF0000"/>
+                </a:solidFill>
+              </a:rPr>
+              <a:t>dentry</a:t>
+            </a:r>
+            <a:endParaRPr lang="en-US" altLang="zh-CN">
+              <a:solidFill>
+                <a:srgbClr val="FF0000"/>
+              </a:solidFill>
+            </a:endParaRPr>
+          </a:p>
+        </p:txBody>
+      </p:sp>
+      <p:sp>
+        <p:nvSpPr>
+          <p:cNvPr id="26" name="文本框 25"/>
+          <p:cNvSpPr txBox="1"/>
+          <p:nvPr/>
+        </p:nvSpPr>
+        <p:spPr>
+          <a:xfrm>
+            <a:off x="9267190" y="4223385"/>
+            <a:ext cx="1503680" cy="645160"/>
+          </a:xfrm>
+          <a:prstGeom prst="rect">
+            <a:avLst/>
+          </a:prstGeom>
+          <a:noFill/>
+        </p:spPr>
+        <p:txBody>
+          <a:bodyPr wrap="square" rtlCol="0">
+            <a:spAutoFit/>
+          </a:bodyPr>
+          <a:p>
+            <a:r>
+              <a:rPr lang="zh-CN"/>
+              <a:t>最后一个子文件的</a:t>
+            </a:r>
+            <a:r>
+              <a:rPr lang="en-US" altLang="zh-CN"/>
+              <a:t>dentry</a:t>
+            </a:r>
+            <a:endParaRPr lang="en-US" altLang="zh-CN"/>
+          </a:p>
+        </p:txBody>
+      </p:sp>
+      <p:cxnSp>
+        <p:nvCxnSpPr>
+          <p:cNvPr id="42" name="直接箭头连接符 41"/>
+          <p:cNvCxnSpPr/>
+          <p:nvPr/>
+        </p:nvCxnSpPr>
+        <p:spPr>
+          <a:xfrm flipV="1">
+            <a:off x="3624580" y="1835150"/>
+            <a:ext cx="741680" cy="615950"/>
+          </a:xfrm>
+          <a:prstGeom prst="straightConnector1">
+            <a:avLst/>
+          </a:prstGeom>
+          <a:ln w="12700" cmpd="sng">
+            <a:solidFill>
+              <a:schemeClr val="accent1">
+                <a:shade val="50000"/>
+              </a:schemeClr>
+            </a:solidFill>
+            <a:prstDash val="dash"/>
+            <a:tailEnd type="arrow"/>
+          </a:ln>
+        </p:spPr>
+        <p:style>
+          <a:lnRef idx="1">
+            <a:schemeClr val="accent1"/>
+          </a:lnRef>
+          <a:fillRef idx="0">
+            <a:schemeClr val="accent1"/>
+          </a:fillRef>
+          <a:effectRef idx="0">
+            <a:schemeClr val="accent1"/>
+          </a:effectRef>
+          <a:fontRef idx="minor">
+            <a:schemeClr val="tx1"/>
+          </a:fontRef>
+        </p:style>
+      </p:cxnSp>
+      <p:cxnSp>
+        <p:nvCxnSpPr>
+          <p:cNvPr id="43" name="直接箭头连接符 42"/>
+          <p:cNvCxnSpPr/>
+          <p:nvPr/>
+        </p:nvCxnSpPr>
+        <p:spPr>
+          <a:xfrm flipH="1" flipV="1">
+            <a:off x="3588385" y="3861435"/>
+            <a:ext cx="973455" cy="794385"/>
+          </a:xfrm>
+          <a:prstGeom prst="straightConnector1">
+            <a:avLst/>
+          </a:prstGeom>
+          <a:ln w="12700" cmpd="sng">
+            <a:solidFill>
+              <a:schemeClr val="accent1">
+                <a:shade val="50000"/>
+              </a:schemeClr>
+            </a:solidFill>
+            <a:prstDash val="dash"/>
+            <a:tailEnd type="arrow"/>
+          </a:ln>
+        </p:spPr>
+        <p:style>
+          <a:lnRef idx="1">
+            <a:schemeClr val="accent1"/>
+          </a:lnRef>
+          <a:fillRef idx="0">
+            <a:schemeClr val="accent1"/>
+          </a:fillRef>
+          <a:effectRef idx="0">
+            <a:schemeClr val="accent1"/>
+          </a:effectRef>
+          <a:fontRef idx="minor">
+            <a:schemeClr val="tx1"/>
+          </a:fontRef>
+        </p:style>
+      </p:cxnSp>
     </p:spTree>
   </p:cSld>
   <p:clrMapOvr>
@@ -21528,6 +22149,4334 @@
 </file>
 
 <file path=ppt/slides/slide24.xml><?xml version="1.0" encoding="utf-8"?>
+<p:sld xmlns:a="http://schemas.openxmlformats.org/drawingml/2006/main" xmlns:r="http://schemas.openxmlformats.org/officeDocument/2006/relationships" xmlns:p="http://schemas.openxmlformats.org/presentationml/2006/main">
+  <p:cSld>
+    <p:spTree>
+      <p:nvGrpSpPr>
+        <p:cNvPr id="1" name=""/>
+        <p:cNvGrpSpPr/>
+        <p:nvPr/>
+      </p:nvGrpSpPr>
+      <p:grpSpPr/>
+      <p:sp>
+        <p:nvSpPr>
+          <p:cNvPr id="23" name="矩形 22"/>
+          <p:cNvSpPr/>
+          <p:nvPr/>
+        </p:nvSpPr>
+        <p:spPr>
+          <a:xfrm>
+            <a:off x="1015365" y="2962275"/>
+            <a:ext cx="2675255" cy="486410"/>
+          </a:xfrm>
+          <a:prstGeom prst="rect">
+            <a:avLst/>
+          </a:prstGeom>
+          <a:noFill/>
+        </p:spPr>
+        <p:style>
+          <a:lnRef idx="2">
+            <a:schemeClr val="accent1">
+              <a:shade val="50000"/>
+            </a:schemeClr>
+          </a:lnRef>
+          <a:fillRef idx="1">
+            <a:schemeClr val="accent1"/>
+          </a:fillRef>
+          <a:effectRef idx="0">
+            <a:schemeClr val="accent1"/>
+          </a:effectRef>
+          <a:fontRef idx="minor">
+            <a:schemeClr val="lt1"/>
+          </a:fontRef>
+        </p:style>
+        <p:txBody>
+          <a:bodyPr rtlCol="0" anchor="ctr"/>
+          <a:p>
+            <a:pPr algn="ctr"/>
+            <a:endParaRPr lang="zh-CN" altLang="en-US"/>
+          </a:p>
+        </p:txBody>
+      </p:sp>
+      <p:sp>
+        <p:nvSpPr>
+          <p:cNvPr id="24" name="文本框 23"/>
+          <p:cNvSpPr txBox="1"/>
+          <p:nvPr/>
+        </p:nvSpPr>
+        <p:spPr>
+          <a:xfrm>
+            <a:off x="1083945" y="3023870"/>
+            <a:ext cx="2538730" cy="368300"/>
+          </a:xfrm>
+          <a:prstGeom prst="rect">
+            <a:avLst/>
+          </a:prstGeom>
+          <a:noFill/>
+        </p:spPr>
+        <p:txBody>
+          <a:bodyPr wrap="none" rtlCol="0">
+            <a:spAutoFit/>
+          </a:bodyPr>
+          <a:p>
+            <a:r>
+              <a:rPr lang="zh-CN" altLang="en-US"/>
+              <a:t>分配新的索引节点</a:t>
+            </a:r>
+            <a:r>
+              <a:rPr lang="en-US" altLang="zh-CN"/>
+              <a:t>inode</a:t>
+            </a:r>
+            <a:endParaRPr lang="en-US" altLang="zh-CN"/>
+          </a:p>
+        </p:txBody>
+      </p:sp>
+      <p:sp>
+        <p:nvSpPr>
+          <p:cNvPr id="5" name="矩形 4"/>
+          <p:cNvSpPr/>
+          <p:nvPr/>
+        </p:nvSpPr>
+        <p:spPr>
+          <a:xfrm>
+            <a:off x="6732905" y="774700"/>
+            <a:ext cx="2151380" cy="540385"/>
+          </a:xfrm>
+          <a:prstGeom prst="rect">
+            <a:avLst/>
+          </a:prstGeom>
+          <a:noFill/>
+        </p:spPr>
+        <p:style>
+          <a:lnRef idx="2">
+            <a:schemeClr val="accent1">
+              <a:shade val="50000"/>
+            </a:schemeClr>
+          </a:lnRef>
+          <a:fillRef idx="1">
+            <a:schemeClr val="accent1"/>
+          </a:fillRef>
+          <a:effectRef idx="0">
+            <a:schemeClr val="accent1"/>
+          </a:effectRef>
+          <a:fontRef idx="minor">
+            <a:schemeClr val="lt1"/>
+          </a:fontRef>
+        </p:style>
+        <p:txBody>
+          <a:bodyPr rtlCol="0" anchor="ctr"/>
+          <a:p>
+            <a:pPr algn="ctr"/>
+            <a:endParaRPr lang="zh-CN" altLang="en-US"/>
+          </a:p>
+        </p:txBody>
+      </p:sp>
+      <p:sp>
+        <p:nvSpPr>
+          <p:cNvPr id="6" name="文本框 5"/>
+          <p:cNvSpPr txBox="1"/>
+          <p:nvPr/>
+        </p:nvSpPr>
+        <p:spPr>
+          <a:xfrm>
+            <a:off x="6841490" y="855345"/>
+            <a:ext cx="1938020" cy="368300"/>
+          </a:xfrm>
+          <a:prstGeom prst="rect">
+            <a:avLst/>
+          </a:prstGeom>
+          <a:noFill/>
+        </p:spPr>
+        <p:txBody>
+          <a:bodyPr wrap="none" rtlCol="0">
+            <a:spAutoFit/>
+          </a:bodyPr>
+          <a:p>
+            <a:r>
+              <a:rPr lang="zh-CN" altLang="en-US"/>
+              <a:t>传入目录项</a:t>
+            </a:r>
+            <a:r>
+              <a:rPr lang="en-US" altLang="zh-CN"/>
+              <a:t>dentry</a:t>
+            </a:r>
+            <a:endParaRPr lang="en-US" altLang="zh-CN"/>
+          </a:p>
+        </p:txBody>
+      </p:sp>
+      <p:sp>
+        <p:nvSpPr>
+          <p:cNvPr id="7" name="矩形 6"/>
+          <p:cNvSpPr/>
+          <p:nvPr/>
+        </p:nvSpPr>
+        <p:spPr>
+          <a:xfrm>
+            <a:off x="6800215" y="2101215"/>
+            <a:ext cx="2151380" cy="540385"/>
+          </a:xfrm>
+          <a:prstGeom prst="rect">
+            <a:avLst/>
+          </a:prstGeom>
+          <a:noFill/>
+        </p:spPr>
+        <p:style>
+          <a:lnRef idx="2">
+            <a:schemeClr val="accent1">
+              <a:shade val="50000"/>
+            </a:schemeClr>
+          </a:lnRef>
+          <a:fillRef idx="1">
+            <a:schemeClr val="accent1"/>
+          </a:fillRef>
+          <a:effectRef idx="0">
+            <a:schemeClr val="accent1"/>
+          </a:effectRef>
+          <a:fontRef idx="minor">
+            <a:schemeClr val="lt1"/>
+          </a:fontRef>
+        </p:style>
+        <p:txBody>
+          <a:bodyPr rtlCol="0" anchor="ctr"/>
+          <a:p>
+            <a:pPr algn="ctr"/>
+            <a:endParaRPr lang="zh-CN" altLang="en-US"/>
+          </a:p>
+        </p:txBody>
+      </p:sp>
+      <p:sp>
+        <p:nvSpPr>
+          <p:cNvPr id="8" name="文本框 7"/>
+          <p:cNvSpPr txBox="1"/>
+          <p:nvPr/>
+        </p:nvSpPr>
+        <p:spPr>
+          <a:xfrm>
+            <a:off x="6908800" y="2187575"/>
+            <a:ext cx="2011680" cy="368300"/>
+          </a:xfrm>
+          <a:prstGeom prst="rect">
+            <a:avLst/>
+          </a:prstGeom>
+          <a:noFill/>
+        </p:spPr>
+        <p:txBody>
+          <a:bodyPr wrap="none" rtlCol="0">
+            <a:spAutoFit/>
+          </a:bodyPr>
+          <a:p>
+            <a:r>
+              <a:rPr lang="zh-CN" altLang="en-US"/>
+              <a:t>查找索引节点位图</a:t>
+            </a:r>
+            <a:endParaRPr lang="en-US" altLang="zh-CN"/>
+          </a:p>
+        </p:txBody>
+      </p:sp>
+      <p:sp>
+        <p:nvSpPr>
+          <p:cNvPr id="9" name="矩形 8"/>
+          <p:cNvSpPr/>
+          <p:nvPr/>
+        </p:nvSpPr>
+        <p:spPr>
+          <a:xfrm>
+            <a:off x="6428105" y="4760595"/>
+            <a:ext cx="2927350" cy="540385"/>
+          </a:xfrm>
+          <a:prstGeom prst="rect">
+            <a:avLst/>
+          </a:prstGeom>
+          <a:noFill/>
+        </p:spPr>
+        <p:style>
+          <a:lnRef idx="2">
+            <a:schemeClr val="accent1">
+              <a:shade val="50000"/>
+            </a:schemeClr>
+          </a:lnRef>
+          <a:fillRef idx="1">
+            <a:schemeClr val="accent1"/>
+          </a:fillRef>
+          <a:effectRef idx="0">
+            <a:schemeClr val="accent1"/>
+          </a:effectRef>
+          <a:fontRef idx="minor">
+            <a:schemeClr val="lt1"/>
+          </a:fontRef>
+        </p:style>
+        <p:txBody>
+          <a:bodyPr rtlCol="0" anchor="ctr"/>
+          <a:p>
+            <a:pPr algn="ctr"/>
+            <a:endParaRPr lang="zh-CN" altLang="en-US"/>
+          </a:p>
+        </p:txBody>
+      </p:sp>
+      <p:sp>
+        <p:nvSpPr>
+          <p:cNvPr id="10" name="文本框 9"/>
+          <p:cNvSpPr txBox="1"/>
+          <p:nvPr/>
+        </p:nvSpPr>
+        <p:spPr>
+          <a:xfrm>
+            <a:off x="6536690" y="4841240"/>
+            <a:ext cx="2818765" cy="368300"/>
+          </a:xfrm>
+          <a:prstGeom prst="rect">
+            <a:avLst/>
+          </a:prstGeom>
+          <a:noFill/>
+        </p:spPr>
+        <p:txBody>
+          <a:bodyPr wrap="none" rtlCol="0">
+            <a:spAutoFit/>
+          </a:bodyPr>
+          <a:p>
+            <a:r>
+              <a:rPr lang="zh-CN"/>
+              <a:t>创建新的</a:t>
+            </a:r>
+            <a:r>
+              <a:rPr lang="en-US" altLang="zh-CN"/>
+              <a:t>inode</a:t>
+            </a:r>
+            <a:r>
+              <a:rPr lang="zh-CN" altLang="en-US"/>
+              <a:t>，填写编号</a:t>
+            </a:r>
+            <a:r>
+              <a:rPr lang="en-US" altLang="zh-CN"/>
+              <a:t> </a:t>
+            </a:r>
+            <a:endParaRPr lang="en-US" altLang="zh-CN"/>
+          </a:p>
+        </p:txBody>
+      </p:sp>
+      <p:sp>
+        <p:nvSpPr>
+          <p:cNvPr id="11" name="矩形 10"/>
+          <p:cNvSpPr/>
+          <p:nvPr/>
+        </p:nvSpPr>
+        <p:spPr>
+          <a:xfrm>
+            <a:off x="6464935" y="5970905"/>
+            <a:ext cx="2927350" cy="572135"/>
+          </a:xfrm>
+          <a:prstGeom prst="rect">
+            <a:avLst/>
+          </a:prstGeom>
+          <a:noFill/>
+        </p:spPr>
+        <p:style>
+          <a:lnRef idx="2">
+            <a:schemeClr val="accent1">
+              <a:shade val="50000"/>
+            </a:schemeClr>
+          </a:lnRef>
+          <a:fillRef idx="1">
+            <a:schemeClr val="accent1"/>
+          </a:fillRef>
+          <a:effectRef idx="0">
+            <a:schemeClr val="accent1"/>
+          </a:effectRef>
+          <a:fontRef idx="minor">
+            <a:schemeClr val="lt1"/>
+          </a:fontRef>
+        </p:style>
+        <p:txBody>
+          <a:bodyPr rtlCol="0" anchor="ctr"/>
+          <a:p>
+            <a:pPr algn="ctr"/>
+            <a:endParaRPr lang="zh-CN" altLang="en-US"/>
+          </a:p>
+        </p:txBody>
+      </p:sp>
+      <p:sp>
+        <p:nvSpPr>
+          <p:cNvPr id="12" name="文本框 11"/>
+          <p:cNvSpPr txBox="1"/>
+          <p:nvPr/>
+        </p:nvSpPr>
+        <p:spPr>
+          <a:xfrm>
+            <a:off x="6544945" y="6072505"/>
+            <a:ext cx="2693670" cy="368300"/>
+          </a:xfrm>
+          <a:prstGeom prst="rect">
+            <a:avLst/>
+          </a:prstGeom>
+          <a:noFill/>
+        </p:spPr>
+        <p:txBody>
+          <a:bodyPr wrap="none" rtlCol="0">
+            <a:spAutoFit/>
+          </a:bodyPr>
+          <a:p>
+            <a:r>
+              <a:rPr lang="zh-CN" altLang="en-US"/>
+              <a:t>目录项</a:t>
+            </a:r>
+            <a:r>
+              <a:rPr lang="en-US" altLang="zh-CN"/>
+              <a:t>dentry</a:t>
+            </a:r>
+            <a:r>
+              <a:rPr lang="zh-CN" altLang="en-US"/>
+              <a:t>绑定该</a:t>
+            </a:r>
+            <a:r>
+              <a:rPr lang="en-US" altLang="zh-CN"/>
+              <a:t>inode</a:t>
+            </a:r>
+            <a:endParaRPr lang="en-US" altLang="zh-CN"/>
+          </a:p>
+        </p:txBody>
+      </p:sp>
+      <p:sp>
+        <p:nvSpPr>
+          <p:cNvPr id="13" name="矩形 12"/>
+          <p:cNvSpPr/>
+          <p:nvPr/>
+        </p:nvSpPr>
+        <p:spPr>
+          <a:xfrm>
+            <a:off x="4303395" y="1941830"/>
+            <a:ext cx="7176770" cy="1917065"/>
+          </a:xfrm>
+          <a:prstGeom prst="rect">
+            <a:avLst/>
+          </a:prstGeom>
+          <a:noFill/>
+          <a:ln w="12700" cmpd="sng">
+            <a:solidFill>
+              <a:schemeClr val="accent1">
+                <a:shade val="50000"/>
+              </a:schemeClr>
+            </a:solidFill>
+            <a:prstDash val="dash"/>
+          </a:ln>
+        </p:spPr>
+        <p:style>
+          <a:lnRef idx="2">
+            <a:schemeClr val="accent1">
+              <a:shade val="50000"/>
+            </a:schemeClr>
+          </a:lnRef>
+          <a:fillRef idx="1">
+            <a:schemeClr val="accent1"/>
+          </a:fillRef>
+          <a:effectRef idx="0">
+            <a:schemeClr val="accent1"/>
+          </a:effectRef>
+          <a:fontRef idx="minor">
+            <a:schemeClr val="lt1"/>
+          </a:fontRef>
+        </p:style>
+        <p:txBody>
+          <a:bodyPr rtlCol="0" anchor="ctr"/>
+          <a:p>
+            <a:pPr algn="ctr"/>
+            <a:endParaRPr lang="zh-CN" altLang="en-US"/>
+          </a:p>
+        </p:txBody>
+      </p:sp>
+      <p:sp>
+        <p:nvSpPr>
+          <p:cNvPr id="19" name="矩形 18"/>
+          <p:cNvSpPr/>
+          <p:nvPr/>
+        </p:nvSpPr>
+        <p:spPr>
+          <a:xfrm>
+            <a:off x="4776470" y="2783205"/>
+            <a:ext cx="97155" cy="75565"/>
+          </a:xfrm>
+          <a:prstGeom prst="rect">
+            <a:avLst/>
+          </a:prstGeom>
+        </p:spPr>
+        <p:style>
+          <a:lnRef idx="2">
+            <a:schemeClr val="accent1">
+              <a:shade val="50000"/>
+            </a:schemeClr>
+          </a:lnRef>
+          <a:fillRef idx="1">
+            <a:schemeClr val="accent1"/>
+          </a:fillRef>
+          <a:effectRef idx="0">
+            <a:schemeClr val="accent1"/>
+          </a:effectRef>
+          <a:fontRef idx="minor">
+            <a:schemeClr val="lt1"/>
+          </a:fontRef>
+        </p:style>
+        <p:txBody>
+          <a:bodyPr rtlCol="0" anchor="ctr"/>
+          <a:p>
+            <a:pPr algn="ctr"/>
+            <a:endParaRPr lang="zh-CN" altLang="en-US"/>
+          </a:p>
+        </p:txBody>
+      </p:sp>
+      <p:sp>
+        <p:nvSpPr>
+          <p:cNvPr id="20" name="矩形 19"/>
+          <p:cNvSpPr/>
+          <p:nvPr/>
+        </p:nvSpPr>
+        <p:spPr>
+          <a:xfrm>
+            <a:off x="4881880" y="2780665"/>
+            <a:ext cx="97155" cy="75565"/>
+          </a:xfrm>
+          <a:prstGeom prst="rect">
+            <a:avLst/>
+          </a:prstGeom>
+          <a:noFill/>
+        </p:spPr>
+        <p:style>
+          <a:lnRef idx="2">
+            <a:schemeClr val="accent1">
+              <a:shade val="50000"/>
+            </a:schemeClr>
+          </a:lnRef>
+          <a:fillRef idx="1">
+            <a:schemeClr val="accent1"/>
+          </a:fillRef>
+          <a:effectRef idx="0">
+            <a:schemeClr val="accent1"/>
+          </a:effectRef>
+          <a:fontRef idx="minor">
+            <a:schemeClr val="lt1"/>
+          </a:fontRef>
+        </p:style>
+        <p:txBody>
+          <a:bodyPr rtlCol="0" anchor="ctr"/>
+          <a:p>
+            <a:pPr algn="ctr"/>
+            <a:endParaRPr lang="zh-CN" altLang="en-US"/>
+          </a:p>
+        </p:txBody>
+      </p:sp>
+      <p:sp>
+        <p:nvSpPr>
+          <p:cNvPr id="21" name="矩形 20"/>
+          <p:cNvSpPr/>
+          <p:nvPr/>
+        </p:nvSpPr>
+        <p:spPr>
+          <a:xfrm>
+            <a:off x="4979035" y="2780665"/>
+            <a:ext cx="97155" cy="75565"/>
+          </a:xfrm>
+          <a:prstGeom prst="rect">
+            <a:avLst/>
+          </a:prstGeom>
+        </p:spPr>
+        <p:style>
+          <a:lnRef idx="2">
+            <a:schemeClr val="accent1">
+              <a:shade val="50000"/>
+            </a:schemeClr>
+          </a:lnRef>
+          <a:fillRef idx="1">
+            <a:schemeClr val="accent1"/>
+          </a:fillRef>
+          <a:effectRef idx="0">
+            <a:schemeClr val="accent1"/>
+          </a:effectRef>
+          <a:fontRef idx="minor">
+            <a:schemeClr val="lt1"/>
+          </a:fontRef>
+        </p:style>
+        <p:txBody>
+          <a:bodyPr rtlCol="0" anchor="ctr"/>
+          <a:p>
+            <a:pPr algn="ctr"/>
+            <a:endParaRPr lang="zh-CN" altLang="en-US"/>
+          </a:p>
+        </p:txBody>
+      </p:sp>
+      <p:sp>
+        <p:nvSpPr>
+          <p:cNvPr id="22" name="矩形 21"/>
+          <p:cNvSpPr/>
+          <p:nvPr/>
+        </p:nvSpPr>
+        <p:spPr>
+          <a:xfrm>
+            <a:off x="5076190" y="2780665"/>
+            <a:ext cx="97155" cy="75565"/>
+          </a:xfrm>
+          <a:prstGeom prst="rect">
+            <a:avLst/>
+          </a:prstGeom>
+          <a:noFill/>
+        </p:spPr>
+        <p:style>
+          <a:lnRef idx="2">
+            <a:schemeClr val="accent1">
+              <a:shade val="50000"/>
+            </a:schemeClr>
+          </a:lnRef>
+          <a:fillRef idx="1">
+            <a:schemeClr val="accent1"/>
+          </a:fillRef>
+          <a:effectRef idx="0">
+            <a:schemeClr val="accent1"/>
+          </a:effectRef>
+          <a:fontRef idx="minor">
+            <a:schemeClr val="lt1"/>
+          </a:fontRef>
+        </p:style>
+        <p:txBody>
+          <a:bodyPr rtlCol="0" anchor="ctr"/>
+          <a:p>
+            <a:pPr algn="ctr"/>
+            <a:endParaRPr lang="zh-CN" altLang="en-US"/>
+          </a:p>
+        </p:txBody>
+      </p:sp>
+      <p:sp>
+        <p:nvSpPr>
+          <p:cNvPr id="25" name="矩形 24"/>
+          <p:cNvSpPr/>
+          <p:nvPr/>
+        </p:nvSpPr>
+        <p:spPr>
+          <a:xfrm>
+            <a:off x="5184140" y="2780665"/>
+            <a:ext cx="97155" cy="75565"/>
+          </a:xfrm>
+          <a:prstGeom prst="rect">
+            <a:avLst/>
+          </a:prstGeom>
+        </p:spPr>
+        <p:style>
+          <a:lnRef idx="2">
+            <a:schemeClr val="accent1">
+              <a:shade val="50000"/>
+            </a:schemeClr>
+          </a:lnRef>
+          <a:fillRef idx="1">
+            <a:schemeClr val="accent1"/>
+          </a:fillRef>
+          <a:effectRef idx="0">
+            <a:schemeClr val="accent1"/>
+          </a:effectRef>
+          <a:fontRef idx="minor">
+            <a:schemeClr val="lt1"/>
+          </a:fontRef>
+        </p:style>
+        <p:txBody>
+          <a:bodyPr rtlCol="0" anchor="ctr"/>
+          <a:p>
+            <a:pPr algn="ctr"/>
+            <a:endParaRPr lang="zh-CN" altLang="en-US"/>
+          </a:p>
+        </p:txBody>
+      </p:sp>
+      <p:sp>
+        <p:nvSpPr>
+          <p:cNvPr id="26" name="矩形 25"/>
+          <p:cNvSpPr/>
+          <p:nvPr/>
+        </p:nvSpPr>
+        <p:spPr>
+          <a:xfrm>
+            <a:off x="5289550" y="2778125"/>
+            <a:ext cx="97155" cy="75565"/>
+          </a:xfrm>
+          <a:prstGeom prst="rect">
+            <a:avLst/>
+          </a:prstGeom>
+          <a:noFill/>
+        </p:spPr>
+        <p:style>
+          <a:lnRef idx="2">
+            <a:schemeClr val="accent1">
+              <a:shade val="50000"/>
+            </a:schemeClr>
+          </a:lnRef>
+          <a:fillRef idx="1">
+            <a:schemeClr val="accent1"/>
+          </a:fillRef>
+          <a:effectRef idx="0">
+            <a:schemeClr val="accent1"/>
+          </a:effectRef>
+          <a:fontRef idx="minor">
+            <a:schemeClr val="lt1"/>
+          </a:fontRef>
+        </p:style>
+        <p:txBody>
+          <a:bodyPr rtlCol="0" anchor="ctr"/>
+          <a:p>
+            <a:pPr algn="ctr"/>
+            <a:endParaRPr lang="zh-CN" altLang="en-US"/>
+          </a:p>
+        </p:txBody>
+      </p:sp>
+      <p:sp>
+        <p:nvSpPr>
+          <p:cNvPr id="27" name="矩形 26"/>
+          <p:cNvSpPr/>
+          <p:nvPr/>
+        </p:nvSpPr>
+        <p:spPr>
+          <a:xfrm>
+            <a:off x="5386705" y="2778125"/>
+            <a:ext cx="97155" cy="75565"/>
+          </a:xfrm>
+          <a:prstGeom prst="rect">
+            <a:avLst/>
+          </a:prstGeom>
+        </p:spPr>
+        <p:style>
+          <a:lnRef idx="2">
+            <a:schemeClr val="accent1">
+              <a:shade val="50000"/>
+            </a:schemeClr>
+          </a:lnRef>
+          <a:fillRef idx="1">
+            <a:schemeClr val="accent1"/>
+          </a:fillRef>
+          <a:effectRef idx="0">
+            <a:schemeClr val="accent1"/>
+          </a:effectRef>
+          <a:fontRef idx="minor">
+            <a:schemeClr val="lt1"/>
+          </a:fontRef>
+        </p:style>
+        <p:txBody>
+          <a:bodyPr rtlCol="0" anchor="ctr"/>
+          <a:p>
+            <a:pPr algn="ctr"/>
+            <a:endParaRPr lang="zh-CN" altLang="en-US"/>
+          </a:p>
+        </p:txBody>
+      </p:sp>
+      <p:sp>
+        <p:nvSpPr>
+          <p:cNvPr id="28" name="矩形 27"/>
+          <p:cNvSpPr/>
+          <p:nvPr/>
+        </p:nvSpPr>
+        <p:spPr>
+          <a:xfrm>
+            <a:off x="5483860" y="2778125"/>
+            <a:ext cx="97155" cy="75565"/>
+          </a:xfrm>
+          <a:prstGeom prst="rect">
+            <a:avLst/>
+          </a:prstGeom>
+          <a:noFill/>
+        </p:spPr>
+        <p:style>
+          <a:lnRef idx="2">
+            <a:schemeClr val="accent1">
+              <a:shade val="50000"/>
+            </a:schemeClr>
+          </a:lnRef>
+          <a:fillRef idx="1">
+            <a:schemeClr val="accent1"/>
+          </a:fillRef>
+          <a:effectRef idx="0">
+            <a:schemeClr val="accent1"/>
+          </a:effectRef>
+          <a:fontRef idx="minor">
+            <a:schemeClr val="lt1"/>
+          </a:fontRef>
+        </p:style>
+        <p:txBody>
+          <a:bodyPr rtlCol="0" anchor="ctr"/>
+          <a:p>
+            <a:pPr algn="ctr"/>
+            <a:endParaRPr lang="zh-CN" altLang="en-US"/>
+          </a:p>
+        </p:txBody>
+      </p:sp>
+      <p:sp>
+        <p:nvSpPr>
+          <p:cNvPr id="45" name="矩形 44"/>
+          <p:cNvSpPr/>
+          <p:nvPr/>
+        </p:nvSpPr>
+        <p:spPr>
+          <a:xfrm>
+            <a:off x="5732145" y="2788920"/>
+            <a:ext cx="97155" cy="75565"/>
+          </a:xfrm>
+          <a:prstGeom prst="rect">
+            <a:avLst/>
+          </a:prstGeom>
+          <a:noFill/>
+        </p:spPr>
+        <p:style>
+          <a:lnRef idx="2">
+            <a:schemeClr val="accent1">
+              <a:shade val="50000"/>
+            </a:schemeClr>
+          </a:lnRef>
+          <a:fillRef idx="1">
+            <a:schemeClr val="accent1"/>
+          </a:fillRef>
+          <a:effectRef idx="0">
+            <a:schemeClr val="accent1"/>
+          </a:effectRef>
+          <a:fontRef idx="minor">
+            <a:schemeClr val="lt1"/>
+          </a:fontRef>
+        </p:style>
+        <p:txBody>
+          <a:bodyPr rtlCol="0" anchor="ctr"/>
+          <a:p>
+            <a:pPr algn="ctr"/>
+            <a:endParaRPr lang="zh-CN" altLang="en-US"/>
+          </a:p>
+        </p:txBody>
+      </p:sp>
+      <p:sp>
+        <p:nvSpPr>
+          <p:cNvPr id="46" name="矩形 45"/>
+          <p:cNvSpPr/>
+          <p:nvPr/>
+        </p:nvSpPr>
+        <p:spPr>
+          <a:xfrm>
+            <a:off x="5837555" y="2796540"/>
+            <a:ext cx="97155" cy="75565"/>
+          </a:xfrm>
+          <a:prstGeom prst="rect">
+            <a:avLst/>
+          </a:prstGeom>
+          <a:noFill/>
+        </p:spPr>
+        <p:style>
+          <a:lnRef idx="2">
+            <a:schemeClr val="accent1">
+              <a:shade val="50000"/>
+            </a:schemeClr>
+          </a:lnRef>
+          <a:fillRef idx="1">
+            <a:schemeClr val="accent1"/>
+          </a:fillRef>
+          <a:effectRef idx="0">
+            <a:schemeClr val="accent1"/>
+          </a:effectRef>
+          <a:fontRef idx="minor">
+            <a:schemeClr val="lt1"/>
+          </a:fontRef>
+        </p:style>
+        <p:txBody>
+          <a:bodyPr rtlCol="0" anchor="ctr"/>
+          <a:p>
+            <a:pPr algn="ctr"/>
+            <a:endParaRPr lang="zh-CN" altLang="en-US"/>
+          </a:p>
+        </p:txBody>
+      </p:sp>
+      <p:sp>
+        <p:nvSpPr>
+          <p:cNvPr id="47" name="矩形 46"/>
+          <p:cNvSpPr/>
+          <p:nvPr/>
+        </p:nvSpPr>
+        <p:spPr>
+          <a:xfrm>
+            <a:off x="5934710" y="2796540"/>
+            <a:ext cx="97155" cy="75565"/>
+          </a:xfrm>
+          <a:prstGeom prst="rect">
+            <a:avLst/>
+          </a:prstGeom>
+          <a:noFill/>
+        </p:spPr>
+        <p:style>
+          <a:lnRef idx="2">
+            <a:schemeClr val="accent1">
+              <a:shade val="50000"/>
+            </a:schemeClr>
+          </a:lnRef>
+          <a:fillRef idx="1">
+            <a:schemeClr val="accent1"/>
+          </a:fillRef>
+          <a:effectRef idx="0">
+            <a:schemeClr val="accent1"/>
+          </a:effectRef>
+          <a:fontRef idx="minor">
+            <a:schemeClr val="lt1"/>
+          </a:fontRef>
+        </p:style>
+        <p:txBody>
+          <a:bodyPr rtlCol="0" anchor="ctr"/>
+          <a:p>
+            <a:pPr algn="ctr"/>
+            <a:endParaRPr lang="zh-CN" altLang="en-US"/>
+          </a:p>
+        </p:txBody>
+      </p:sp>
+      <p:sp>
+        <p:nvSpPr>
+          <p:cNvPr id="48" name="矩形 47"/>
+          <p:cNvSpPr/>
+          <p:nvPr/>
+        </p:nvSpPr>
+        <p:spPr>
+          <a:xfrm>
+            <a:off x="6031865" y="2796540"/>
+            <a:ext cx="97155" cy="75565"/>
+          </a:xfrm>
+          <a:prstGeom prst="rect">
+            <a:avLst/>
+          </a:prstGeom>
+          <a:noFill/>
+        </p:spPr>
+        <p:style>
+          <a:lnRef idx="2">
+            <a:schemeClr val="accent1">
+              <a:shade val="50000"/>
+            </a:schemeClr>
+          </a:lnRef>
+          <a:fillRef idx="1">
+            <a:schemeClr val="accent1"/>
+          </a:fillRef>
+          <a:effectRef idx="0">
+            <a:schemeClr val="accent1"/>
+          </a:effectRef>
+          <a:fontRef idx="minor">
+            <a:schemeClr val="lt1"/>
+          </a:fontRef>
+        </p:style>
+        <p:txBody>
+          <a:bodyPr rtlCol="0" anchor="ctr"/>
+          <a:p>
+            <a:pPr algn="ctr"/>
+            <a:endParaRPr lang="zh-CN" altLang="en-US"/>
+          </a:p>
+        </p:txBody>
+      </p:sp>
+      <p:sp>
+        <p:nvSpPr>
+          <p:cNvPr id="49" name="矩形 48"/>
+          <p:cNvSpPr/>
+          <p:nvPr/>
+        </p:nvSpPr>
+        <p:spPr>
+          <a:xfrm>
+            <a:off x="6139815" y="2796540"/>
+            <a:ext cx="97155" cy="75565"/>
+          </a:xfrm>
+          <a:prstGeom prst="rect">
+            <a:avLst/>
+          </a:prstGeom>
+          <a:noFill/>
+        </p:spPr>
+        <p:style>
+          <a:lnRef idx="2">
+            <a:schemeClr val="accent1">
+              <a:shade val="50000"/>
+            </a:schemeClr>
+          </a:lnRef>
+          <a:fillRef idx="1">
+            <a:schemeClr val="accent1"/>
+          </a:fillRef>
+          <a:effectRef idx="0">
+            <a:schemeClr val="accent1"/>
+          </a:effectRef>
+          <a:fontRef idx="minor">
+            <a:schemeClr val="lt1"/>
+          </a:fontRef>
+        </p:style>
+        <p:txBody>
+          <a:bodyPr rtlCol="0" anchor="ctr"/>
+          <a:p>
+            <a:pPr algn="ctr"/>
+            <a:endParaRPr lang="zh-CN" altLang="en-US"/>
+          </a:p>
+        </p:txBody>
+      </p:sp>
+      <p:sp>
+        <p:nvSpPr>
+          <p:cNvPr id="50" name="矩形 49"/>
+          <p:cNvSpPr/>
+          <p:nvPr/>
+        </p:nvSpPr>
+        <p:spPr>
+          <a:xfrm>
+            <a:off x="6234430" y="2794635"/>
+            <a:ext cx="97155" cy="75565"/>
+          </a:xfrm>
+          <a:prstGeom prst="rect">
+            <a:avLst/>
+          </a:prstGeom>
+          <a:noFill/>
+        </p:spPr>
+        <p:style>
+          <a:lnRef idx="2">
+            <a:schemeClr val="accent1">
+              <a:shade val="50000"/>
+            </a:schemeClr>
+          </a:lnRef>
+          <a:fillRef idx="1">
+            <a:schemeClr val="accent1"/>
+          </a:fillRef>
+          <a:effectRef idx="0">
+            <a:schemeClr val="accent1"/>
+          </a:effectRef>
+          <a:fontRef idx="minor">
+            <a:schemeClr val="lt1"/>
+          </a:fontRef>
+        </p:style>
+        <p:txBody>
+          <a:bodyPr rtlCol="0" anchor="ctr"/>
+          <a:p>
+            <a:pPr algn="ctr"/>
+            <a:endParaRPr lang="zh-CN" altLang="en-US"/>
+          </a:p>
+        </p:txBody>
+      </p:sp>
+      <p:sp>
+        <p:nvSpPr>
+          <p:cNvPr id="51" name="矩形 50"/>
+          <p:cNvSpPr/>
+          <p:nvPr/>
+        </p:nvSpPr>
+        <p:spPr>
+          <a:xfrm>
+            <a:off x="6331585" y="2794635"/>
+            <a:ext cx="97155" cy="75565"/>
+          </a:xfrm>
+          <a:prstGeom prst="rect">
+            <a:avLst/>
+          </a:prstGeom>
+          <a:noFill/>
+        </p:spPr>
+        <p:style>
+          <a:lnRef idx="2">
+            <a:schemeClr val="accent1">
+              <a:shade val="50000"/>
+            </a:schemeClr>
+          </a:lnRef>
+          <a:fillRef idx="1">
+            <a:schemeClr val="accent1"/>
+          </a:fillRef>
+          <a:effectRef idx="0">
+            <a:schemeClr val="accent1"/>
+          </a:effectRef>
+          <a:fontRef idx="minor">
+            <a:schemeClr val="lt1"/>
+          </a:fontRef>
+        </p:style>
+        <p:txBody>
+          <a:bodyPr rtlCol="0" anchor="ctr"/>
+          <a:p>
+            <a:pPr algn="ctr"/>
+            <a:endParaRPr lang="zh-CN" altLang="en-US"/>
+          </a:p>
+        </p:txBody>
+      </p:sp>
+      <p:sp>
+        <p:nvSpPr>
+          <p:cNvPr id="52" name="矩形 51"/>
+          <p:cNvSpPr/>
+          <p:nvPr/>
+        </p:nvSpPr>
+        <p:spPr>
+          <a:xfrm>
+            <a:off x="6428740" y="2794635"/>
+            <a:ext cx="97155" cy="75565"/>
+          </a:xfrm>
+          <a:prstGeom prst="rect">
+            <a:avLst/>
+          </a:prstGeom>
+          <a:noFill/>
+        </p:spPr>
+        <p:style>
+          <a:lnRef idx="2">
+            <a:schemeClr val="accent1">
+              <a:shade val="50000"/>
+            </a:schemeClr>
+          </a:lnRef>
+          <a:fillRef idx="1">
+            <a:schemeClr val="accent1"/>
+          </a:fillRef>
+          <a:effectRef idx="0">
+            <a:schemeClr val="accent1"/>
+          </a:effectRef>
+          <a:fontRef idx="minor">
+            <a:schemeClr val="lt1"/>
+          </a:fontRef>
+        </p:style>
+        <p:txBody>
+          <a:bodyPr rtlCol="0" anchor="ctr"/>
+          <a:p>
+            <a:pPr algn="ctr"/>
+            <a:endParaRPr lang="zh-CN" altLang="en-US"/>
+          </a:p>
+        </p:txBody>
+      </p:sp>
+      <p:sp>
+        <p:nvSpPr>
+          <p:cNvPr id="53" name="矩形 52"/>
+          <p:cNvSpPr/>
+          <p:nvPr/>
+        </p:nvSpPr>
+        <p:spPr>
+          <a:xfrm>
+            <a:off x="9024620" y="2778760"/>
+            <a:ext cx="97155" cy="75565"/>
+          </a:xfrm>
+          <a:prstGeom prst="rect">
+            <a:avLst/>
+          </a:prstGeom>
+          <a:noFill/>
+        </p:spPr>
+        <p:style>
+          <a:lnRef idx="2">
+            <a:schemeClr val="accent1">
+              <a:shade val="50000"/>
+            </a:schemeClr>
+          </a:lnRef>
+          <a:fillRef idx="1">
+            <a:schemeClr val="accent1"/>
+          </a:fillRef>
+          <a:effectRef idx="0">
+            <a:schemeClr val="accent1"/>
+          </a:effectRef>
+          <a:fontRef idx="minor">
+            <a:schemeClr val="lt1"/>
+          </a:fontRef>
+        </p:style>
+        <p:txBody>
+          <a:bodyPr rtlCol="0" anchor="ctr"/>
+          <a:p>
+            <a:pPr algn="ctr"/>
+            <a:endParaRPr lang="zh-CN" altLang="en-US"/>
+          </a:p>
+        </p:txBody>
+      </p:sp>
+      <p:sp>
+        <p:nvSpPr>
+          <p:cNvPr id="54" name="矩形 53"/>
+          <p:cNvSpPr/>
+          <p:nvPr/>
+        </p:nvSpPr>
+        <p:spPr>
+          <a:xfrm>
+            <a:off x="9130030" y="2786380"/>
+            <a:ext cx="97155" cy="75565"/>
+          </a:xfrm>
+          <a:prstGeom prst="rect">
+            <a:avLst/>
+          </a:prstGeom>
+          <a:noFill/>
+        </p:spPr>
+        <p:style>
+          <a:lnRef idx="2">
+            <a:schemeClr val="accent1">
+              <a:shade val="50000"/>
+            </a:schemeClr>
+          </a:lnRef>
+          <a:fillRef idx="1">
+            <a:schemeClr val="accent1"/>
+          </a:fillRef>
+          <a:effectRef idx="0">
+            <a:schemeClr val="accent1"/>
+          </a:effectRef>
+          <a:fontRef idx="minor">
+            <a:schemeClr val="lt1"/>
+          </a:fontRef>
+        </p:style>
+        <p:txBody>
+          <a:bodyPr rtlCol="0" anchor="ctr"/>
+          <a:p>
+            <a:pPr algn="ctr"/>
+            <a:endParaRPr lang="zh-CN" altLang="en-US"/>
+          </a:p>
+        </p:txBody>
+      </p:sp>
+      <p:sp>
+        <p:nvSpPr>
+          <p:cNvPr id="55" name="矩形 54"/>
+          <p:cNvSpPr/>
+          <p:nvPr/>
+        </p:nvSpPr>
+        <p:spPr>
+          <a:xfrm>
+            <a:off x="9227185" y="2786380"/>
+            <a:ext cx="97155" cy="75565"/>
+          </a:xfrm>
+          <a:prstGeom prst="rect">
+            <a:avLst/>
+          </a:prstGeom>
+          <a:noFill/>
+        </p:spPr>
+        <p:style>
+          <a:lnRef idx="2">
+            <a:schemeClr val="accent1">
+              <a:shade val="50000"/>
+            </a:schemeClr>
+          </a:lnRef>
+          <a:fillRef idx="1">
+            <a:schemeClr val="accent1"/>
+          </a:fillRef>
+          <a:effectRef idx="0">
+            <a:schemeClr val="accent1"/>
+          </a:effectRef>
+          <a:fontRef idx="minor">
+            <a:schemeClr val="lt1"/>
+          </a:fontRef>
+        </p:style>
+        <p:txBody>
+          <a:bodyPr rtlCol="0" anchor="ctr"/>
+          <a:p>
+            <a:pPr algn="ctr"/>
+            <a:endParaRPr lang="zh-CN" altLang="en-US"/>
+          </a:p>
+        </p:txBody>
+      </p:sp>
+      <p:sp>
+        <p:nvSpPr>
+          <p:cNvPr id="56" name="矩形 55"/>
+          <p:cNvSpPr/>
+          <p:nvPr/>
+        </p:nvSpPr>
+        <p:spPr>
+          <a:xfrm>
+            <a:off x="9324340" y="2786380"/>
+            <a:ext cx="97155" cy="75565"/>
+          </a:xfrm>
+          <a:prstGeom prst="rect">
+            <a:avLst/>
+          </a:prstGeom>
+          <a:noFill/>
+        </p:spPr>
+        <p:style>
+          <a:lnRef idx="2">
+            <a:schemeClr val="accent1">
+              <a:shade val="50000"/>
+            </a:schemeClr>
+          </a:lnRef>
+          <a:fillRef idx="1">
+            <a:schemeClr val="accent1"/>
+          </a:fillRef>
+          <a:effectRef idx="0">
+            <a:schemeClr val="accent1"/>
+          </a:effectRef>
+          <a:fontRef idx="minor">
+            <a:schemeClr val="lt1"/>
+          </a:fontRef>
+        </p:style>
+        <p:txBody>
+          <a:bodyPr rtlCol="0" anchor="ctr"/>
+          <a:p>
+            <a:pPr algn="ctr"/>
+            <a:endParaRPr lang="zh-CN" altLang="en-US"/>
+          </a:p>
+        </p:txBody>
+      </p:sp>
+      <p:sp>
+        <p:nvSpPr>
+          <p:cNvPr id="57" name="矩形 56"/>
+          <p:cNvSpPr/>
+          <p:nvPr/>
+        </p:nvSpPr>
+        <p:spPr>
+          <a:xfrm>
+            <a:off x="9432290" y="2786380"/>
+            <a:ext cx="97155" cy="75565"/>
+          </a:xfrm>
+          <a:prstGeom prst="rect">
+            <a:avLst/>
+          </a:prstGeom>
+          <a:noFill/>
+        </p:spPr>
+        <p:style>
+          <a:lnRef idx="2">
+            <a:schemeClr val="accent1">
+              <a:shade val="50000"/>
+            </a:schemeClr>
+          </a:lnRef>
+          <a:fillRef idx="1">
+            <a:schemeClr val="accent1"/>
+          </a:fillRef>
+          <a:effectRef idx="0">
+            <a:schemeClr val="accent1"/>
+          </a:effectRef>
+          <a:fontRef idx="minor">
+            <a:schemeClr val="lt1"/>
+          </a:fontRef>
+        </p:style>
+        <p:txBody>
+          <a:bodyPr rtlCol="0" anchor="ctr"/>
+          <a:p>
+            <a:pPr algn="ctr"/>
+            <a:endParaRPr lang="zh-CN" altLang="en-US"/>
+          </a:p>
+        </p:txBody>
+      </p:sp>
+      <p:sp>
+        <p:nvSpPr>
+          <p:cNvPr id="58" name="矩形 57"/>
+          <p:cNvSpPr/>
+          <p:nvPr/>
+        </p:nvSpPr>
+        <p:spPr>
+          <a:xfrm>
+            <a:off x="9526905" y="2784475"/>
+            <a:ext cx="97155" cy="75565"/>
+          </a:xfrm>
+          <a:prstGeom prst="rect">
+            <a:avLst/>
+          </a:prstGeom>
+          <a:noFill/>
+        </p:spPr>
+        <p:style>
+          <a:lnRef idx="2">
+            <a:schemeClr val="accent1">
+              <a:shade val="50000"/>
+            </a:schemeClr>
+          </a:lnRef>
+          <a:fillRef idx="1">
+            <a:schemeClr val="accent1"/>
+          </a:fillRef>
+          <a:effectRef idx="0">
+            <a:schemeClr val="accent1"/>
+          </a:effectRef>
+          <a:fontRef idx="minor">
+            <a:schemeClr val="lt1"/>
+          </a:fontRef>
+        </p:style>
+        <p:txBody>
+          <a:bodyPr rtlCol="0" anchor="ctr"/>
+          <a:p>
+            <a:pPr algn="ctr"/>
+            <a:endParaRPr lang="zh-CN" altLang="en-US"/>
+          </a:p>
+        </p:txBody>
+      </p:sp>
+      <p:sp>
+        <p:nvSpPr>
+          <p:cNvPr id="59" name="矩形 58"/>
+          <p:cNvSpPr/>
+          <p:nvPr/>
+        </p:nvSpPr>
+        <p:spPr>
+          <a:xfrm>
+            <a:off x="9624060" y="2784475"/>
+            <a:ext cx="97155" cy="75565"/>
+          </a:xfrm>
+          <a:prstGeom prst="rect">
+            <a:avLst/>
+          </a:prstGeom>
+          <a:noFill/>
+        </p:spPr>
+        <p:style>
+          <a:lnRef idx="2">
+            <a:schemeClr val="accent1">
+              <a:shade val="50000"/>
+            </a:schemeClr>
+          </a:lnRef>
+          <a:fillRef idx="1">
+            <a:schemeClr val="accent1"/>
+          </a:fillRef>
+          <a:effectRef idx="0">
+            <a:schemeClr val="accent1"/>
+          </a:effectRef>
+          <a:fontRef idx="minor">
+            <a:schemeClr val="lt1"/>
+          </a:fontRef>
+        </p:style>
+        <p:txBody>
+          <a:bodyPr rtlCol="0" anchor="ctr"/>
+          <a:p>
+            <a:pPr algn="ctr"/>
+            <a:endParaRPr lang="zh-CN" altLang="en-US"/>
+          </a:p>
+        </p:txBody>
+      </p:sp>
+      <p:sp>
+        <p:nvSpPr>
+          <p:cNvPr id="60" name="矩形 59"/>
+          <p:cNvSpPr/>
+          <p:nvPr/>
+        </p:nvSpPr>
+        <p:spPr>
+          <a:xfrm>
+            <a:off x="9721215" y="2784475"/>
+            <a:ext cx="97155" cy="75565"/>
+          </a:xfrm>
+          <a:prstGeom prst="rect">
+            <a:avLst/>
+          </a:prstGeom>
+          <a:noFill/>
+        </p:spPr>
+        <p:style>
+          <a:lnRef idx="2">
+            <a:schemeClr val="accent1">
+              <a:shade val="50000"/>
+            </a:schemeClr>
+          </a:lnRef>
+          <a:fillRef idx="1">
+            <a:schemeClr val="accent1"/>
+          </a:fillRef>
+          <a:effectRef idx="0">
+            <a:schemeClr val="accent1"/>
+          </a:effectRef>
+          <a:fontRef idx="minor">
+            <a:schemeClr val="lt1"/>
+          </a:fontRef>
+        </p:style>
+        <p:txBody>
+          <a:bodyPr rtlCol="0" anchor="ctr"/>
+          <a:p>
+            <a:pPr algn="ctr"/>
+            <a:endParaRPr lang="zh-CN" altLang="en-US"/>
+          </a:p>
+        </p:txBody>
+      </p:sp>
+      <p:sp>
+        <p:nvSpPr>
+          <p:cNvPr id="61" name="矩形 60"/>
+          <p:cNvSpPr/>
+          <p:nvPr/>
+        </p:nvSpPr>
+        <p:spPr>
+          <a:xfrm>
+            <a:off x="4557395" y="3593465"/>
+            <a:ext cx="97155" cy="75565"/>
+          </a:xfrm>
+          <a:prstGeom prst="rect">
+            <a:avLst/>
+          </a:prstGeom>
+          <a:solidFill>
+            <a:schemeClr val="accent1"/>
+          </a:solidFill>
+        </p:spPr>
+        <p:style>
+          <a:lnRef idx="2">
+            <a:schemeClr val="accent1">
+              <a:shade val="50000"/>
+            </a:schemeClr>
+          </a:lnRef>
+          <a:fillRef idx="1">
+            <a:schemeClr val="accent1"/>
+          </a:fillRef>
+          <a:effectRef idx="0">
+            <a:schemeClr val="accent1"/>
+          </a:effectRef>
+          <a:fontRef idx="minor">
+            <a:schemeClr val="lt1"/>
+          </a:fontRef>
+        </p:style>
+        <p:txBody>
+          <a:bodyPr rtlCol="0" anchor="ctr"/>
+          <a:p>
+            <a:pPr algn="ctr"/>
+            <a:endParaRPr lang="zh-CN" altLang="en-US"/>
+          </a:p>
+        </p:txBody>
+      </p:sp>
+      <p:sp>
+        <p:nvSpPr>
+          <p:cNvPr id="62" name="矩形 61"/>
+          <p:cNvSpPr/>
+          <p:nvPr/>
+        </p:nvSpPr>
+        <p:spPr>
+          <a:xfrm>
+            <a:off x="6004560" y="3587115"/>
+            <a:ext cx="97155" cy="75565"/>
+          </a:xfrm>
+          <a:prstGeom prst="rect">
+            <a:avLst/>
+          </a:prstGeom>
+          <a:noFill/>
+        </p:spPr>
+        <p:style>
+          <a:lnRef idx="2">
+            <a:schemeClr val="accent1">
+              <a:shade val="50000"/>
+            </a:schemeClr>
+          </a:lnRef>
+          <a:fillRef idx="1">
+            <a:schemeClr val="accent1"/>
+          </a:fillRef>
+          <a:effectRef idx="0">
+            <a:schemeClr val="accent1"/>
+          </a:effectRef>
+          <a:fontRef idx="minor">
+            <a:schemeClr val="lt1"/>
+          </a:fontRef>
+        </p:style>
+        <p:txBody>
+          <a:bodyPr rtlCol="0" anchor="ctr"/>
+          <a:p>
+            <a:pPr algn="ctr"/>
+            <a:endParaRPr lang="zh-CN" altLang="en-US"/>
+          </a:p>
+        </p:txBody>
+      </p:sp>
+      <p:sp>
+        <p:nvSpPr>
+          <p:cNvPr id="63" name="文本框 62"/>
+          <p:cNvSpPr txBox="1"/>
+          <p:nvPr/>
+        </p:nvSpPr>
+        <p:spPr>
+          <a:xfrm>
+            <a:off x="4873625" y="3447415"/>
+            <a:ext cx="868680" cy="368300"/>
+          </a:xfrm>
+          <a:prstGeom prst="rect">
+            <a:avLst/>
+          </a:prstGeom>
+          <a:noFill/>
+        </p:spPr>
+        <p:txBody>
+          <a:bodyPr wrap="none" rtlCol="0">
+            <a:spAutoFit/>
+          </a:bodyPr>
+          <a:p>
+            <a:r>
+              <a:rPr lang="zh-CN" altLang="en-US"/>
+              <a:t>非空闲</a:t>
+            </a:r>
+            <a:endParaRPr lang="zh-CN" altLang="en-US"/>
+          </a:p>
+        </p:txBody>
+      </p:sp>
+      <p:sp>
+        <p:nvSpPr>
+          <p:cNvPr id="64" name="文本框 63"/>
+          <p:cNvSpPr txBox="1"/>
+          <p:nvPr/>
+        </p:nvSpPr>
+        <p:spPr>
+          <a:xfrm>
+            <a:off x="6341745" y="3447415"/>
+            <a:ext cx="640080" cy="368300"/>
+          </a:xfrm>
+          <a:prstGeom prst="rect">
+            <a:avLst/>
+          </a:prstGeom>
+          <a:noFill/>
+        </p:spPr>
+        <p:txBody>
+          <a:bodyPr wrap="none" rtlCol="0">
+            <a:spAutoFit/>
+          </a:bodyPr>
+          <a:p>
+            <a:r>
+              <a:rPr lang="zh-CN" altLang="en-US"/>
+              <a:t>空闲</a:t>
+            </a:r>
+            <a:endParaRPr lang="zh-CN" altLang="en-US"/>
+          </a:p>
+        </p:txBody>
+      </p:sp>
+      <p:sp>
+        <p:nvSpPr>
+          <p:cNvPr id="65" name="矩形 64"/>
+          <p:cNvSpPr/>
+          <p:nvPr/>
+        </p:nvSpPr>
+        <p:spPr>
+          <a:xfrm>
+            <a:off x="9972040" y="2785745"/>
+            <a:ext cx="97155" cy="75565"/>
+          </a:xfrm>
+          <a:prstGeom prst="rect">
+            <a:avLst/>
+          </a:prstGeom>
+          <a:noFill/>
+        </p:spPr>
+        <p:style>
+          <a:lnRef idx="2">
+            <a:schemeClr val="accent1">
+              <a:shade val="50000"/>
+            </a:schemeClr>
+          </a:lnRef>
+          <a:fillRef idx="1">
+            <a:schemeClr val="accent1"/>
+          </a:fillRef>
+          <a:effectRef idx="0">
+            <a:schemeClr val="accent1"/>
+          </a:effectRef>
+          <a:fontRef idx="minor">
+            <a:schemeClr val="lt1"/>
+          </a:fontRef>
+        </p:style>
+        <p:txBody>
+          <a:bodyPr rtlCol="0" anchor="ctr"/>
+          <a:p>
+            <a:pPr algn="ctr"/>
+            <a:endParaRPr lang="zh-CN" altLang="en-US"/>
+          </a:p>
+        </p:txBody>
+      </p:sp>
+      <p:sp>
+        <p:nvSpPr>
+          <p:cNvPr id="66" name="矩形 65"/>
+          <p:cNvSpPr/>
+          <p:nvPr/>
+        </p:nvSpPr>
+        <p:spPr>
+          <a:xfrm>
+            <a:off x="10077450" y="2783840"/>
+            <a:ext cx="97155" cy="75565"/>
+          </a:xfrm>
+          <a:prstGeom prst="rect">
+            <a:avLst/>
+          </a:prstGeom>
+          <a:noFill/>
+        </p:spPr>
+        <p:style>
+          <a:lnRef idx="2">
+            <a:schemeClr val="accent1">
+              <a:shade val="50000"/>
+            </a:schemeClr>
+          </a:lnRef>
+          <a:fillRef idx="1">
+            <a:schemeClr val="accent1"/>
+          </a:fillRef>
+          <a:effectRef idx="0">
+            <a:schemeClr val="accent1"/>
+          </a:effectRef>
+          <a:fontRef idx="minor">
+            <a:schemeClr val="lt1"/>
+          </a:fontRef>
+        </p:style>
+        <p:txBody>
+          <a:bodyPr rtlCol="0" anchor="ctr"/>
+          <a:p>
+            <a:pPr algn="ctr"/>
+            <a:endParaRPr lang="zh-CN" altLang="en-US"/>
+          </a:p>
+        </p:txBody>
+      </p:sp>
+      <p:sp>
+        <p:nvSpPr>
+          <p:cNvPr id="67" name="矩形 66"/>
+          <p:cNvSpPr/>
+          <p:nvPr/>
+        </p:nvSpPr>
+        <p:spPr>
+          <a:xfrm>
+            <a:off x="10174605" y="2783840"/>
+            <a:ext cx="97155" cy="75565"/>
+          </a:xfrm>
+          <a:prstGeom prst="rect">
+            <a:avLst/>
+          </a:prstGeom>
+          <a:noFill/>
+        </p:spPr>
+        <p:style>
+          <a:lnRef idx="2">
+            <a:schemeClr val="accent1">
+              <a:shade val="50000"/>
+            </a:schemeClr>
+          </a:lnRef>
+          <a:fillRef idx="1">
+            <a:schemeClr val="accent1"/>
+          </a:fillRef>
+          <a:effectRef idx="0">
+            <a:schemeClr val="accent1"/>
+          </a:effectRef>
+          <a:fontRef idx="minor">
+            <a:schemeClr val="lt1"/>
+          </a:fontRef>
+        </p:style>
+        <p:txBody>
+          <a:bodyPr rtlCol="0" anchor="ctr"/>
+          <a:p>
+            <a:pPr algn="ctr"/>
+            <a:endParaRPr lang="zh-CN" altLang="en-US"/>
+          </a:p>
+        </p:txBody>
+      </p:sp>
+      <p:sp>
+        <p:nvSpPr>
+          <p:cNvPr id="68" name="矩形 67"/>
+          <p:cNvSpPr/>
+          <p:nvPr/>
+        </p:nvSpPr>
+        <p:spPr>
+          <a:xfrm>
+            <a:off x="10271760" y="2783840"/>
+            <a:ext cx="97155" cy="75565"/>
+          </a:xfrm>
+          <a:prstGeom prst="rect">
+            <a:avLst/>
+          </a:prstGeom>
+          <a:noFill/>
+        </p:spPr>
+        <p:style>
+          <a:lnRef idx="2">
+            <a:schemeClr val="accent1">
+              <a:shade val="50000"/>
+            </a:schemeClr>
+          </a:lnRef>
+          <a:fillRef idx="1">
+            <a:schemeClr val="accent1"/>
+          </a:fillRef>
+          <a:effectRef idx="0">
+            <a:schemeClr val="accent1"/>
+          </a:effectRef>
+          <a:fontRef idx="minor">
+            <a:schemeClr val="lt1"/>
+          </a:fontRef>
+        </p:style>
+        <p:txBody>
+          <a:bodyPr rtlCol="0" anchor="ctr"/>
+          <a:p>
+            <a:pPr algn="ctr"/>
+            <a:endParaRPr lang="zh-CN" altLang="en-US"/>
+          </a:p>
+        </p:txBody>
+      </p:sp>
+      <p:sp>
+        <p:nvSpPr>
+          <p:cNvPr id="69" name="矩形 68"/>
+          <p:cNvSpPr/>
+          <p:nvPr/>
+        </p:nvSpPr>
+        <p:spPr>
+          <a:xfrm>
+            <a:off x="10379710" y="2783840"/>
+            <a:ext cx="97155" cy="75565"/>
+          </a:xfrm>
+          <a:prstGeom prst="rect">
+            <a:avLst/>
+          </a:prstGeom>
+          <a:noFill/>
+        </p:spPr>
+        <p:style>
+          <a:lnRef idx="2">
+            <a:schemeClr val="accent1">
+              <a:shade val="50000"/>
+            </a:schemeClr>
+          </a:lnRef>
+          <a:fillRef idx="1">
+            <a:schemeClr val="accent1"/>
+          </a:fillRef>
+          <a:effectRef idx="0">
+            <a:schemeClr val="accent1"/>
+          </a:effectRef>
+          <a:fontRef idx="minor">
+            <a:schemeClr val="lt1"/>
+          </a:fontRef>
+        </p:style>
+        <p:txBody>
+          <a:bodyPr rtlCol="0" anchor="ctr"/>
+          <a:p>
+            <a:pPr algn="ctr"/>
+            <a:endParaRPr lang="zh-CN" altLang="en-US"/>
+          </a:p>
+        </p:txBody>
+      </p:sp>
+      <p:sp>
+        <p:nvSpPr>
+          <p:cNvPr id="70" name="矩形 69"/>
+          <p:cNvSpPr/>
+          <p:nvPr/>
+        </p:nvSpPr>
+        <p:spPr>
+          <a:xfrm>
+            <a:off x="10474325" y="2781300"/>
+            <a:ext cx="97155" cy="75565"/>
+          </a:xfrm>
+          <a:prstGeom prst="rect">
+            <a:avLst/>
+          </a:prstGeom>
+          <a:noFill/>
+        </p:spPr>
+        <p:style>
+          <a:lnRef idx="2">
+            <a:schemeClr val="accent1">
+              <a:shade val="50000"/>
+            </a:schemeClr>
+          </a:lnRef>
+          <a:fillRef idx="1">
+            <a:schemeClr val="accent1"/>
+          </a:fillRef>
+          <a:effectRef idx="0">
+            <a:schemeClr val="accent1"/>
+          </a:effectRef>
+          <a:fontRef idx="minor">
+            <a:schemeClr val="lt1"/>
+          </a:fontRef>
+        </p:style>
+        <p:txBody>
+          <a:bodyPr rtlCol="0" anchor="ctr"/>
+          <a:p>
+            <a:pPr algn="ctr"/>
+            <a:endParaRPr lang="zh-CN" altLang="en-US"/>
+          </a:p>
+        </p:txBody>
+      </p:sp>
+      <p:sp>
+        <p:nvSpPr>
+          <p:cNvPr id="71" name="矩形 70"/>
+          <p:cNvSpPr/>
+          <p:nvPr/>
+        </p:nvSpPr>
+        <p:spPr>
+          <a:xfrm>
+            <a:off x="10571480" y="2781300"/>
+            <a:ext cx="97155" cy="75565"/>
+          </a:xfrm>
+          <a:prstGeom prst="rect">
+            <a:avLst/>
+          </a:prstGeom>
+          <a:noFill/>
+        </p:spPr>
+        <p:style>
+          <a:lnRef idx="2">
+            <a:schemeClr val="accent1">
+              <a:shade val="50000"/>
+            </a:schemeClr>
+          </a:lnRef>
+          <a:fillRef idx="1">
+            <a:schemeClr val="accent1"/>
+          </a:fillRef>
+          <a:effectRef idx="0">
+            <a:schemeClr val="accent1"/>
+          </a:effectRef>
+          <a:fontRef idx="minor">
+            <a:schemeClr val="lt1"/>
+          </a:fontRef>
+        </p:style>
+        <p:txBody>
+          <a:bodyPr rtlCol="0" anchor="ctr"/>
+          <a:p>
+            <a:pPr algn="ctr"/>
+            <a:endParaRPr lang="zh-CN" altLang="en-US"/>
+          </a:p>
+        </p:txBody>
+      </p:sp>
+      <p:sp>
+        <p:nvSpPr>
+          <p:cNvPr id="72" name="矩形 71"/>
+          <p:cNvSpPr/>
+          <p:nvPr/>
+        </p:nvSpPr>
+        <p:spPr>
+          <a:xfrm>
+            <a:off x="10668635" y="2781300"/>
+            <a:ext cx="97155" cy="75565"/>
+          </a:xfrm>
+          <a:prstGeom prst="rect">
+            <a:avLst/>
+          </a:prstGeom>
+          <a:noFill/>
+        </p:spPr>
+        <p:style>
+          <a:lnRef idx="2">
+            <a:schemeClr val="accent1">
+              <a:shade val="50000"/>
+            </a:schemeClr>
+          </a:lnRef>
+          <a:fillRef idx="1">
+            <a:schemeClr val="accent1"/>
+          </a:fillRef>
+          <a:effectRef idx="0">
+            <a:schemeClr val="accent1"/>
+          </a:effectRef>
+          <a:fontRef idx="minor">
+            <a:schemeClr val="lt1"/>
+          </a:fontRef>
+        </p:style>
+        <p:txBody>
+          <a:bodyPr rtlCol="0" anchor="ctr"/>
+          <a:p>
+            <a:pPr algn="ctr"/>
+            <a:endParaRPr lang="zh-CN" altLang="en-US"/>
+          </a:p>
+        </p:txBody>
+      </p:sp>
+      <p:sp>
+        <p:nvSpPr>
+          <p:cNvPr id="73" name="下箭头 72"/>
+          <p:cNvSpPr/>
+          <p:nvPr/>
+        </p:nvSpPr>
+        <p:spPr>
+          <a:xfrm>
+            <a:off x="4892675" y="2434590"/>
+            <a:ext cx="75565" cy="324485"/>
+          </a:xfrm>
+          <a:prstGeom prst="downArrow">
+            <a:avLst/>
+          </a:prstGeom>
+          <a:noFill/>
+        </p:spPr>
+        <p:style>
+          <a:lnRef idx="2">
+            <a:schemeClr val="accent1">
+              <a:shade val="50000"/>
+            </a:schemeClr>
+          </a:lnRef>
+          <a:fillRef idx="1">
+            <a:schemeClr val="accent1"/>
+          </a:fillRef>
+          <a:effectRef idx="0">
+            <a:schemeClr val="accent1"/>
+          </a:effectRef>
+          <a:fontRef idx="minor">
+            <a:schemeClr val="lt1"/>
+          </a:fontRef>
+        </p:style>
+        <p:txBody>
+          <a:bodyPr rtlCol="0" anchor="ctr"/>
+          <a:p>
+            <a:pPr algn="ctr"/>
+            <a:endParaRPr lang="zh-CN" altLang="en-US"/>
+          </a:p>
+        </p:txBody>
+      </p:sp>
+      <p:sp>
+        <p:nvSpPr>
+          <p:cNvPr id="74" name="右大括号 73"/>
+          <p:cNvSpPr/>
+          <p:nvPr/>
+        </p:nvSpPr>
+        <p:spPr>
+          <a:xfrm rot="5400000">
+            <a:off x="7713980" y="20955"/>
+            <a:ext cx="114300" cy="5988685"/>
+          </a:xfrm>
+          <a:prstGeom prst="rightBrace">
+            <a:avLst/>
+          </a:prstGeom>
+        </p:spPr>
+        <p:style>
+          <a:lnRef idx="1">
+            <a:schemeClr val="accent1"/>
+          </a:lnRef>
+          <a:fillRef idx="0">
+            <a:schemeClr val="accent1"/>
+          </a:fillRef>
+          <a:effectRef idx="0">
+            <a:schemeClr val="accent1"/>
+          </a:effectRef>
+          <a:fontRef idx="minor">
+            <a:schemeClr val="tx1"/>
+          </a:fontRef>
+        </p:style>
+        <p:txBody>
+          <a:bodyPr rtlCol="0" anchor="ctr"/>
+          <a:p>
+            <a:pPr algn="ctr"/>
+            <a:endParaRPr lang="zh-CN" altLang="en-US"/>
+          </a:p>
+        </p:txBody>
+      </p:sp>
+      <p:sp>
+        <p:nvSpPr>
+          <p:cNvPr id="83" name="文本框 82"/>
+          <p:cNvSpPr txBox="1"/>
+          <p:nvPr/>
+        </p:nvSpPr>
+        <p:spPr>
+          <a:xfrm>
+            <a:off x="4610100" y="1951990"/>
+            <a:ext cx="640080" cy="368300"/>
+          </a:xfrm>
+          <a:prstGeom prst="rect">
+            <a:avLst/>
+          </a:prstGeom>
+          <a:noFill/>
+        </p:spPr>
+        <p:txBody>
+          <a:bodyPr wrap="none" rtlCol="0">
+            <a:spAutoFit/>
+          </a:bodyPr>
+          <a:p>
+            <a:r>
+              <a:rPr lang="zh-CN" altLang="en-US"/>
+              <a:t>查找</a:t>
+            </a:r>
+            <a:endParaRPr lang="zh-CN" altLang="en-US"/>
+          </a:p>
+        </p:txBody>
+      </p:sp>
+      <p:sp>
+        <p:nvSpPr>
+          <p:cNvPr id="84" name="文本框 83"/>
+          <p:cNvSpPr txBox="1"/>
+          <p:nvPr/>
+        </p:nvSpPr>
+        <p:spPr>
+          <a:xfrm>
+            <a:off x="5892165" y="2101215"/>
+            <a:ext cx="474345" cy="368300"/>
+          </a:xfrm>
+          <a:prstGeom prst="rect">
+            <a:avLst/>
+          </a:prstGeom>
+          <a:noFill/>
+        </p:spPr>
+        <p:txBody>
+          <a:bodyPr wrap="none" rtlCol="0">
+            <a:spAutoFit/>
+          </a:bodyPr>
+          <a:p>
+            <a:r>
+              <a:rPr lang="en-US" altLang="zh-CN"/>
+              <a:t>1 B</a:t>
+            </a:r>
+            <a:endParaRPr lang="en-US" altLang="zh-CN"/>
+          </a:p>
+        </p:txBody>
+      </p:sp>
+      <p:sp>
+        <p:nvSpPr>
+          <p:cNvPr id="85" name="文本框 84"/>
+          <p:cNvSpPr txBox="1"/>
+          <p:nvPr/>
+        </p:nvSpPr>
+        <p:spPr>
+          <a:xfrm>
+            <a:off x="7697470" y="2633980"/>
+            <a:ext cx="356235" cy="368300"/>
+          </a:xfrm>
+          <a:prstGeom prst="rect">
+            <a:avLst/>
+          </a:prstGeom>
+          <a:noFill/>
+        </p:spPr>
+        <p:txBody>
+          <a:bodyPr wrap="none" rtlCol="0">
+            <a:spAutoFit/>
+          </a:bodyPr>
+          <a:p>
+            <a:r>
+              <a:rPr lang="en-US" altLang="zh-CN"/>
+              <a:t>...</a:t>
+            </a:r>
+            <a:endParaRPr lang="en-US" altLang="zh-CN"/>
+          </a:p>
+        </p:txBody>
+      </p:sp>
+      <p:sp>
+        <p:nvSpPr>
+          <p:cNvPr id="86" name="右大括号 85"/>
+          <p:cNvSpPr/>
+          <p:nvPr/>
+        </p:nvSpPr>
+        <p:spPr>
+          <a:xfrm rot="16200000">
+            <a:off x="6077585" y="2210435"/>
+            <a:ext cx="103505" cy="794385"/>
+          </a:xfrm>
+          <a:prstGeom prst="rightBrace">
+            <a:avLst/>
+          </a:prstGeom>
+        </p:spPr>
+        <p:style>
+          <a:lnRef idx="1">
+            <a:schemeClr val="accent1"/>
+          </a:lnRef>
+          <a:fillRef idx="0">
+            <a:schemeClr val="accent1"/>
+          </a:fillRef>
+          <a:effectRef idx="0">
+            <a:schemeClr val="accent1"/>
+          </a:effectRef>
+          <a:fontRef idx="minor">
+            <a:schemeClr val="tx1"/>
+          </a:fontRef>
+        </p:style>
+        <p:txBody>
+          <a:bodyPr rtlCol="0" anchor="ctr"/>
+          <a:p>
+            <a:pPr algn="ctr"/>
+            <a:endParaRPr lang="zh-CN" altLang="en-US"/>
+          </a:p>
+        </p:txBody>
+      </p:sp>
+      <p:sp>
+        <p:nvSpPr>
+          <p:cNvPr id="87" name="文本框 86"/>
+          <p:cNvSpPr txBox="1"/>
+          <p:nvPr/>
+        </p:nvSpPr>
+        <p:spPr>
+          <a:xfrm>
+            <a:off x="6696710" y="3164840"/>
+            <a:ext cx="2223770" cy="368300"/>
+          </a:xfrm>
+          <a:prstGeom prst="rect">
+            <a:avLst/>
+          </a:prstGeom>
+          <a:noFill/>
+        </p:spPr>
+        <p:txBody>
+          <a:bodyPr wrap="none" rtlCol="0">
+            <a:spAutoFit/>
+          </a:bodyPr>
+          <a:p>
+            <a:r>
+              <a:rPr lang="en-US" altLang="zh-CN"/>
+              <a:t>sizeof(</a:t>
+            </a:r>
+            <a:r>
+              <a:rPr lang="zh-CN" altLang="en-US"/>
+              <a:t>索引节点位图</a:t>
+            </a:r>
+            <a:r>
+              <a:rPr lang="en-US" altLang="zh-CN"/>
+              <a:t>)</a:t>
+            </a:r>
+            <a:endParaRPr lang="en-US" altLang="zh-CN"/>
+          </a:p>
+        </p:txBody>
+      </p:sp>
+      <p:cxnSp>
+        <p:nvCxnSpPr>
+          <p:cNvPr id="88" name="直接箭头连接符 87"/>
+          <p:cNvCxnSpPr/>
+          <p:nvPr/>
+        </p:nvCxnSpPr>
+        <p:spPr>
+          <a:xfrm flipH="1">
+            <a:off x="7805420" y="1406525"/>
+            <a:ext cx="5715" cy="513715"/>
+          </a:xfrm>
+          <a:prstGeom prst="straightConnector1">
+            <a:avLst/>
+          </a:prstGeom>
+          <a:ln>
+            <a:tailEnd type="arrow"/>
+          </a:ln>
+        </p:spPr>
+        <p:style>
+          <a:lnRef idx="1">
+            <a:schemeClr val="accent1"/>
+          </a:lnRef>
+          <a:fillRef idx="0">
+            <a:schemeClr val="accent1"/>
+          </a:fillRef>
+          <a:effectRef idx="0">
+            <a:schemeClr val="accent1"/>
+          </a:effectRef>
+          <a:fontRef idx="minor">
+            <a:schemeClr val="tx1"/>
+          </a:fontRef>
+        </p:style>
+      </p:cxnSp>
+      <p:cxnSp>
+        <p:nvCxnSpPr>
+          <p:cNvPr id="89" name="直接箭头连接符 88"/>
+          <p:cNvCxnSpPr/>
+          <p:nvPr/>
+        </p:nvCxnSpPr>
+        <p:spPr>
+          <a:xfrm flipH="1">
+            <a:off x="7768590" y="3992880"/>
+            <a:ext cx="5715" cy="513715"/>
+          </a:xfrm>
+          <a:prstGeom prst="straightConnector1">
+            <a:avLst/>
+          </a:prstGeom>
+          <a:ln>
+            <a:tailEnd type="arrow"/>
+          </a:ln>
+        </p:spPr>
+        <p:style>
+          <a:lnRef idx="1">
+            <a:schemeClr val="accent1"/>
+          </a:lnRef>
+          <a:fillRef idx="0">
+            <a:schemeClr val="accent1"/>
+          </a:fillRef>
+          <a:effectRef idx="0">
+            <a:schemeClr val="accent1"/>
+          </a:effectRef>
+          <a:fontRef idx="minor">
+            <a:schemeClr val="tx1"/>
+          </a:fontRef>
+        </p:style>
+      </p:cxnSp>
+      <p:cxnSp>
+        <p:nvCxnSpPr>
+          <p:cNvPr id="91" name="直接箭头连接符 90"/>
+          <p:cNvCxnSpPr/>
+          <p:nvPr/>
+        </p:nvCxnSpPr>
+        <p:spPr>
+          <a:xfrm flipH="1">
+            <a:off x="7774305" y="5377180"/>
+            <a:ext cx="5715" cy="513715"/>
+          </a:xfrm>
+          <a:prstGeom prst="straightConnector1">
+            <a:avLst/>
+          </a:prstGeom>
+          <a:ln>
+            <a:tailEnd type="arrow"/>
+          </a:ln>
+        </p:spPr>
+        <p:style>
+          <a:lnRef idx="1">
+            <a:schemeClr val="accent1"/>
+          </a:lnRef>
+          <a:fillRef idx="0">
+            <a:schemeClr val="accent1"/>
+          </a:fillRef>
+          <a:effectRef idx="0">
+            <a:schemeClr val="accent1"/>
+          </a:effectRef>
+          <a:fontRef idx="minor">
+            <a:schemeClr val="tx1"/>
+          </a:fontRef>
+        </p:style>
+      </p:cxnSp>
+      <p:cxnSp>
+        <p:nvCxnSpPr>
+          <p:cNvPr id="92" name="直接箭头连接符 91"/>
+          <p:cNvCxnSpPr/>
+          <p:nvPr/>
+        </p:nvCxnSpPr>
+        <p:spPr>
+          <a:xfrm flipV="1">
+            <a:off x="2880995" y="2101215"/>
+            <a:ext cx="741680" cy="615950"/>
+          </a:xfrm>
+          <a:prstGeom prst="straightConnector1">
+            <a:avLst/>
+          </a:prstGeom>
+          <a:ln w="12700" cmpd="sng">
+            <a:solidFill>
+              <a:schemeClr val="accent1">
+                <a:shade val="50000"/>
+              </a:schemeClr>
+            </a:solidFill>
+            <a:prstDash val="dash"/>
+            <a:tailEnd type="arrow"/>
+          </a:ln>
+        </p:spPr>
+        <p:style>
+          <a:lnRef idx="1">
+            <a:schemeClr val="accent1"/>
+          </a:lnRef>
+          <a:fillRef idx="0">
+            <a:schemeClr val="accent1"/>
+          </a:fillRef>
+          <a:effectRef idx="0">
+            <a:schemeClr val="accent1"/>
+          </a:effectRef>
+          <a:fontRef idx="minor">
+            <a:schemeClr val="tx1"/>
+          </a:fontRef>
+        </p:style>
+      </p:cxnSp>
+      <p:cxnSp>
+        <p:nvCxnSpPr>
+          <p:cNvPr id="93" name="直接箭头连接符 92"/>
+          <p:cNvCxnSpPr/>
+          <p:nvPr/>
+        </p:nvCxnSpPr>
+        <p:spPr>
+          <a:xfrm flipH="1" flipV="1">
+            <a:off x="3026410" y="3966210"/>
+            <a:ext cx="973455" cy="794385"/>
+          </a:xfrm>
+          <a:prstGeom prst="straightConnector1">
+            <a:avLst/>
+          </a:prstGeom>
+          <a:ln w="12700" cmpd="sng">
+            <a:solidFill>
+              <a:schemeClr val="accent1">
+                <a:shade val="50000"/>
+              </a:schemeClr>
+            </a:solidFill>
+            <a:prstDash val="dash"/>
+            <a:tailEnd type="arrow"/>
+          </a:ln>
+        </p:spPr>
+        <p:style>
+          <a:lnRef idx="1">
+            <a:schemeClr val="accent1"/>
+          </a:lnRef>
+          <a:fillRef idx="0">
+            <a:schemeClr val="accent1"/>
+          </a:fillRef>
+          <a:effectRef idx="0">
+            <a:schemeClr val="accent1"/>
+          </a:effectRef>
+          <a:fontRef idx="minor">
+            <a:schemeClr val="tx1"/>
+          </a:fontRef>
+        </p:style>
+      </p:cxnSp>
+    </p:spTree>
+  </p:cSld>
+  <p:clrMapOvr>
+    <a:masterClrMapping/>
+  </p:clrMapOvr>
+</p:sld>
+</file>
+
+<file path=ppt/slides/slide25.xml><?xml version="1.0" encoding="utf-8"?>
+<p:sld xmlns:a="http://schemas.openxmlformats.org/drawingml/2006/main" xmlns:r="http://schemas.openxmlformats.org/officeDocument/2006/relationships" xmlns:p="http://schemas.openxmlformats.org/presentationml/2006/main">
+  <p:cSld>
+    <p:spTree>
+      <p:nvGrpSpPr>
+        <p:cNvPr id="1" name=""/>
+        <p:cNvGrpSpPr/>
+        <p:nvPr/>
+      </p:nvGrpSpPr>
+      <p:grpSpPr/>
+      <p:sp>
+        <p:nvSpPr>
+          <p:cNvPr id="23" name="矩形 22"/>
+          <p:cNvSpPr/>
+          <p:nvPr/>
+        </p:nvSpPr>
+        <p:spPr>
+          <a:xfrm>
+            <a:off x="454660" y="2591435"/>
+            <a:ext cx="2675255" cy="486410"/>
+          </a:xfrm>
+          <a:prstGeom prst="rect">
+            <a:avLst/>
+          </a:prstGeom>
+          <a:noFill/>
+        </p:spPr>
+        <p:style>
+          <a:lnRef idx="2">
+            <a:schemeClr val="accent1">
+              <a:shade val="50000"/>
+            </a:schemeClr>
+          </a:lnRef>
+          <a:fillRef idx="1">
+            <a:schemeClr val="accent1"/>
+          </a:fillRef>
+          <a:effectRef idx="0">
+            <a:schemeClr val="accent1"/>
+          </a:effectRef>
+          <a:fontRef idx="minor">
+            <a:schemeClr val="lt1"/>
+          </a:fontRef>
+        </p:style>
+        <p:txBody>
+          <a:bodyPr rtlCol="0" anchor="ctr"/>
+          <a:p>
+            <a:pPr algn="ctr"/>
+            <a:endParaRPr lang="zh-CN" altLang="en-US"/>
+          </a:p>
+        </p:txBody>
+      </p:sp>
+      <p:sp>
+        <p:nvSpPr>
+          <p:cNvPr id="24" name="文本框 23"/>
+          <p:cNvSpPr txBox="1"/>
+          <p:nvPr/>
+        </p:nvSpPr>
+        <p:spPr>
+          <a:xfrm>
+            <a:off x="672465" y="2650490"/>
+            <a:ext cx="2240280" cy="368300"/>
+          </a:xfrm>
+          <a:prstGeom prst="rect">
+            <a:avLst/>
+          </a:prstGeom>
+          <a:noFill/>
+        </p:spPr>
+        <p:txBody>
+          <a:bodyPr wrap="none" rtlCol="0">
+            <a:spAutoFit/>
+          </a:bodyPr>
+          <a:p>
+            <a:r>
+              <a:rPr lang="zh-CN" altLang="en-US"/>
+              <a:t>分配一个新的</a:t>
+            </a:r>
+            <a:r>
+              <a:rPr lang="zh-CN"/>
+              <a:t>数据块</a:t>
+            </a:r>
+            <a:endParaRPr lang="zh-CN"/>
+          </a:p>
+        </p:txBody>
+      </p:sp>
+      <p:sp>
+        <p:nvSpPr>
+          <p:cNvPr id="7" name="矩形 6"/>
+          <p:cNvSpPr/>
+          <p:nvPr/>
+        </p:nvSpPr>
+        <p:spPr>
+          <a:xfrm>
+            <a:off x="6800215" y="2101215"/>
+            <a:ext cx="2151380" cy="540385"/>
+          </a:xfrm>
+          <a:prstGeom prst="rect">
+            <a:avLst/>
+          </a:prstGeom>
+          <a:noFill/>
+        </p:spPr>
+        <p:style>
+          <a:lnRef idx="2">
+            <a:schemeClr val="accent1">
+              <a:shade val="50000"/>
+            </a:schemeClr>
+          </a:lnRef>
+          <a:fillRef idx="1">
+            <a:schemeClr val="accent1"/>
+          </a:fillRef>
+          <a:effectRef idx="0">
+            <a:schemeClr val="accent1"/>
+          </a:effectRef>
+          <a:fontRef idx="minor">
+            <a:schemeClr val="lt1"/>
+          </a:fontRef>
+        </p:style>
+        <p:txBody>
+          <a:bodyPr rtlCol="0" anchor="ctr"/>
+          <a:p>
+            <a:pPr algn="ctr"/>
+            <a:endParaRPr lang="zh-CN" altLang="en-US"/>
+          </a:p>
+        </p:txBody>
+      </p:sp>
+      <p:sp>
+        <p:nvSpPr>
+          <p:cNvPr id="8" name="文本框 7"/>
+          <p:cNvSpPr txBox="1"/>
+          <p:nvPr/>
+        </p:nvSpPr>
+        <p:spPr>
+          <a:xfrm>
+            <a:off x="6981825" y="2186940"/>
+            <a:ext cx="1783080" cy="368300"/>
+          </a:xfrm>
+          <a:prstGeom prst="rect">
+            <a:avLst/>
+          </a:prstGeom>
+          <a:noFill/>
+        </p:spPr>
+        <p:txBody>
+          <a:bodyPr wrap="none" rtlCol="0">
+            <a:spAutoFit/>
+          </a:bodyPr>
+          <a:p>
+            <a:r>
+              <a:rPr lang="zh-CN" altLang="en-US"/>
+              <a:t>查找数据块位图</a:t>
+            </a:r>
+            <a:endParaRPr lang="en-US" altLang="zh-CN"/>
+          </a:p>
+        </p:txBody>
+      </p:sp>
+      <p:sp>
+        <p:nvSpPr>
+          <p:cNvPr id="9" name="矩形 8"/>
+          <p:cNvSpPr/>
+          <p:nvPr/>
+        </p:nvSpPr>
+        <p:spPr>
+          <a:xfrm>
+            <a:off x="6344920" y="4598670"/>
+            <a:ext cx="2927350" cy="540385"/>
+          </a:xfrm>
+          <a:prstGeom prst="rect">
+            <a:avLst/>
+          </a:prstGeom>
+          <a:noFill/>
+        </p:spPr>
+        <p:style>
+          <a:lnRef idx="2">
+            <a:schemeClr val="accent1">
+              <a:shade val="50000"/>
+            </a:schemeClr>
+          </a:lnRef>
+          <a:fillRef idx="1">
+            <a:schemeClr val="accent1"/>
+          </a:fillRef>
+          <a:effectRef idx="0">
+            <a:schemeClr val="accent1"/>
+          </a:effectRef>
+          <a:fontRef idx="minor">
+            <a:schemeClr val="lt1"/>
+          </a:fontRef>
+        </p:style>
+        <p:txBody>
+          <a:bodyPr rtlCol="0" anchor="ctr"/>
+          <a:p>
+            <a:pPr algn="ctr"/>
+            <a:endParaRPr lang="zh-CN" altLang="en-US"/>
+          </a:p>
+        </p:txBody>
+      </p:sp>
+      <p:sp>
+        <p:nvSpPr>
+          <p:cNvPr id="10" name="文本框 9"/>
+          <p:cNvSpPr txBox="1"/>
+          <p:nvPr/>
+        </p:nvSpPr>
+        <p:spPr>
+          <a:xfrm>
+            <a:off x="6344920" y="4685030"/>
+            <a:ext cx="2977515" cy="368300"/>
+          </a:xfrm>
+          <a:prstGeom prst="rect">
+            <a:avLst/>
+          </a:prstGeom>
+          <a:noFill/>
+        </p:spPr>
+        <p:txBody>
+          <a:bodyPr wrap="none" rtlCol="0">
+            <a:spAutoFit/>
+          </a:bodyPr>
+          <a:p>
+            <a:r>
+              <a:rPr lang="zh-CN"/>
+              <a:t>找到空闲数据块</a:t>
+            </a:r>
+            <a:r>
+              <a:rPr lang="zh-CN" altLang="en-US"/>
+              <a:t>，返回编号</a:t>
+            </a:r>
+            <a:r>
+              <a:rPr lang="en-US" altLang="zh-CN"/>
+              <a:t> </a:t>
+            </a:r>
+            <a:endParaRPr lang="en-US" altLang="zh-CN"/>
+          </a:p>
+        </p:txBody>
+      </p:sp>
+      <p:sp>
+        <p:nvSpPr>
+          <p:cNvPr id="13" name="矩形 12"/>
+          <p:cNvSpPr/>
+          <p:nvPr/>
+        </p:nvSpPr>
+        <p:spPr>
+          <a:xfrm>
+            <a:off x="4303395" y="1941830"/>
+            <a:ext cx="7176770" cy="1917065"/>
+          </a:xfrm>
+          <a:prstGeom prst="rect">
+            <a:avLst/>
+          </a:prstGeom>
+          <a:noFill/>
+          <a:ln w="12700" cmpd="sng">
+            <a:solidFill>
+              <a:schemeClr val="accent1">
+                <a:shade val="50000"/>
+              </a:schemeClr>
+            </a:solidFill>
+            <a:prstDash val="dash"/>
+          </a:ln>
+        </p:spPr>
+        <p:style>
+          <a:lnRef idx="2">
+            <a:schemeClr val="accent1">
+              <a:shade val="50000"/>
+            </a:schemeClr>
+          </a:lnRef>
+          <a:fillRef idx="1">
+            <a:schemeClr val="accent1"/>
+          </a:fillRef>
+          <a:effectRef idx="0">
+            <a:schemeClr val="accent1"/>
+          </a:effectRef>
+          <a:fontRef idx="minor">
+            <a:schemeClr val="lt1"/>
+          </a:fontRef>
+        </p:style>
+        <p:txBody>
+          <a:bodyPr rtlCol="0" anchor="ctr"/>
+          <a:p>
+            <a:pPr algn="ctr"/>
+            <a:endParaRPr lang="zh-CN" altLang="en-US"/>
+          </a:p>
+        </p:txBody>
+      </p:sp>
+      <p:sp>
+        <p:nvSpPr>
+          <p:cNvPr id="19" name="矩形 18"/>
+          <p:cNvSpPr/>
+          <p:nvPr/>
+        </p:nvSpPr>
+        <p:spPr>
+          <a:xfrm>
+            <a:off x="4776470" y="2783205"/>
+            <a:ext cx="97155" cy="75565"/>
+          </a:xfrm>
+          <a:prstGeom prst="rect">
+            <a:avLst/>
+          </a:prstGeom>
+        </p:spPr>
+        <p:style>
+          <a:lnRef idx="2">
+            <a:schemeClr val="accent1">
+              <a:shade val="50000"/>
+            </a:schemeClr>
+          </a:lnRef>
+          <a:fillRef idx="1">
+            <a:schemeClr val="accent1"/>
+          </a:fillRef>
+          <a:effectRef idx="0">
+            <a:schemeClr val="accent1"/>
+          </a:effectRef>
+          <a:fontRef idx="minor">
+            <a:schemeClr val="lt1"/>
+          </a:fontRef>
+        </p:style>
+        <p:txBody>
+          <a:bodyPr rtlCol="0" anchor="ctr"/>
+          <a:p>
+            <a:pPr algn="ctr"/>
+            <a:endParaRPr lang="zh-CN" altLang="en-US"/>
+          </a:p>
+        </p:txBody>
+      </p:sp>
+      <p:sp>
+        <p:nvSpPr>
+          <p:cNvPr id="20" name="矩形 19"/>
+          <p:cNvSpPr/>
+          <p:nvPr/>
+        </p:nvSpPr>
+        <p:spPr>
+          <a:xfrm>
+            <a:off x="4881880" y="2780665"/>
+            <a:ext cx="97155" cy="75565"/>
+          </a:xfrm>
+          <a:prstGeom prst="rect">
+            <a:avLst/>
+          </a:prstGeom>
+          <a:noFill/>
+        </p:spPr>
+        <p:style>
+          <a:lnRef idx="2">
+            <a:schemeClr val="accent1">
+              <a:shade val="50000"/>
+            </a:schemeClr>
+          </a:lnRef>
+          <a:fillRef idx="1">
+            <a:schemeClr val="accent1"/>
+          </a:fillRef>
+          <a:effectRef idx="0">
+            <a:schemeClr val="accent1"/>
+          </a:effectRef>
+          <a:fontRef idx="minor">
+            <a:schemeClr val="lt1"/>
+          </a:fontRef>
+        </p:style>
+        <p:txBody>
+          <a:bodyPr rtlCol="0" anchor="ctr"/>
+          <a:p>
+            <a:pPr algn="ctr"/>
+            <a:endParaRPr lang="zh-CN" altLang="en-US"/>
+          </a:p>
+        </p:txBody>
+      </p:sp>
+      <p:sp>
+        <p:nvSpPr>
+          <p:cNvPr id="21" name="矩形 20"/>
+          <p:cNvSpPr/>
+          <p:nvPr/>
+        </p:nvSpPr>
+        <p:spPr>
+          <a:xfrm>
+            <a:off x="4979035" y="2780665"/>
+            <a:ext cx="97155" cy="75565"/>
+          </a:xfrm>
+          <a:prstGeom prst="rect">
+            <a:avLst/>
+          </a:prstGeom>
+        </p:spPr>
+        <p:style>
+          <a:lnRef idx="2">
+            <a:schemeClr val="accent1">
+              <a:shade val="50000"/>
+            </a:schemeClr>
+          </a:lnRef>
+          <a:fillRef idx="1">
+            <a:schemeClr val="accent1"/>
+          </a:fillRef>
+          <a:effectRef idx="0">
+            <a:schemeClr val="accent1"/>
+          </a:effectRef>
+          <a:fontRef idx="minor">
+            <a:schemeClr val="lt1"/>
+          </a:fontRef>
+        </p:style>
+        <p:txBody>
+          <a:bodyPr rtlCol="0" anchor="ctr"/>
+          <a:p>
+            <a:pPr algn="ctr"/>
+            <a:endParaRPr lang="zh-CN" altLang="en-US"/>
+          </a:p>
+        </p:txBody>
+      </p:sp>
+      <p:sp>
+        <p:nvSpPr>
+          <p:cNvPr id="22" name="矩形 21"/>
+          <p:cNvSpPr/>
+          <p:nvPr/>
+        </p:nvSpPr>
+        <p:spPr>
+          <a:xfrm>
+            <a:off x="5076190" y="2780665"/>
+            <a:ext cx="97155" cy="75565"/>
+          </a:xfrm>
+          <a:prstGeom prst="rect">
+            <a:avLst/>
+          </a:prstGeom>
+          <a:noFill/>
+        </p:spPr>
+        <p:style>
+          <a:lnRef idx="2">
+            <a:schemeClr val="accent1">
+              <a:shade val="50000"/>
+            </a:schemeClr>
+          </a:lnRef>
+          <a:fillRef idx="1">
+            <a:schemeClr val="accent1"/>
+          </a:fillRef>
+          <a:effectRef idx="0">
+            <a:schemeClr val="accent1"/>
+          </a:effectRef>
+          <a:fontRef idx="minor">
+            <a:schemeClr val="lt1"/>
+          </a:fontRef>
+        </p:style>
+        <p:txBody>
+          <a:bodyPr rtlCol="0" anchor="ctr"/>
+          <a:p>
+            <a:pPr algn="ctr"/>
+            <a:endParaRPr lang="zh-CN" altLang="en-US"/>
+          </a:p>
+        </p:txBody>
+      </p:sp>
+      <p:sp>
+        <p:nvSpPr>
+          <p:cNvPr id="25" name="矩形 24"/>
+          <p:cNvSpPr/>
+          <p:nvPr/>
+        </p:nvSpPr>
+        <p:spPr>
+          <a:xfrm>
+            <a:off x="5184140" y="2780665"/>
+            <a:ext cx="97155" cy="75565"/>
+          </a:xfrm>
+          <a:prstGeom prst="rect">
+            <a:avLst/>
+          </a:prstGeom>
+        </p:spPr>
+        <p:style>
+          <a:lnRef idx="2">
+            <a:schemeClr val="accent1">
+              <a:shade val="50000"/>
+            </a:schemeClr>
+          </a:lnRef>
+          <a:fillRef idx="1">
+            <a:schemeClr val="accent1"/>
+          </a:fillRef>
+          <a:effectRef idx="0">
+            <a:schemeClr val="accent1"/>
+          </a:effectRef>
+          <a:fontRef idx="minor">
+            <a:schemeClr val="lt1"/>
+          </a:fontRef>
+        </p:style>
+        <p:txBody>
+          <a:bodyPr rtlCol="0" anchor="ctr"/>
+          <a:p>
+            <a:pPr algn="ctr"/>
+            <a:endParaRPr lang="zh-CN" altLang="en-US"/>
+          </a:p>
+        </p:txBody>
+      </p:sp>
+      <p:sp>
+        <p:nvSpPr>
+          <p:cNvPr id="26" name="矩形 25"/>
+          <p:cNvSpPr/>
+          <p:nvPr/>
+        </p:nvSpPr>
+        <p:spPr>
+          <a:xfrm>
+            <a:off x="5289550" y="2778125"/>
+            <a:ext cx="97155" cy="75565"/>
+          </a:xfrm>
+          <a:prstGeom prst="rect">
+            <a:avLst/>
+          </a:prstGeom>
+          <a:noFill/>
+        </p:spPr>
+        <p:style>
+          <a:lnRef idx="2">
+            <a:schemeClr val="accent1">
+              <a:shade val="50000"/>
+            </a:schemeClr>
+          </a:lnRef>
+          <a:fillRef idx="1">
+            <a:schemeClr val="accent1"/>
+          </a:fillRef>
+          <a:effectRef idx="0">
+            <a:schemeClr val="accent1"/>
+          </a:effectRef>
+          <a:fontRef idx="minor">
+            <a:schemeClr val="lt1"/>
+          </a:fontRef>
+        </p:style>
+        <p:txBody>
+          <a:bodyPr rtlCol="0" anchor="ctr"/>
+          <a:p>
+            <a:pPr algn="ctr"/>
+            <a:endParaRPr lang="zh-CN" altLang="en-US"/>
+          </a:p>
+        </p:txBody>
+      </p:sp>
+      <p:sp>
+        <p:nvSpPr>
+          <p:cNvPr id="27" name="矩形 26"/>
+          <p:cNvSpPr/>
+          <p:nvPr/>
+        </p:nvSpPr>
+        <p:spPr>
+          <a:xfrm>
+            <a:off x="5386705" y="2778125"/>
+            <a:ext cx="97155" cy="75565"/>
+          </a:xfrm>
+          <a:prstGeom prst="rect">
+            <a:avLst/>
+          </a:prstGeom>
+        </p:spPr>
+        <p:style>
+          <a:lnRef idx="2">
+            <a:schemeClr val="accent1">
+              <a:shade val="50000"/>
+            </a:schemeClr>
+          </a:lnRef>
+          <a:fillRef idx="1">
+            <a:schemeClr val="accent1"/>
+          </a:fillRef>
+          <a:effectRef idx="0">
+            <a:schemeClr val="accent1"/>
+          </a:effectRef>
+          <a:fontRef idx="minor">
+            <a:schemeClr val="lt1"/>
+          </a:fontRef>
+        </p:style>
+        <p:txBody>
+          <a:bodyPr rtlCol="0" anchor="ctr"/>
+          <a:p>
+            <a:pPr algn="ctr"/>
+            <a:endParaRPr lang="zh-CN" altLang="en-US"/>
+          </a:p>
+        </p:txBody>
+      </p:sp>
+      <p:sp>
+        <p:nvSpPr>
+          <p:cNvPr id="28" name="矩形 27"/>
+          <p:cNvSpPr/>
+          <p:nvPr/>
+        </p:nvSpPr>
+        <p:spPr>
+          <a:xfrm>
+            <a:off x="5483860" y="2778125"/>
+            <a:ext cx="97155" cy="75565"/>
+          </a:xfrm>
+          <a:prstGeom prst="rect">
+            <a:avLst/>
+          </a:prstGeom>
+          <a:noFill/>
+        </p:spPr>
+        <p:style>
+          <a:lnRef idx="2">
+            <a:schemeClr val="accent1">
+              <a:shade val="50000"/>
+            </a:schemeClr>
+          </a:lnRef>
+          <a:fillRef idx="1">
+            <a:schemeClr val="accent1"/>
+          </a:fillRef>
+          <a:effectRef idx="0">
+            <a:schemeClr val="accent1"/>
+          </a:effectRef>
+          <a:fontRef idx="minor">
+            <a:schemeClr val="lt1"/>
+          </a:fontRef>
+        </p:style>
+        <p:txBody>
+          <a:bodyPr rtlCol="0" anchor="ctr"/>
+          <a:p>
+            <a:pPr algn="ctr"/>
+            <a:endParaRPr lang="zh-CN" altLang="en-US"/>
+          </a:p>
+        </p:txBody>
+      </p:sp>
+      <p:sp>
+        <p:nvSpPr>
+          <p:cNvPr id="45" name="矩形 44"/>
+          <p:cNvSpPr/>
+          <p:nvPr/>
+        </p:nvSpPr>
+        <p:spPr>
+          <a:xfrm>
+            <a:off x="5732145" y="2788920"/>
+            <a:ext cx="97155" cy="75565"/>
+          </a:xfrm>
+          <a:prstGeom prst="rect">
+            <a:avLst/>
+          </a:prstGeom>
+          <a:noFill/>
+        </p:spPr>
+        <p:style>
+          <a:lnRef idx="2">
+            <a:schemeClr val="accent1">
+              <a:shade val="50000"/>
+            </a:schemeClr>
+          </a:lnRef>
+          <a:fillRef idx="1">
+            <a:schemeClr val="accent1"/>
+          </a:fillRef>
+          <a:effectRef idx="0">
+            <a:schemeClr val="accent1"/>
+          </a:effectRef>
+          <a:fontRef idx="minor">
+            <a:schemeClr val="lt1"/>
+          </a:fontRef>
+        </p:style>
+        <p:txBody>
+          <a:bodyPr rtlCol="0" anchor="ctr"/>
+          <a:p>
+            <a:pPr algn="ctr"/>
+            <a:endParaRPr lang="zh-CN" altLang="en-US"/>
+          </a:p>
+        </p:txBody>
+      </p:sp>
+      <p:sp>
+        <p:nvSpPr>
+          <p:cNvPr id="46" name="矩形 45"/>
+          <p:cNvSpPr/>
+          <p:nvPr/>
+        </p:nvSpPr>
+        <p:spPr>
+          <a:xfrm>
+            <a:off x="5837555" y="2796540"/>
+            <a:ext cx="97155" cy="75565"/>
+          </a:xfrm>
+          <a:prstGeom prst="rect">
+            <a:avLst/>
+          </a:prstGeom>
+          <a:noFill/>
+        </p:spPr>
+        <p:style>
+          <a:lnRef idx="2">
+            <a:schemeClr val="accent1">
+              <a:shade val="50000"/>
+            </a:schemeClr>
+          </a:lnRef>
+          <a:fillRef idx="1">
+            <a:schemeClr val="accent1"/>
+          </a:fillRef>
+          <a:effectRef idx="0">
+            <a:schemeClr val="accent1"/>
+          </a:effectRef>
+          <a:fontRef idx="minor">
+            <a:schemeClr val="lt1"/>
+          </a:fontRef>
+        </p:style>
+        <p:txBody>
+          <a:bodyPr rtlCol="0" anchor="ctr"/>
+          <a:p>
+            <a:pPr algn="ctr"/>
+            <a:endParaRPr lang="zh-CN" altLang="en-US"/>
+          </a:p>
+        </p:txBody>
+      </p:sp>
+      <p:sp>
+        <p:nvSpPr>
+          <p:cNvPr id="47" name="矩形 46"/>
+          <p:cNvSpPr/>
+          <p:nvPr/>
+        </p:nvSpPr>
+        <p:spPr>
+          <a:xfrm>
+            <a:off x="5934710" y="2796540"/>
+            <a:ext cx="97155" cy="75565"/>
+          </a:xfrm>
+          <a:prstGeom prst="rect">
+            <a:avLst/>
+          </a:prstGeom>
+          <a:noFill/>
+        </p:spPr>
+        <p:style>
+          <a:lnRef idx="2">
+            <a:schemeClr val="accent1">
+              <a:shade val="50000"/>
+            </a:schemeClr>
+          </a:lnRef>
+          <a:fillRef idx="1">
+            <a:schemeClr val="accent1"/>
+          </a:fillRef>
+          <a:effectRef idx="0">
+            <a:schemeClr val="accent1"/>
+          </a:effectRef>
+          <a:fontRef idx="minor">
+            <a:schemeClr val="lt1"/>
+          </a:fontRef>
+        </p:style>
+        <p:txBody>
+          <a:bodyPr rtlCol="0" anchor="ctr"/>
+          <a:p>
+            <a:pPr algn="ctr"/>
+            <a:endParaRPr lang="zh-CN" altLang="en-US"/>
+          </a:p>
+        </p:txBody>
+      </p:sp>
+      <p:sp>
+        <p:nvSpPr>
+          <p:cNvPr id="48" name="矩形 47"/>
+          <p:cNvSpPr/>
+          <p:nvPr/>
+        </p:nvSpPr>
+        <p:spPr>
+          <a:xfrm>
+            <a:off x="6031865" y="2796540"/>
+            <a:ext cx="97155" cy="75565"/>
+          </a:xfrm>
+          <a:prstGeom prst="rect">
+            <a:avLst/>
+          </a:prstGeom>
+          <a:noFill/>
+        </p:spPr>
+        <p:style>
+          <a:lnRef idx="2">
+            <a:schemeClr val="accent1">
+              <a:shade val="50000"/>
+            </a:schemeClr>
+          </a:lnRef>
+          <a:fillRef idx="1">
+            <a:schemeClr val="accent1"/>
+          </a:fillRef>
+          <a:effectRef idx="0">
+            <a:schemeClr val="accent1"/>
+          </a:effectRef>
+          <a:fontRef idx="minor">
+            <a:schemeClr val="lt1"/>
+          </a:fontRef>
+        </p:style>
+        <p:txBody>
+          <a:bodyPr rtlCol="0" anchor="ctr"/>
+          <a:p>
+            <a:pPr algn="ctr"/>
+            <a:endParaRPr lang="zh-CN" altLang="en-US"/>
+          </a:p>
+        </p:txBody>
+      </p:sp>
+      <p:sp>
+        <p:nvSpPr>
+          <p:cNvPr id="49" name="矩形 48"/>
+          <p:cNvSpPr/>
+          <p:nvPr/>
+        </p:nvSpPr>
+        <p:spPr>
+          <a:xfrm>
+            <a:off x="6139815" y="2796540"/>
+            <a:ext cx="97155" cy="75565"/>
+          </a:xfrm>
+          <a:prstGeom prst="rect">
+            <a:avLst/>
+          </a:prstGeom>
+          <a:noFill/>
+        </p:spPr>
+        <p:style>
+          <a:lnRef idx="2">
+            <a:schemeClr val="accent1">
+              <a:shade val="50000"/>
+            </a:schemeClr>
+          </a:lnRef>
+          <a:fillRef idx="1">
+            <a:schemeClr val="accent1"/>
+          </a:fillRef>
+          <a:effectRef idx="0">
+            <a:schemeClr val="accent1"/>
+          </a:effectRef>
+          <a:fontRef idx="minor">
+            <a:schemeClr val="lt1"/>
+          </a:fontRef>
+        </p:style>
+        <p:txBody>
+          <a:bodyPr rtlCol="0" anchor="ctr"/>
+          <a:p>
+            <a:pPr algn="ctr"/>
+            <a:endParaRPr lang="zh-CN" altLang="en-US"/>
+          </a:p>
+        </p:txBody>
+      </p:sp>
+      <p:sp>
+        <p:nvSpPr>
+          <p:cNvPr id="50" name="矩形 49"/>
+          <p:cNvSpPr/>
+          <p:nvPr/>
+        </p:nvSpPr>
+        <p:spPr>
+          <a:xfrm>
+            <a:off x="6234430" y="2794635"/>
+            <a:ext cx="97155" cy="75565"/>
+          </a:xfrm>
+          <a:prstGeom prst="rect">
+            <a:avLst/>
+          </a:prstGeom>
+          <a:noFill/>
+        </p:spPr>
+        <p:style>
+          <a:lnRef idx="2">
+            <a:schemeClr val="accent1">
+              <a:shade val="50000"/>
+            </a:schemeClr>
+          </a:lnRef>
+          <a:fillRef idx="1">
+            <a:schemeClr val="accent1"/>
+          </a:fillRef>
+          <a:effectRef idx="0">
+            <a:schemeClr val="accent1"/>
+          </a:effectRef>
+          <a:fontRef idx="minor">
+            <a:schemeClr val="lt1"/>
+          </a:fontRef>
+        </p:style>
+        <p:txBody>
+          <a:bodyPr rtlCol="0" anchor="ctr"/>
+          <a:p>
+            <a:pPr algn="ctr"/>
+            <a:endParaRPr lang="zh-CN" altLang="en-US"/>
+          </a:p>
+        </p:txBody>
+      </p:sp>
+      <p:sp>
+        <p:nvSpPr>
+          <p:cNvPr id="51" name="矩形 50"/>
+          <p:cNvSpPr/>
+          <p:nvPr/>
+        </p:nvSpPr>
+        <p:spPr>
+          <a:xfrm>
+            <a:off x="6331585" y="2794635"/>
+            <a:ext cx="97155" cy="75565"/>
+          </a:xfrm>
+          <a:prstGeom prst="rect">
+            <a:avLst/>
+          </a:prstGeom>
+          <a:noFill/>
+        </p:spPr>
+        <p:style>
+          <a:lnRef idx="2">
+            <a:schemeClr val="accent1">
+              <a:shade val="50000"/>
+            </a:schemeClr>
+          </a:lnRef>
+          <a:fillRef idx="1">
+            <a:schemeClr val="accent1"/>
+          </a:fillRef>
+          <a:effectRef idx="0">
+            <a:schemeClr val="accent1"/>
+          </a:effectRef>
+          <a:fontRef idx="minor">
+            <a:schemeClr val="lt1"/>
+          </a:fontRef>
+        </p:style>
+        <p:txBody>
+          <a:bodyPr rtlCol="0" anchor="ctr"/>
+          <a:p>
+            <a:pPr algn="ctr"/>
+            <a:endParaRPr lang="zh-CN" altLang="en-US"/>
+          </a:p>
+        </p:txBody>
+      </p:sp>
+      <p:sp>
+        <p:nvSpPr>
+          <p:cNvPr id="52" name="矩形 51"/>
+          <p:cNvSpPr/>
+          <p:nvPr/>
+        </p:nvSpPr>
+        <p:spPr>
+          <a:xfrm>
+            <a:off x="6428740" y="2794635"/>
+            <a:ext cx="97155" cy="75565"/>
+          </a:xfrm>
+          <a:prstGeom prst="rect">
+            <a:avLst/>
+          </a:prstGeom>
+          <a:noFill/>
+        </p:spPr>
+        <p:style>
+          <a:lnRef idx="2">
+            <a:schemeClr val="accent1">
+              <a:shade val="50000"/>
+            </a:schemeClr>
+          </a:lnRef>
+          <a:fillRef idx="1">
+            <a:schemeClr val="accent1"/>
+          </a:fillRef>
+          <a:effectRef idx="0">
+            <a:schemeClr val="accent1"/>
+          </a:effectRef>
+          <a:fontRef idx="minor">
+            <a:schemeClr val="lt1"/>
+          </a:fontRef>
+        </p:style>
+        <p:txBody>
+          <a:bodyPr rtlCol="0" anchor="ctr"/>
+          <a:p>
+            <a:pPr algn="ctr"/>
+            <a:endParaRPr lang="zh-CN" altLang="en-US"/>
+          </a:p>
+        </p:txBody>
+      </p:sp>
+      <p:sp>
+        <p:nvSpPr>
+          <p:cNvPr id="53" name="矩形 52"/>
+          <p:cNvSpPr/>
+          <p:nvPr/>
+        </p:nvSpPr>
+        <p:spPr>
+          <a:xfrm>
+            <a:off x="9024620" y="2778760"/>
+            <a:ext cx="97155" cy="75565"/>
+          </a:xfrm>
+          <a:prstGeom prst="rect">
+            <a:avLst/>
+          </a:prstGeom>
+          <a:noFill/>
+        </p:spPr>
+        <p:style>
+          <a:lnRef idx="2">
+            <a:schemeClr val="accent1">
+              <a:shade val="50000"/>
+            </a:schemeClr>
+          </a:lnRef>
+          <a:fillRef idx="1">
+            <a:schemeClr val="accent1"/>
+          </a:fillRef>
+          <a:effectRef idx="0">
+            <a:schemeClr val="accent1"/>
+          </a:effectRef>
+          <a:fontRef idx="minor">
+            <a:schemeClr val="lt1"/>
+          </a:fontRef>
+        </p:style>
+        <p:txBody>
+          <a:bodyPr rtlCol="0" anchor="ctr"/>
+          <a:p>
+            <a:pPr algn="ctr"/>
+            <a:endParaRPr lang="zh-CN" altLang="en-US"/>
+          </a:p>
+        </p:txBody>
+      </p:sp>
+      <p:sp>
+        <p:nvSpPr>
+          <p:cNvPr id="54" name="矩形 53"/>
+          <p:cNvSpPr/>
+          <p:nvPr/>
+        </p:nvSpPr>
+        <p:spPr>
+          <a:xfrm>
+            <a:off x="9130030" y="2786380"/>
+            <a:ext cx="97155" cy="75565"/>
+          </a:xfrm>
+          <a:prstGeom prst="rect">
+            <a:avLst/>
+          </a:prstGeom>
+          <a:noFill/>
+        </p:spPr>
+        <p:style>
+          <a:lnRef idx="2">
+            <a:schemeClr val="accent1">
+              <a:shade val="50000"/>
+            </a:schemeClr>
+          </a:lnRef>
+          <a:fillRef idx="1">
+            <a:schemeClr val="accent1"/>
+          </a:fillRef>
+          <a:effectRef idx="0">
+            <a:schemeClr val="accent1"/>
+          </a:effectRef>
+          <a:fontRef idx="minor">
+            <a:schemeClr val="lt1"/>
+          </a:fontRef>
+        </p:style>
+        <p:txBody>
+          <a:bodyPr rtlCol="0" anchor="ctr"/>
+          <a:p>
+            <a:pPr algn="ctr"/>
+            <a:endParaRPr lang="zh-CN" altLang="en-US"/>
+          </a:p>
+        </p:txBody>
+      </p:sp>
+      <p:sp>
+        <p:nvSpPr>
+          <p:cNvPr id="55" name="矩形 54"/>
+          <p:cNvSpPr/>
+          <p:nvPr/>
+        </p:nvSpPr>
+        <p:spPr>
+          <a:xfrm>
+            <a:off x="9227185" y="2786380"/>
+            <a:ext cx="97155" cy="75565"/>
+          </a:xfrm>
+          <a:prstGeom prst="rect">
+            <a:avLst/>
+          </a:prstGeom>
+          <a:noFill/>
+        </p:spPr>
+        <p:style>
+          <a:lnRef idx="2">
+            <a:schemeClr val="accent1">
+              <a:shade val="50000"/>
+            </a:schemeClr>
+          </a:lnRef>
+          <a:fillRef idx="1">
+            <a:schemeClr val="accent1"/>
+          </a:fillRef>
+          <a:effectRef idx="0">
+            <a:schemeClr val="accent1"/>
+          </a:effectRef>
+          <a:fontRef idx="minor">
+            <a:schemeClr val="lt1"/>
+          </a:fontRef>
+        </p:style>
+        <p:txBody>
+          <a:bodyPr rtlCol="0" anchor="ctr"/>
+          <a:p>
+            <a:pPr algn="ctr"/>
+            <a:endParaRPr lang="zh-CN" altLang="en-US"/>
+          </a:p>
+        </p:txBody>
+      </p:sp>
+      <p:sp>
+        <p:nvSpPr>
+          <p:cNvPr id="56" name="矩形 55"/>
+          <p:cNvSpPr/>
+          <p:nvPr/>
+        </p:nvSpPr>
+        <p:spPr>
+          <a:xfrm>
+            <a:off x="9324340" y="2786380"/>
+            <a:ext cx="97155" cy="75565"/>
+          </a:xfrm>
+          <a:prstGeom prst="rect">
+            <a:avLst/>
+          </a:prstGeom>
+          <a:noFill/>
+        </p:spPr>
+        <p:style>
+          <a:lnRef idx="2">
+            <a:schemeClr val="accent1">
+              <a:shade val="50000"/>
+            </a:schemeClr>
+          </a:lnRef>
+          <a:fillRef idx="1">
+            <a:schemeClr val="accent1"/>
+          </a:fillRef>
+          <a:effectRef idx="0">
+            <a:schemeClr val="accent1"/>
+          </a:effectRef>
+          <a:fontRef idx="minor">
+            <a:schemeClr val="lt1"/>
+          </a:fontRef>
+        </p:style>
+        <p:txBody>
+          <a:bodyPr rtlCol="0" anchor="ctr"/>
+          <a:p>
+            <a:pPr algn="ctr"/>
+            <a:endParaRPr lang="zh-CN" altLang="en-US"/>
+          </a:p>
+        </p:txBody>
+      </p:sp>
+      <p:sp>
+        <p:nvSpPr>
+          <p:cNvPr id="57" name="矩形 56"/>
+          <p:cNvSpPr/>
+          <p:nvPr/>
+        </p:nvSpPr>
+        <p:spPr>
+          <a:xfrm>
+            <a:off x="9432290" y="2786380"/>
+            <a:ext cx="97155" cy="75565"/>
+          </a:xfrm>
+          <a:prstGeom prst="rect">
+            <a:avLst/>
+          </a:prstGeom>
+          <a:noFill/>
+        </p:spPr>
+        <p:style>
+          <a:lnRef idx="2">
+            <a:schemeClr val="accent1">
+              <a:shade val="50000"/>
+            </a:schemeClr>
+          </a:lnRef>
+          <a:fillRef idx="1">
+            <a:schemeClr val="accent1"/>
+          </a:fillRef>
+          <a:effectRef idx="0">
+            <a:schemeClr val="accent1"/>
+          </a:effectRef>
+          <a:fontRef idx="minor">
+            <a:schemeClr val="lt1"/>
+          </a:fontRef>
+        </p:style>
+        <p:txBody>
+          <a:bodyPr rtlCol="0" anchor="ctr"/>
+          <a:p>
+            <a:pPr algn="ctr"/>
+            <a:endParaRPr lang="zh-CN" altLang="en-US"/>
+          </a:p>
+        </p:txBody>
+      </p:sp>
+      <p:sp>
+        <p:nvSpPr>
+          <p:cNvPr id="58" name="矩形 57"/>
+          <p:cNvSpPr/>
+          <p:nvPr/>
+        </p:nvSpPr>
+        <p:spPr>
+          <a:xfrm>
+            <a:off x="9526905" y="2784475"/>
+            <a:ext cx="97155" cy="75565"/>
+          </a:xfrm>
+          <a:prstGeom prst="rect">
+            <a:avLst/>
+          </a:prstGeom>
+          <a:noFill/>
+        </p:spPr>
+        <p:style>
+          <a:lnRef idx="2">
+            <a:schemeClr val="accent1">
+              <a:shade val="50000"/>
+            </a:schemeClr>
+          </a:lnRef>
+          <a:fillRef idx="1">
+            <a:schemeClr val="accent1"/>
+          </a:fillRef>
+          <a:effectRef idx="0">
+            <a:schemeClr val="accent1"/>
+          </a:effectRef>
+          <a:fontRef idx="minor">
+            <a:schemeClr val="lt1"/>
+          </a:fontRef>
+        </p:style>
+        <p:txBody>
+          <a:bodyPr rtlCol="0" anchor="ctr"/>
+          <a:p>
+            <a:pPr algn="ctr"/>
+            <a:endParaRPr lang="zh-CN" altLang="en-US"/>
+          </a:p>
+        </p:txBody>
+      </p:sp>
+      <p:sp>
+        <p:nvSpPr>
+          <p:cNvPr id="59" name="矩形 58"/>
+          <p:cNvSpPr/>
+          <p:nvPr/>
+        </p:nvSpPr>
+        <p:spPr>
+          <a:xfrm>
+            <a:off x="9624060" y="2784475"/>
+            <a:ext cx="97155" cy="75565"/>
+          </a:xfrm>
+          <a:prstGeom prst="rect">
+            <a:avLst/>
+          </a:prstGeom>
+          <a:noFill/>
+        </p:spPr>
+        <p:style>
+          <a:lnRef idx="2">
+            <a:schemeClr val="accent1">
+              <a:shade val="50000"/>
+            </a:schemeClr>
+          </a:lnRef>
+          <a:fillRef idx="1">
+            <a:schemeClr val="accent1"/>
+          </a:fillRef>
+          <a:effectRef idx="0">
+            <a:schemeClr val="accent1"/>
+          </a:effectRef>
+          <a:fontRef idx="minor">
+            <a:schemeClr val="lt1"/>
+          </a:fontRef>
+        </p:style>
+        <p:txBody>
+          <a:bodyPr rtlCol="0" anchor="ctr"/>
+          <a:p>
+            <a:pPr algn="ctr"/>
+            <a:endParaRPr lang="zh-CN" altLang="en-US"/>
+          </a:p>
+        </p:txBody>
+      </p:sp>
+      <p:sp>
+        <p:nvSpPr>
+          <p:cNvPr id="60" name="矩形 59"/>
+          <p:cNvSpPr/>
+          <p:nvPr/>
+        </p:nvSpPr>
+        <p:spPr>
+          <a:xfrm>
+            <a:off x="9721215" y="2784475"/>
+            <a:ext cx="97155" cy="75565"/>
+          </a:xfrm>
+          <a:prstGeom prst="rect">
+            <a:avLst/>
+          </a:prstGeom>
+          <a:noFill/>
+        </p:spPr>
+        <p:style>
+          <a:lnRef idx="2">
+            <a:schemeClr val="accent1">
+              <a:shade val="50000"/>
+            </a:schemeClr>
+          </a:lnRef>
+          <a:fillRef idx="1">
+            <a:schemeClr val="accent1"/>
+          </a:fillRef>
+          <a:effectRef idx="0">
+            <a:schemeClr val="accent1"/>
+          </a:effectRef>
+          <a:fontRef idx="minor">
+            <a:schemeClr val="lt1"/>
+          </a:fontRef>
+        </p:style>
+        <p:txBody>
+          <a:bodyPr rtlCol="0" anchor="ctr"/>
+          <a:p>
+            <a:pPr algn="ctr"/>
+            <a:endParaRPr lang="zh-CN" altLang="en-US"/>
+          </a:p>
+        </p:txBody>
+      </p:sp>
+      <p:sp>
+        <p:nvSpPr>
+          <p:cNvPr id="61" name="矩形 60"/>
+          <p:cNvSpPr/>
+          <p:nvPr/>
+        </p:nvSpPr>
+        <p:spPr>
+          <a:xfrm>
+            <a:off x="4557395" y="3593465"/>
+            <a:ext cx="97155" cy="75565"/>
+          </a:xfrm>
+          <a:prstGeom prst="rect">
+            <a:avLst/>
+          </a:prstGeom>
+          <a:solidFill>
+            <a:schemeClr val="accent1"/>
+          </a:solidFill>
+        </p:spPr>
+        <p:style>
+          <a:lnRef idx="2">
+            <a:schemeClr val="accent1">
+              <a:shade val="50000"/>
+            </a:schemeClr>
+          </a:lnRef>
+          <a:fillRef idx="1">
+            <a:schemeClr val="accent1"/>
+          </a:fillRef>
+          <a:effectRef idx="0">
+            <a:schemeClr val="accent1"/>
+          </a:effectRef>
+          <a:fontRef idx="minor">
+            <a:schemeClr val="lt1"/>
+          </a:fontRef>
+        </p:style>
+        <p:txBody>
+          <a:bodyPr rtlCol="0" anchor="ctr"/>
+          <a:p>
+            <a:pPr algn="ctr"/>
+            <a:endParaRPr lang="zh-CN" altLang="en-US"/>
+          </a:p>
+        </p:txBody>
+      </p:sp>
+      <p:sp>
+        <p:nvSpPr>
+          <p:cNvPr id="62" name="矩形 61"/>
+          <p:cNvSpPr/>
+          <p:nvPr/>
+        </p:nvSpPr>
+        <p:spPr>
+          <a:xfrm>
+            <a:off x="6004560" y="3587115"/>
+            <a:ext cx="97155" cy="75565"/>
+          </a:xfrm>
+          <a:prstGeom prst="rect">
+            <a:avLst/>
+          </a:prstGeom>
+          <a:noFill/>
+        </p:spPr>
+        <p:style>
+          <a:lnRef idx="2">
+            <a:schemeClr val="accent1">
+              <a:shade val="50000"/>
+            </a:schemeClr>
+          </a:lnRef>
+          <a:fillRef idx="1">
+            <a:schemeClr val="accent1"/>
+          </a:fillRef>
+          <a:effectRef idx="0">
+            <a:schemeClr val="accent1"/>
+          </a:effectRef>
+          <a:fontRef idx="minor">
+            <a:schemeClr val="lt1"/>
+          </a:fontRef>
+        </p:style>
+        <p:txBody>
+          <a:bodyPr rtlCol="0" anchor="ctr"/>
+          <a:p>
+            <a:pPr algn="ctr"/>
+            <a:endParaRPr lang="zh-CN" altLang="en-US"/>
+          </a:p>
+        </p:txBody>
+      </p:sp>
+      <p:sp>
+        <p:nvSpPr>
+          <p:cNvPr id="63" name="文本框 62"/>
+          <p:cNvSpPr txBox="1"/>
+          <p:nvPr/>
+        </p:nvSpPr>
+        <p:spPr>
+          <a:xfrm>
+            <a:off x="4873625" y="3447415"/>
+            <a:ext cx="868680" cy="368300"/>
+          </a:xfrm>
+          <a:prstGeom prst="rect">
+            <a:avLst/>
+          </a:prstGeom>
+          <a:noFill/>
+        </p:spPr>
+        <p:txBody>
+          <a:bodyPr wrap="none" rtlCol="0">
+            <a:spAutoFit/>
+          </a:bodyPr>
+          <a:p>
+            <a:r>
+              <a:rPr lang="zh-CN" altLang="en-US"/>
+              <a:t>非空闲</a:t>
+            </a:r>
+            <a:endParaRPr lang="zh-CN" altLang="en-US"/>
+          </a:p>
+        </p:txBody>
+      </p:sp>
+      <p:sp>
+        <p:nvSpPr>
+          <p:cNvPr id="64" name="文本框 63"/>
+          <p:cNvSpPr txBox="1"/>
+          <p:nvPr/>
+        </p:nvSpPr>
+        <p:spPr>
+          <a:xfrm>
+            <a:off x="6341745" y="3447415"/>
+            <a:ext cx="640080" cy="368300"/>
+          </a:xfrm>
+          <a:prstGeom prst="rect">
+            <a:avLst/>
+          </a:prstGeom>
+          <a:noFill/>
+        </p:spPr>
+        <p:txBody>
+          <a:bodyPr wrap="none" rtlCol="0">
+            <a:spAutoFit/>
+          </a:bodyPr>
+          <a:p>
+            <a:r>
+              <a:rPr lang="zh-CN" altLang="en-US"/>
+              <a:t>空闲</a:t>
+            </a:r>
+            <a:endParaRPr lang="zh-CN" altLang="en-US"/>
+          </a:p>
+        </p:txBody>
+      </p:sp>
+      <p:sp>
+        <p:nvSpPr>
+          <p:cNvPr id="65" name="矩形 64"/>
+          <p:cNvSpPr/>
+          <p:nvPr/>
+        </p:nvSpPr>
+        <p:spPr>
+          <a:xfrm>
+            <a:off x="9972040" y="2785745"/>
+            <a:ext cx="97155" cy="75565"/>
+          </a:xfrm>
+          <a:prstGeom prst="rect">
+            <a:avLst/>
+          </a:prstGeom>
+          <a:noFill/>
+        </p:spPr>
+        <p:style>
+          <a:lnRef idx="2">
+            <a:schemeClr val="accent1">
+              <a:shade val="50000"/>
+            </a:schemeClr>
+          </a:lnRef>
+          <a:fillRef idx="1">
+            <a:schemeClr val="accent1"/>
+          </a:fillRef>
+          <a:effectRef idx="0">
+            <a:schemeClr val="accent1"/>
+          </a:effectRef>
+          <a:fontRef idx="minor">
+            <a:schemeClr val="lt1"/>
+          </a:fontRef>
+        </p:style>
+        <p:txBody>
+          <a:bodyPr rtlCol="0" anchor="ctr"/>
+          <a:p>
+            <a:pPr algn="ctr"/>
+            <a:endParaRPr lang="zh-CN" altLang="en-US"/>
+          </a:p>
+        </p:txBody>
+      </p:sp>
+      <p:sp>
+        <p:nvSpPr>
+          <p:cNvPr id="66" name="矩形 65"/>
+          <p:cNvSpPr/>
+          <p:nvPr/>
+        </p:nvSpPr>
+        <p:spPr>
+          <a:xfrm>
+            <a:off x="10077450" y="2783840"/>
+            <a:ext cx="97155" cy="75565"/>
+          </a:xfrm>
+          <a:prstGeom prst="rect">
+            <a:avLst/>
+          </a:prstGeom>
+          <a:noFill/>
+        </p:spPr>
+        <p:style>
+          <a:lnRef idx="2">
+            <a:schemeClr val="accent1">
+              <a:shade val="50000"/>
+            </a:schemeClr>
+          </a:lnRef>
+          <a:fillRef idx="1">
+            <a:schemeClr val="accent1"/>
+          </a:fillRef>
+          <a:effectRef idx="0">
+            <a:schemeClr val="accent1"/>
+          </a:effectRef>
+          <a:fontRef idx="minor">
+            <a:schemeClr val="lt1"/>
+          </a:fontRef>
+        </p:style>
+        <p:txBody>
+          <a:bodyPr rtlCol="0" anchor="ctr"/>
+          <a:p>
+            <a:pPr algn="ctr"/>
+            <a:endParaRPr lang="zh-CN" altLang="en-US"/>
+          </a:p>
+        </p:txBody>
+      </p:sp>
+      <p:sp>
+        <p:nvSpPr>
+          <p:cNvPr id="67" name="矩形 66"/>
+          <p:cNvSpPr/>
+          <p:nvPr/>
+        </p:nvSpPr>
+        <p:spPr>
+          <a:xfrm>
+            <a:off x="10174605" y="2783840"/>
+            <a:ext cx="97155" cy="75565"/>
+          </a:xfrm>
+          <a:prstGeom prst="rect">
+            <a:avLst/>
+          </a:prstGeom>
+          <a:noFill/>
+        </p:spPr>
+        <p:style>
+          <a:lnRef idx="2">
+            <a:schemeClr val="accent1">
+              <a:shade val="50000"/>
+            </a:schemeClr>
+          </a:lnRef>
+          <a:fillRef idx="1">
+            <a:schemeClr val="accent1"/>
+          </a:fillRef>
+          <a:effectRef idx="0">
+            <a:schemeClr val="accent1"/>
+          </a:effectRef>
+          <a:fontRef idx="minor">
+            <a:schemeClr val="lt1"/>
+          </a:fontRef>
+        </p:style>
+        <p:txBody>
+          <a:bodyPr rtlCol="0" anchor="ctr"/>
+          <a:p>
+            <a:pPr algn="ctr"/>
+            <a:endParaRPr lang="zh-CN" altLang="en-US"/>
+          </a:p>
+        </p:txBody>
+      </p:sp>
+      <p:sp>
+        <p:nvSpPr>
+          <p:cNvPr id="68" name="矩形 67"/>
+          <p:cNvSpPr/>
+          <p:nvPr/>
+        </p:nvSpPr>
+        <p:spPr>
+          <a:xfrm>
+            <a:off x="10271760" y="2783840"/>
+            <a:ext cx="97155" cy="75565"/>
+          </a:xfrm>
+          <a:prstGeom prst="rect">
+            <a:avLst/>
+          </a:prstGeom>
+          <a:noFill/>
+        </p:spPr>
+        <p:style>
+          <a:lnRef idx="2">
+            <a:schemeClr val="accent1">
+              <a:shade val="50000"/>
+            </a:schemeClr>
+          </a:lnRef>
+          <a:fillRef idx="1">
+            <a:schemeClr val="accent1"/>
+          </a:fillRef>
+          <a:effectRef idx="0">
+            <a:schemeClr val="accent1"/>
+          </a:effectRef>
+          <a:fontRef idx="minor">
+            <a:schemeClr val="lt1"/>
+          </a:fontRef>
+        </p:style>
+        <p:txBody>
+          <a:bodyPr rtlCol="0" anchor="ctr"/>
+          <a:p>
+            <a:pPr algn="ctr"/>
+            <a:endParaRPr lang="zh-CN" altLang="en-US"/>
+          </a:p>
+        </p:txBody>
+      </p:sp>
+      <p:sp>
+        <p:nvSpPr>
+          <p:cNvPr id="69" name="矩形 68"/>
+          <p:cNvSpPr/>
+          <p:nvPr/>
+        </p:nvSpPr>
+        <p:spPr>
+          <a:xfrm>
+            <a:off x="10379710" y="2783840"/>
+            <a:ext cx="97155" cy="75565"/>
+          </a:xfrm>
+          <a:prstGeom prst="rect">
+            <a:avLst/>
+          </a:prstGeom>
+          <a:noFill/>
+        </p:spPr>
+        <p:style>
+          <a:lnRef idx="2">
+            <a:schemeClr val="accent1">
+              <a:shade val="50000"/>
+            </a:schemeClr>
+          </a:lnRef>
+          <a:fillRef idx="1">
+            <a:schemeClr val="accent1"/>
+          </a:fillRef>
+          <a:effectRef idx="0">
+            <a:schemeClr val="accent1"/>
+          </a:effectRef>
+          <a:fontRef idx="minor">
+            <a:schemeClr val="lt1"/>
+          </a:fontRef>
+        </p:style>
+        <p:txBody>
+          <a:bodyPr rtlCol="0" anchor="ctr"/>
+          <a:p>
+            <a:pPr algn="ctr"/>
+            <a:endParaRPr lang="zh-CN" altLang="en-US"/>
+          </a:p>
+        </p:txBody>
+      </p:sp>
+      <p:sp>
+        <p:nvSpPr>
+          <p:cNvPr id="70" name="矩形 69"/>
+          <p:cNvSpPr/>
+          <p:nvPr/>
+        </p:nvSpPr>
+        <p:spPr>
+          <a:xfrm>
+            <a:off x="10474325" y="2781300"/>
+            <a:ext cx="97155" cy="75565"/>
+          </a:xfrm>
+          <a:prstGeom prst="rect">
+            <a:avLst/>
+          </a:prstGeom>
+          <a:noFill/>
+        </p:spPr>
+        <p:style>
+          <a:lnRef idx="2">
+            <a:schemeClr val="accent1">
+              <a:shade val="50000"/>
+            </a:schemeClr>
+          </a:lnRef>
+          <a:fillRef idx="1">
+            <a:schemeClr val="accent1"/>
+          </a:fillRef>
+          <a:effectRef idx="0">
+            <a:schemeClr val="accent1"/>
+          </a:effectRef>
+          <a:fontRef idx="minor">
+            <a:schemeClr val="lt1"/>
+          </a:fontRef>
+        </p:style>
+        <p:txBody>
+          <a:bodyPr rtlCol="0" anchor="ctr"/>
+          <a:p>
+            <a:pPr algn="ctr"/>
+            <a:endParaRPr lang="zh-CN" altLang="en-US"/>
+          </a:p>
+        </p:txBody>
+      </p:sp>
+      <p:sp>
+        <p:nvSpPr>
+          <p:cNvPr id="71" name="矩形 70"/>
+          <p:cNvSpPr/>
+          <p:nvPr/>
+        </p:nvSpPr>
+        <p:spPr>
+          <a:xfrm>
+            <a:off x="10571480" y="2781300"/>
+            <a:ext cx="97155" cy="75565"/>
+          </a:xfrm>
+          <a:prstGeom prst="rect">
+            <a:avLst/>
+          </a:prstGeom>
+          <a:noFill/>
+        </p:spPr>
+        <p:style>
+          <a:lnRef idx="2">
+            <a:schemeClr val="accent1">
+              <a:shade val="50000"/>
+            </a:schemeClr>
+          </a:lnRef>
+          <a:fillRef idx="1">
+            <a:schemeClr val="accent1"/>
+          </a:fillRef>
+          <a:effectRef idx="0">
+            <a:schemeClr val="accent1"/>
+          </a:effectRef>
+          <a:fontRef idx="minor">
+            <a:schemeClr val="lt1"/>
+          </a:fontRef>
+        </p:style>
+        <p:txBody>
+          <a:bodyPr rtlCol="0" anchor="ctr"/>
+          <a:p>
+            <a:pPr algn="ctr"/>
+            <a:endParaRPr lang="zh-CN" altLang="en-US"/>
+          </a:p>
+        </p:txBody>
+      </p:sp>
+      <p:sp>
+        <p:nvSpPr>
+          <p:cNvPr id="72" name="矩形 71"/>
+          <p:cNvSpPr/>
+          <p:nvPr/>
+        </p:nvSpPr>
+        <p:spPr>
+          <a:xfrm>
+            <a:off x="10668635" y="2781300"/>
+            <a:ext cx="97155" cy="75565"/>
+          </a:xfrm>
+          <a:prstGeom prst="rect">
+            <a:avLst/>
+          </a:prstGeom>
+          <a:noFill/>
+        </p:spPr>
+        <p:style>
+          <a:lnRef idx="2">
+            <a:schemeClr val="accent1">
+              <a:shade val="50000"/>
+            </a:schemeClr>
+          </a:lnRef>
+          <a:fillRef idx="1">
+            <a:schemeClr val="accent1"/>
+          </a:fillRef>
+          <a:effectRef idx="0">
+            <a:schemeClr val="accent1"/>
+          </a:effectRef>
+          <a:fontRef idx="minor">
+            <a:schemeClr val="lt1"/>
+          </a:fontRef>
+        </p:style>
+        <p:txBody>
+          <a:bodyPr rtlCol="0" anchor="ctr"/>
+          <a:p>
+            <a:pPr algn="ctr"/>
+            <a:endParaRPr lang="zh-CN" altLang="en-US"/>
+          </a:p>
+        </p:txBody>
+      </p:sp>
+      <p:sp>
+        <p:nvSpPr>
+          <p:cNvPr id="73" name="下箭头 72"/>
+          <p:cNvSpPr/>
+          <p:nvPr/>
+        </p:nvSpPr>
+        <p:spPr>
+          <a:xfrm>
+            <a:off x="4892675" y="2434590"/>
+            <a:ext cx="75565" cy="324485"/>
+          </a:xfrm>
+          <a:prstGeom prst="downArrow">
+            <a:avLst/>
+          </a:prstGeom>
+          <a:noFill/>
+        </p:spPr>
+        <p:style>
+          <a:lnRef idx="2">
+            <a:schemeClr val="accent1">
+              <a:shade val="50000"/>
+            </a:schemeClr>
+          </a:lnRef>
+          <a:fillRef idx="1">
+            <a:schemeClr val="accent1"/>
+          </a:fillRef>
+          <a:effectRef idx="0">
+            <a:schemeClr val="accent1"/>
+          </a:effectRef>
+          <a:fontRef idx="minor">
+            <a:schemeClr val="lt1"/>
+          </a:fontRef>
+        </p:style>
+        <p:txBody>
+          <a:bodyPr rtlCol="0" anchor="ctr"/>
+          <a:p>
+            <a:pPr algn="ctr"/>
+            <a:endParaRPr lang="zh-CN" altLang="en-US"/>
+          </a:p>
+        </p:txBody>
+      </p:sp>
+      <p:sp>
+        <p:nvSpPr>
+          <p:cNvPr id="74" name="右大括号 73"/>
+          <p:cNvSpPr/>
+          <p:nvPr/>
+        </p:nvSpPr>
+        <p:spPr>
+          <a:xfrm rot="5400000">
+            <a:off x="7713980" y="20955"/>
+            <a:ext cx="114300" cy="5988685"/>
+          </a:xfrm>
+          <a:prstGeom prst="rightBrace">
+            <a:avLst/>
+          </a:prstGeom>
+        </p:spPr>
+        <p:style>
+          <a:lnRef idx="1">
+            <a:schemeClr val="accent1"/>
+          </a:lnRef>
+          <a:fillRef idx="0">
+            <a:schemeClr val="accent1"/>
+          </a:fillRef>
+          <a:effectRef idx="0">
+            <a:schemeClr val="accent1"/>
+          </a:effectRef>
+          <a:fontRef idx="minor">
+            <a:schemeClr val="tx1"/>
+          </a:fontRef>
+        </p:style>
+        <p:txBody>
+          <a:bodyPr rtlCol="0" anchor="ctr"/>
+          <a:p>
+            <a:pPr algn="ctr"/>
+            <a:endParaRPr lang="zh-CN" altLang="en-US"/>
+          </a:p>
+        </p:txBody>
+      </p:sp>
+      <p:sp>
+        <p:nvSpPr>
+          <p:cNvPr id="83" name="文本框 82"/>
+          <p:cNvSpPr txBox="1"/>
+          <p:nvPr/>
+        </p:nvSpPr>
+        <p:spPr>
+          <a:xfrm>
+            <a:off x="4610100" y="1951990"/>
+            <a:ext cx="640080" cy="368300"/>
+          </a:xfrm>
+          <a:prstGeom prst="rect">
+            <a:avLst/>
+          </a:prstGeom>
+          <a:noFill/>
+        </p:spPr>
+        <p:txBody>
+          <a:bodyPr wrap="none" rtlCol="0">
+            <a:spAutoFit/>
+          </a:bodyPr>
+          <a:p>
+            <a:r>
+              <a:rPr lang="zh-CN" altLang="en-US"/>
+              <a:t>查找</a:t>
+            </a:r>
+            <a:endParaRPr lang="zh-CN" altLang="en-US"/>
+          </a:p>
+        </p:txBody>
+      </p:sp>
+      <p:sp>
+        <p:nvSpPr>
+          <p:cNvPr id="84" name="文本框 83"/>
+          <p:cNvSpPr txBox="1"/>
+          <p:nvPr/>
+        </p:nvSpPr>
+        <p:spPr>
+          <a:xfrm>
+            <a:off x="5892165" y="2101215"/>
+            <a:ext cx="474345" cy="368300"/>
+          </a:xfrm>
+          <a:prstGeom prst="rect">
+            <a:avLst/>
+          </a:prstGeom>
+          <a:noFill/>
+        </p:spPr>
+        <p:txBody>
+          <a:bodyPr wrap="none" rtlCol="0">
+            <a:spAutoFit/>
+          </a:bodyPr>
+          <a:p>
+            <a:r>
+              <a:rPr lang="en-US" altLang="zh-CN"/>
+              <a:t>1 B</a:t>
+            </a:r>
+            <a:endParaRPr lang="en-US" altLang="zh-CN"/>
+          </a:p>
+        </p:txBody>
+      </p:sp>
+      <p:sp>
+        <p:nvSpPr>
+          <p:cNvPr id="85" name="文本框 84"/>
+          <p:cNvSpPr txBox="1"/>
+          <p:nvPr/>
+        </p:nvSpPr>
+        <p:spPr>
+          <a:xfrm>
+            <a:off x="7697470" y="2633980"/>
+            <a:ext cx="356235" cy="368300"/>
+          </a:xfrm>
+          <a:prstGeom prst="rect">
+            <a:avLst/>
+          </a:prstGeom>
+          <a:noFill/>
+        </p:spPr>
+        <p:txBody>
+          <a:bodyPr wrap="none" rtlCol="0">
+            <a:spAutoFit/>
+          </a:bodyPr>
+          <a:p>
+            <a:r>
+              <a:rPr lang="en-US" altLang="zh-CN"/>
+              <a:t>...</a:t>
+            </a:r>
+            <a:endParaRPr lang="en-US" altLang="zh-CN"/>
+          </a:p>
+        </p:txBody>
+      </p:sp>
+      <p:sp>
+        <p:nvSpPr>
+          <p:cNvPr id="86" name="右大括号 85"/>
+          <p:cNvSpPr/>
+          <p:nvPr/>
+        </p:nvSpPr>
+        <p:spPr>
+          <a:xfrm rot="16200000">
+            <a:off x="6077585" y="2210435"/>
+            <a:ext cx="103505" cy="794385"/>
+          </a:xfrm>
+          <a:prstGeom prst="rightBrace">
+            <a:avLst/>
+          </a:prstGeom>
+        </p:spPr>
+        <p:style>
+          <a:lnRef idx="1">
+            <a:schemeClr val="accent1"/>
+          </a:lnRef>
+          <a:fillRef idx="0">
+            <a:schemeClr val="accent1"/>
+          </a:fillRef>
+          <a:effectRef idx="0">
+            <a:schemeClr val="accent1"/>
+          </a:effectRef>
+          <a:fontRef idx="minor">
+            <a:schemeClr val="tx1"/>
+          </a:fontRef>
+        </p:style>
+        <p:txBody>
+          <a:bodyPr rtlCol="0" anchor="ctr"/>
+          <a:p>
+            <a:pPr algn="ctr"/>
+            <a:endParaRPr lang="zh-CN" altLang="en-US"/>
+          </a:p>
+        </p:txBody>
+      </p:sp>
+      <p:sp>
+        <p:nvSpPr>
+          <p:cNvPr id="87" name="文本框 86"/>
+          <p:cNvSpPr txBox="1"/>
+          <p:nvPr/>
+        </p:nvSpPr>
+        <p:spPr>
+          <a:xfrm>
+            <a:off x="6696710" y="3164840"/>
+            <a:ext cx="1995170" cy="368300"/>
+          </a:xfrm>
+          <a:prstGeom prst="rect">
+            <a:avLst/>
+          </a:prstGeom>
+          <a:noFill/>
+        </p:spPr>
+        <p:txBody>
+          <a:bodyPr wrap="none" rtlCol="0">
+            <a:spAutoFit/>
+          </a:bodyPr>
+          <a:p>
+            <a:r>
+              <a:rPr lang="en-US" altLang="zh-CN"/>
+              <a:t>sizeof(</a:t>
+            </a:r>
+            <a:r>
+              <a:rPr lang="zh-CN" altLang="en-US"/>
+              <a:t>数据块</a:t>
+            </a:r>
+            <a:r>
+              <a:rPr lang="zh-CN" altLang="en-US"/>
+              <a:t>位图</a:t>
+            </a:r>
+            <a:r>
+              <a:rPr lang="en-US" altLang="zh-CN"/>
+              <a:t>)</a:t>
+            </a:r>
+            <a:endParaRPr lang="en-US" altLang="zh-CN"/>
+          </a:p>
+        </p:txBody>
+      </p:sp>
+      <p:cxnSp>
+        <p:nvCxnSpPr>
+          <p:cNvPr id="89" name="直接箭头连接符 88"/>
+          <p:cNvCxnSpPr/>
+          <p:nvPr/>
+        </p:nvCxnSpPr>
+        <p:spPr>
+          <a:xfrm flipH="1">
+            <a:off x="7768590" y="3992880"/>
+            <a:ext cx="5715" cy="513715"/>
+          </a:xfrm>
+          <a:prstGeom prst="straightConnector1">
+            <a:avLst/>
+          </a:prstGeom>
+          <a:ln>
+            <a:tailEnd type="arrow"/>
+          </a:ln>
+        </p:spPr>
+        <p:style>
+          <a:lnRef idx="1">
+            <a:schemeClr val="accent1"/>
+          </a:lnRef>
+          <a:fillRef idx="0">
+            <a:schemeClr val="accent1"/>
+          </a:fillRef>
+          <a:effectRef idx="0">
+            <a:schemeClr val="accent1"/>
+          </a:effectRef>
+          <a:fontRef idx="minor">
+            <a:schemeClr val="tx1"/>
+          </a:fontRef>
+        </p:style>
+      </p:cxnSp>
+      <p:cxnSp>
+        <p:nvCxnSpPr>
+          <p:cNvPr id="92" name="直接箭头连接符 91"/>
+          <p:cNvCxnSpPr/>
+          <p:nvPr/>
+        </p:nvCxnSpPr>
+        <p:spPr>
+          <a:xfrm flipV="1">
+            <a:off x="2867025" y="2124075"/>
+            <a:ext cx="959485" cy="280035"/>
+          </a:xfrm>
+          <a:prstGeom prst="straightConnector1">
+            <a:avLst/>
+          </a:prstGeom>
+          <a:ln w="12700" cmpd="sng">
+            <a:solidFill>
+              <a:schemeClr val="accent1">
+                <a:shade val="50000"/>
+              </a:schemeClr>
+            </a:solidFill>
+            <a:prstDash val="dash"/>
+            <a:tailEnd type="arrow"/>
+          </a:ln>
+        </p:spPr>
+        <p:style>
+          <a:lnRef idx="1">
+            <a:schemeClr val="accent1"/>
+          </a:lnRef>
+          <a:fillRef idx="0">
+            <a:schemeClr val="accent1"/>
+          </a:fillRef>
+          <a:effectRef idx="0">
+            <a:schemeClr val="accent1"/>
+          </a:effectRef>
+          <a:fontRef idx="minor">
+            <a:schemeClr val="tx1"/>
+          </a:fontRef>
+        </p:style>
+      </p:cxnSp>
+      <p:cxnSp>
+        <p:nvCxnSpPr>
+          <p:cNvPr id="93" name="直接箭头连接符 92"/>
+          <p:cNvCxnSpPr/>
+          <p:nvPr/>
+        </p:nvCxnSpPr>
+        <p:spPr>
+          <a:xfrm flipH="1" flipV="1">
+            <a:off x="2867025" y="3344545"/>
+            <a:ext cx="1131570" cy="655320"/>
+          </a:xfrm>
+          <a:prstGeom prst="straightConnector1">
+            <a:avLst/>
+          </a:prstGeom>
+          <a:ln w="12700" cmpd="sng">
+            <a:solidFill>
+              <a:schemeClr val="accent1">
+                <a:shade val="50000"/>
+              </a:schemeClr>
+            </a:solidFill>
+            <a:prstDash val="dash"/>
+            <a:tailEnd type="arrow"/>
+          </a:ln>
+        </p:spPr>
+        <p:style>
+          <a:lnRef idx="1">
+            <a:schemeClr val="accent1"/>
+          </a:lnRef>
+          <a:fillRef idx="0">
+            <a:schemeClr val="accent1"/>
+          </a:fillRef>
+          <a:effectRef idx="0">
+            <a:schemeClr val="accent1"/>
+          </a:effectRef>
+          <a:fontRef idx="minor">
+            <a:schemeClr val="tx1"/>
+          </a:fontRef>
+        </p:style>
+      </p:cxnSp>
+    </p:spTree>
+  </p:cSld>
+  <p:clrMapOvr>
+    <a:masterClrMapping/>
+  </p:clrMapOvr>
+</p:sld>
+</file>
+
+<file path=ppt/slides/slide26.xml><?xml version="1.0" encoding="utf-8"?>
 <p:sld xmlns:a="http://schemas.openxmlformats.org/drawingml/2006/main" xmlns:r="http://schemas.openxmlformats.org/officeDocument/2006/relationships" xmlns:p="http://schemas.openxmlformats.org/presentationml/2006/main">
   <p:cSld>
     <p:spTree>

--- a/docs/lab5/图片.pptx
+++ b/docs/lab5/图片.pptx
@@ -34,11 +34,12 @@
     <p:sldId id="283" r:id="rId29"/>
     <p:sldId id="288" r:id="rId30"/>
     <p:sldId id="289" r:id="rId31"/>
+    <p:sldId id="330" r:id="rId32"/>
   </p:sldIdLst>
   <p:sldSz cx="12192000" cy="6858000"/>
   <p:notesSz cx="6858000" cy="9144000"/>
   <p:custDataLst>
-    <p:tags r:id="rId35"/>
+    <p:tags r:id="rId36"/>
   </p:custDataLst>
   <p:defaultTextStyle>
     <a:defPPr>
@@ -31802,6 +31803,118 @@
 </p:sld>
 </file>
 
+<file path=ppt/slides/slide30.xml><?xml version="1.0" encoding="utf-8"?>
+<p:sld xmlns:a="http://schemas.openxmlformats.org/drawingml/2006/main" xmlns:r="http://schemas.openxmlformats.org/officeDocument/2006/relationships" xmlns:p="http://schemas.openxmlformats.org/presentationml/2006/main">
+  <p:cSld>
+    <p:spTree>
+      <p:nvGrpSpPr>
+        <p:cNvPr id="1" name=""/>
+        <p:cNvGrpSpPr/>
+        <p:nvPr/>
+      </p:nvGrpSpPr>
+      <p:grpSpPr/>
+      <p:pic>
+        <p:nvPicPr>
+          <p:cNvPr id="7" name="图片 6"/>
+          <p:cNvPicPr>
+            <a:picLocks noChangeAspect="1"/>
+          </p:cNvPicPr>
+          <p:nvPr/>
+        </p:nvPicPr>
+        <p:blipFill>
+          <a:blip r:embed="rId1"/>
+          <a:stretch>
+            <a:fillRect/>
+          </a:stretch>
+        </p:blipFill>
+        <p:spPr>
+          <a:xfrm>
+            <a:off x="704850" y="639445"/>
+            <a:ext cx="4454525" cy="2830195"/>
+          </a:xfrm>
+          <a:prstGeom prst="rect">
+            <a:avLst/>
+          </a:prstGeom>
+        </p:spPr>
+      </p:pic>
+      <p:pic>
+        <p:nvPicPr>
+          <p:cNvPr id="8" name="图片 7"/>
+          <p:cNvPicPr>
+            <a:picLocks noChangeAspect="1"/>
+          </p:cNvPicPr>
+          <p:nvPr/>
+        </p:nvPicPr>
+        <p:blipFill>
+          <a:blip r:embed="rId2"/>
+          <a:stretch>
+            <a:fillRect/>
+          </a:stretch>
+        </p:blipFill>
+        <p:spPr>
+          <a:xfrm>
+            <a:off x="5754370" y="639445"/>
+            <a:ext cx="5728335" cy="3962400"/>
+          </a:xfrm>
+          <a:prstGeom prst="rect">
+            <a:avLst/>
+          </a:prstGeom>
+        </p:spPr>
+      </p:pic>
+      <p:sp>
+        <p:nvSpPr>
+          <p:cNvPr id="6" name="矩形 5"/>
+          <p:cNvSpPr/>
+          <p:nvPr/>
+        </p:nvSpPr>
+        <p:spPr>
+          <a:xfrm>
+            <a:off x="6226175" y="3147060"/>
+            <a:ext cx="4980305" cy="1132205"/>
+          </a:xfrm>
+          <a:prstGeom prst="rect">
+            <a:avLst/>
+          </a:prstGeom>
+          <a:noFill/>
+          <a:ln w="12700" cmpd="sng">
+            <a:solidFill>
+              <a:srgbClr val="FF0000"/>
+            </a:solidFill>
+            <a:prstDash val="dash"/>
+          </a:ln>
+        </p:spPr>
+        <p:style>
+          <a:lnRef idx="2">
+            <a:schemeClr val="accent1">
+              <a:shade val="50000"/>
+            </a:schemeClr>
+          </a:lnRef>
+          <a:fillRef idx="1">
+            <a:schemeClr val="accent1"/>
+          </a:fillRef>
+          <a:effectRef idx="0">
+            <a:schemeClr val="accent1"/>
+          </a:effectRef>
+          <a:fontRef idx="minor">
+            <a:schemeClr val="lt1"/>
+          </a:fontRef>
+        </p:style>
+        <p:txBody>
+          <a:bodyPr rtlCol="0" anchor="ctr"/>
+          <a:p>
+            <a:pPr algn="ctr"/>
+            <a:endParaRPr lang="zh-CN" altLang="en-US"/>
+          </a:p>
+        </p:txBody>
+      </p:sp>
+    </p:spTree>
+  </p:cSld>
+  <p:clrMapOvr>
+    <a:masterClrMapping/>
+  </p:clrMapOvr>
+</p:sld>
+</file>
+
 <file path=ppt/slides/slide4.xml><?xml version="1.0" encoding="utf-8"?>
 <p:sld xmlns:a="http://schemas.openxmlformats.org/drawingml/2006/main" xmlns:r="http://schemas.openxmlformats.org/officeDocument/2006/relationships" xmlns:p="http://schemas.openxmlformats.org/presentationml/2006/main">
   <p:cSld>
